--- a/Présentation_Medos.pptx
+++ b/Présentation_Medos.pptx
@@ -5,7 +5,7 @@
     <p:sldMasterId id="2147483648" r:id="rId1"/>
   </p:sldMasterIdLst>
   <p:notesMasterIdLst>
-    <p:notesMasterId r:id="rId41"/>
+    <p:notesMasterId r:id="rId32"/>
   </p:notesMasterIdLst>
   <p:sldIdLst>
     <p:sldId id="256" r:id="rId2"/>
@@ -38,15 +38,6 @@
     <p:sldId id="274" r:id="rId29"/>
     <p:sldId id="306" r:id="rId30"/>
     <p:sldId id="305" r:id="rId31"/>
-    <p:sldId id="257" r:id="rId32"/>
-    <p:sldId id="304" r:id="rId33"/>
-    <p:sldId id="296" r:id="rId34"/>
-    <p:sldId id="295" r:id="rId35"/>
-    <p:sldId id="297" r:id="rId36"/>
-    <p:sldId id="298" r:id="rId37"/>
-    <p:sldId id="282" r:id="rId38"/>
-    <p:sldId id="300" r:id="rId39"/>
-    <p:sldId id="301" r:id="rId40"/>
   </p:sldIdLst>
   <p:sldSz cx="12192000" cy="6858000"/>
   <p:notesSz cx="6858000" cy="9144000"/>
@@ -235,7 +226,7 @@
           <a:p>
             <a:fld id="{970943AF-7132-4A35-9E05-8A90401CB38E}" type="datetimeFigureOut">
               <a:rPr lang="en-US" smtClean="0"/>
-              <a:t>12/19/2024</a:t>
+              <a:t>12/20/2024</a:t>
             </a:fld>
             <a:endParaRPr lang="en-US"/>
           </a:p>
@@ -1259,7 +1250,7 @@
           <a:p>
             <a:fld id="{8DFBBA71-45CD-44B6-A5D0-70A402D67D14}" type="datetime1">
               <a:rPr lang="en-US" smtClean="0"/>
-              <a:t>12/19/2024</a:t>
+              <a:t>12/20/2024</a:t>
             </a:fld>
             <a:endParaRPr lang="en-US"/>
           </a:p>
@@ -1459,7 +1450,7 @@
           <a:p>
             <a:fld id="{257E157A-D424-4BE8-9BEB-54BD33419C9E}" type="datetime1">
               <a:rPr lang="en-US" smtClean="0"/>
-              <a:t>12/19/2024</a:t>
+              <a:t>12/20/2024</a:t>
             </a:fld>
             <a:endParaRPr lang="en-US"/>
           </a:p>
@@ -1669,7 +1660,7 @@
           <a:p>
             <a:fld id="{50333ECC-8D4B-4396-9326-A29746AA99DC}" type="datetime1">
               <a:rPr lang="en-US" smtClean="0"/>
-              <a:t>12/19/2024</a:t>
+              <a:t>12/20/2024</a:t>
             </a:fld>
             <a:endParaRPr lang="en-US"/>
           </a:p>
@@ -2358,7 +2349,7 @@
           <a:p>
             <a:fld id="{97F942DB-1BA6-40E3-A6A7-DB2E66F38643}" type="datetime1">
               <a:rPr lang="en-US" smtClean="0"/>
-              <a:t>12/19/2024</a:t>
+              <a:t>12/20/2024</a:t>
             </a:fld>
             <a:endParaRPr lang="en-US"/>
           </a:p>
@@ -2634,7 +2625,7 @@
           <a:p>
             <a:fld id="{7A57D328-0586-4F9F-AF91-93EA8CE161E5}" type="datetime1">
               <a:rPr lang="en-US" smtClean="0"/>
-              <a:t>12/19/2024</a:t>
+              <a:t>12/20/2024</a:t>
             </a:fld>
             <a:endParaRPr lang="en-US"/>
           </a:p>
@@ -2902,7 +2893,7 @@
           <a:p>
             <a:fld id="{BED03D67-C124-41FD-81BB-632476474F2C}" type="datetime1">
               <a:rPr lang="en-US" smtClean="0"/>
-              <a:t>12/19/2024</a:t>
+              <a:t>12/20/2024</a:t>
             </a:fld>
             <a:endParaRPr lang="en-US"/>
           </a:p>
@@ -3317,7 +3308,7 @@
           <a:p>
             <a:fld id="{F6103C1E-58C0-47CF-8A7D-7C1E6BE467B6}" type="datetime1">
               <a:rPr lang="en-US" smtClean="0"/>
-              <a:t>12/19/2024</a:t>
+              <a:t>12/20/2024</a:t>
             </a:fld>
             <a:endParaRPr lang="en-US"/>
           </a:p>
@@ -3459,7 +3450,7 @@
           <a:p>
             <a:fld id="{738E33F8-F8E8-49AA-A455-E668484CC75A}" type="datetime1">
               <a:rPr lang="en-US" smtClean="0"/>
-              <a:t>12/19/2024</a:t>
+              <a:t>12/20/2024</a:t>
             </a:fld>
             <a:endParaRPr lang="en-US"/>
           </a:p>
@@ -3572,7 +3563,7 @@
           <a:p>
             <a:fld id="{CC361D61-71C6-490A-95AF-0220C4C40ECB}" type="datetime1">
               <a:rPr lang="en-US" smtClean="0"/>
-              <a:t>12/19/2024</a:t>
+              <a:t>12/20/2024</a:t>
             </a:fld>
             <a:endParaRPr lang="en-US"/>
           </a:p>
@@ -3885,7 +3876,7 @@
           <a:p>
             <a:fld id="{4D5201D8-AA9B-42BF-BF78-5EB237042074}" type="datetime1">
               <a:rPr lang="en-US" smtClean="0"/>
-              <a:t>12/19/2024</a:t>
+              <a:t>12/20/2024</a:t>
             </a:fld>
             <a:endParaRPr lang="en-US"/>
           </a:p>
@@ -4174,7 +4165,7 @@
           <a:p>
             <a:fld id="{20D14AE2-318A-40D7-BDB9-F2C2403FC9FB}" type="datetime1">
               <a:rPr lang="en-US" smtClean="0"/>
-              <a:t>12/19/2024</a:t>
+              <a:t>12/20/2024</a:t>
             </a:fld>
             <a:endParaRPr lang="en-US"/>
           </a:p>
@@ -4417,7 +4408,7 @@
           <a:p>
             <a:fld id="{EBA4F1E9-DDC6-4F62-A1B3-EE39C5867EEC}" type="datetime1">
               <a:rPr lang="en-US" smtClean="0"/>
-              <a:t>12/19/2024</a:t>
+              <a:t>12/20/2024</a:t>
             </a:fld>
             <a:endParaRPr lang="en-US"/>
           </a:p>
@@ -13528,323 +13519,6 @@
       </p:sp>
       <p:sp>
         <p:nvSpPr>
-          <p:cNvPr id="5" name="Rectangle : coins arrondis 4">
-            <a:extLst>
-              <a:ext uri="{FF2B5EF4-FFF2-40B4-BE49-F238E27FC236}">
-                <a16:creationId xmlns:a16="http://schemas.microsoft.com/office/drawing/2014/main" id="{59081008-F8F2-7D99-54BD-268780E2EFE9}"/>
-              </a:ext>
-            </a:extLst>
-          </p:cNvPr>
-          <p:cNvSpPr/>
-          <p:nvPr/>
-        </p:nvSpPr>
-        <p:spPr>
-          <a:xfrm>
-            <a:off x="4511399" y="2111838"/>
-            <a:ext cx="2975302" cy="629265"/>
-          </a:xfrm>
-          <a:prstGeom prst="roundRect">
-            <a:avLst/>
-          </a:prstGeom>
-          <a:solidFill>
-            <a:schemeClr val="bg1"/>
-          </a:solidFill>
-          <a:ln>
-            <a:solidFill>
-              <a:schemeClr val="bg1"/>
-            </a:solidFill>
-          </a:ln>
-          <a:effectLst>
-            <a:outerShdw blurRad="406400" dist="38100" dir="5640000" algn="t" rotWithShape="0">
-              <a:schemeClr val="tx1">
-                <a:lumMod val="65000"/>
-                <a:lumOff val="35000"/>
-                <a:alpha val="22000"/>
-              </a:schemeClr>
-            </a:outerShdw>
-          </a:effectLst>
-        </p:spPr>
-        <p:style>
-          <a:lnRef idx="2">
-            <a:schemeClr val="accent1">
-              <a:shade val="15000"/>
-            </a:schemeClr>
-          </a:lnRef>
-          <a:fillRef idx="1">
-            <a:schemeClr val="accent1"/>
-          </a:fillRef>
-          <a:effectRef idx="0">
-            <a:schemeClr val="accent1"/>
-          </a:effectRef>
-          <a:fontRef idx="minor">
-            <a:schemeClr val="lt1"/>
-          </a:fontRef>
-        </p:style>
-        <p:txBody>
-          <a:bodyPr rtlCol="0" anchor="ctr"/>
-          <a:lstStyle/>
-          <a:p>
-            <a:pPr algn="ctr"/>
-            <a:r>
-              <a:rPr lang="fr-FR" sz="2000" b="1" dirty="0">
-                <a:solidFill>
-                  <a:srgbClr val="275C8D"/>
-                </a:solidFill>
-                <a:latin typeface="Century Gothic" panose="020B0502020202020204" pitchFamily="34" charset="0"/>
-              </a:rPr>
-              <a:t>Performance</a:t>
-            </a:r>
-            <a:endParaRPr lang="en-US" sz="2000" b="1" dirty="0">
-              <a:solidFill>
-                <a:srgbClr val="275C8D"/>
-              </a:solidFill>
-              <a:latin typeface="Century Gothic" panose="020B0502020202020204" pitchFamily="34" charset="0"/>
-            </a:endParaRPr>
-          </a:p>
-        </p:txBody>
-      </p:sp>
-      <p:sp>
-        <p:nvSpPr>
-          <p:cNvPr id="6" name="Rectangle : coins arrondis 5">
-            <a:extLst>
-              <a:ext uri="{FF2B5EF4-FFF2-40B4-BE49-F238E27FC236}">
-                <a16:creationId xmlns:a16="http://schemas.microsoft.com/office/drawing/2014/main" id="{E62EEDD7-D3C5-E31F-7D68-6DC840AE7297}"/>
-              </a:ext>
-            </a:extLst>
-          </p:cNvPr>
-          <p:cNvSpPr/>
-          <p:nvPr/>
-        </p:nvSpPr>
-        <p:spPr>
-          <a:xfrm>
-            <a:off x="4511399" y="2978166"/>
-            <a:ext cx="2975302" cy="629265"/>
-          </a:xfrm>
-          <a:prstGeom prst="roundRect">
-            <a:avLst/>
-          </a:prstGeom>
-          <a:solidFill>
-            <a:schemeClr val="bg1"/>
-          </a:solidFill>
-          <a:ln>
-            <a:solidFill>
-              <a:schemeClr val="bg1"/>
-            </a:solidFill>
-          </a:ln>
-          <a:effectLst>
-            <a:outerShdw blurRad="406400" dist="38100" dir="5640000" algn="t" rotWithShape="0">
-              <a:schemeClr val="tx1">
-                <a:lumMod val="65000"/>
-                <a:lumOff val="35000"/>
-                <a:alpha val="22000"/>
-              </a:schemeClr>
-            </a:outerShdw>
-          </a:effectLst>
-        </p:spPr>
-        <p:style>
-          <a:lnRef idx="2">
-            <a:schemeClr val="accent1">
-              <a:shade val="15000"/>
-            </a:schemeClr>
-          </a:lnRef>
-          <a:fillRef idx="1">
-            <a:schemeClr val="accent1"/>
-          </a:fillRef>
-          <a:effectRef idx="0">
-            <a:schemeClr val="accent1"/>
-          </a:effectRef>
-          <a:fontRef idx="minor">
-            <a:schemeClr val="lt1"/>
-          </a:fontRef>
-        </p:style>
-        <p:txBody>
-          <a:bodyPr rtlCol="0" anchor="ctr"/>
-          <a:lstStyle/>
-          <a:p>
-            <a:pPr algn="ctr"/>
-            <a:r>
-              <a:rPr lang="en-US" sz="2000" b="1" dirty="0">
-                <a:solidFill>
-                  <a:srgbClr val="275C8D"/>
-                </a:solidFill>
-                <a:latin typeface="Century Gothic" panose="020B0502020202020204" pitchFamily="34" charset="0"/>
-              </a:rPr>
-              <a:t>Rapidit</a:t>
-            </a:r>
-            <a:r>
-              <a:rPr lang="fr-FR" sz="2000" b="1" dirty="0">
-                <a:solidFill>
-                  <a:srgbClr val="275C8D"/>
-                </a:solidFill>
-                <a:latin typeface="Century Gothic" panose="020B0502020202020204" pitchFamily="34" charset="0"/>
-              </a:rPr>
-              <a:t>é</a:t>
-            </a:r>
-            <a:endParaRPr lang="en-US" sz="2000" b="1" dirty="0">
-              <a:solidFill>
-                <a:srgbClr val="275C8D"/>
-              </a:solidFill>
-              <a:latin typeface="Century Gothic" panose="020B0502020202020204" pitchFamily="34" charset="0"/>
-            </a:endParaRPr>
-          </a:p>
-        </p:txBody>
-      </p:sp>
-      <p:sp>
-        <p:nvSpPr>
-          <p:cNvPr id="7" name="Rectangle : coins arrondis 6">
-            <a:extLst>
-              <a:ext uri="{FF2B5EF4-FFF2-40B4-BE49-F238E27FC236}">
-                <a16:creationId xmlns:a16="http://schemas.microsoft.com/office/drawing/2014/main" id="{1DD02742-996A-8A91-05A3-0174BFDBFE9C}"/>
-              </a:ext>
-            </a:extLst>
-          </p:cNvPr>
-          <p:cNvSpPr/>
-          <p:nvPr/>
-        </p:nvSpPr>
-        <p:spPr>
-          <a:xfrm>
-            <a:off x="4511399" y="3844495"/>
-            <a:ext cx="2975302" cy="629265"/>
-          </a:xfrm>
-          <a:prstGeom prst="roundRect">
-            <a:avLst/>
-          </a:prstGeom>
-          <a:solidFill>
-            <a:schemeClr val="bg1"/>
-          </a:solidFill>
-          <a:ln>
-            <a:solidFill>
-              <a:schemeClr val="bg1"/>
-            </a:solidFill>
-          </a:ln>
-          <a:effectLst>
-            <a:outerShdw blurRad="406400" dist="38100" dir="5640000" algn="t" rotWithShape="0">
-              <a:schemeClr val="tx1">
-                <a:lumMod val="65000"/>
-                <a:lumOff val="35000"/>
-                <a:alpha val="22000"/>
-              </a:schemeClr>
-            </a:outerShdw>
-          </a:effectLst>
-        </p:spPr>
-        <p:style>
-          <a:lnRef idx="2">
-            <a:schemeClr val="accent1">
-              <a:shade val="15000"/>
-            </a:schemeClr>
-          </a:lnRef>
-          <a:fillRef idx="1">
-            <a:schemeClr val="accent1"/>
-          </a:fillRef>
-          <a:effectRef idx="0">
-            <a:schemeClr val="accent1"/>
-          </a:effectRef>
-          <a:fontRef idx="minor">
-            <a:schemeClr val="lt1"/>
-          </a:fontRef>
-        </p:style>
-        <p:txBody>
-          <a:bodyPr rtlCol="0" anchor="ctr"/>
-          <a:lstStyle/>
-          <a:p>
-            <a:pPr algn="ctr"/>
-            <a:r>
-              <a:rPr lang="fr-FR" sz="2000" b="1" dirty="0">
-                <a:solidFill>
-                  <a:srgbClr val="275C8D"/>
-                </a:solidFill>
-                <a:latin typeface="Century Gothic" panose="020B0502020202020204" pitchFamily="34" charset="0"/>
-              </a:rPr>
-              <a:t>disponibilité</a:t>
-            </a:r>
-            <a:endParaRPr lang="en-US" sz="2000" b="1" dirty="0">
-              <a:solidFill>
-                <a:srgbClr val="275C8D"/>
-              </a:solidFill>
-              <a:latin typeface="Century Gothic" panose="020B0502020202020204" pitchFamily="34" charset="0"/>
-            </a:endParaRPr>
-          </a:p>
-        </p:txBody>
-      </p:sp>
-      <p:sp>
-        <p:nvSpPr>
-          <p:cNvPr id="8" name="Rectangle : coins arrondis 7">
-            <a:extLst>
-              <a:ext uri="{FF2B5EF4-FFF2-40B4-BE49-F238E27FC236}">
-                <a16:creationId xmlns:a16="http://schemas.microsoft.com/office/drawing/2014/main" id="{7C21E248-63D1-93C8-FD50-B2A7D23BF470}"/>
-              </a:ext>
-            </a:extLst>
-          </p:cNvPr>
-          <p:cNvSpPr/>
-          <p:nvPr/>
-        </p:nvSpPr>
-        <p:spPr>
-          <a:xfrm>
-            <a:off x="4511399" y="4710824"/>
-            <a:ext cx="2975302" cy="629265"/>
-          </a:xfrm>
-          <a:prstGeom prst="roundRect">
-            <a:avLst/>
-          </a:prstGeom>
-          <a:solidFill>
-            <a:schemeClr val="bg1"/>
-          </a:solidFill>
-          <a:ln>
-            <a:solidFill>
-              <a:schemeClr val="bg1"/>
-            </a:solidFill>
-          </a:ln>
-          <a:effectLst>
-            <a:outerShdw blurRad="406400" dist="38100" dir="5640000" algn="t" rotWithShape="0">
-              <a:schemeClr val="tx1">
-                <a:lumMod val="65000"/>
-                <a:lumOff val="35000"/>
-                <a:alpha val="22000"/>
-              </a:schemeClr>
-            </a:outerShdw>
-          </a:effectLst>
-        </p:spPr>
-        <p:style>
-          <a:lnRef idx="2">
-            <a:schemeClr val="accent1">
-              <a:shade val="15000"/>
-            </a:schemeClr>
-          </a:lnRef>
-          <a:fillRef idx="1">
-            <a:schemeClr val="accent1"/>
-          </a:fillRef>
-          <a:effectRef idx="0">
-            <a:schemeClr val="accent1"/>
-          </a:effectRef>
-          <a:fontRef idx="minor">
-            <a:schemeClr val="lt1"/>
-          </a:fontRef>
-        </p:style>
-        <p:txBody>
-          <a:bodyPr rtlCol="0" anchor="ctr"/>
-          <a:lstStyle/>
-          <a:p>
-            <a:pPr algn="ctr"/>
-            <a:r>
-              <a:rPr lang="fr-FR" sz="2000" b="1" dirty="0">
-                <a:solidFill>
-                  <a:srgbClr val="275C8D"/>
-                </a:solidFill>
-                <a:latin typeface="Century Gothic" panose="020B0502020202020204" pitchFamily="34" charset="0"/>
-              </a:rPr>
-              <a:t>Flexibilité</a:t>
-            </a:r>
-            <a:endParaRPr lang="en-US" sz="2000" b="1" dirty="0">
-              <a:solidFill>
-                <a:srgbClr val="275C8D"/>
-              </a:solidFill>
-              <a:latin typeface="Century Gothic" panose="020B0502020202020204" pitchFamily="34" charset="0"/>
-            </a:endParaRPr>
-          </a:p>
-        </p:txBody>
-      </p:sp>
-      <p:sp>
-        <p:nvSpPr>
           <p:cNvPr id="11" name="Espace réservé du numéro de diapositive 10"/>
           <p:cNvSpPr>
             <a:spLocks noGrp="1"/>
@@ -13866,6 +13540,2077 @@
           </a:p>
         </p:txBody>
       </p:sp>
+      <p:grpSp>
+        <p:nvGrpSpPr>
+          <p:cNvPr id="2" name="Google Shape;289;p9">
+            <a:extLst>
+              <a:ext uri="{FF2B5EF4-FFF2-40B4-BE49-F238E27FC236}">
+                <a16:creationId xmlns:a16="http://schemas.microsoft.com/office/drawing/2014/main" id="{95FBC7AA-56B9-0DAF-F150-EB41CB33728C}"/>
+              </a:ext>
+            </a:extLst>
+          </p:cNvPr>
+          <p:cNvGrpSpPr/>
+          <p:nvPr/>
+        </p:nvGrpSpPr>
+        <p:grpSpPr>
+          <a:xfrm>
+            <a:off x="2804261" y="2243061"/>
+            <a:ext cx="2519600" cy="3244101"/>
+            <a:chOff x="1954212" y="1428826"/>
+            <a:chExt cx="3359467" cy="4325468"/>
+          </a:xfrm>
+        </p:grpSpPr>
+        <p:sp>
+          <p:nvSpPr>
+            <p:cNvPr id="3" name="Google Shape;290;p9">
+              <a:extLst>
+                <a:ext uri="{FF2B5EF4-FFF2-40B4-BE49-F238E27FC236}">
+                  <a16:creationId xmlns:a16="http://schemas.microsoft.com/office/drawing/2014/main" id="{4DC1A3DA-2C46-2866-0D6E-422F2F3687E2}"/>
+                </a:ext>
+              </a:extLst>
+            </p:cNvPr>
+            <p:cNvSpPr/>
+            <p:nvPr/>
+          </p:nvSpPr>
+          <p:spPr>
+            <a:xfrm>
+              <a:off x="3458590" y="4019185"/>
+              <a:ext cx="1205963" cy="1184429"/>
+            </a:xfrm>
+            <a:custGeom>
+              <a:avLst/>
+              <a:gdLst/>
+              <a:ahLst/>
+              <a:cxnLst/>
+              <a:rect l="l" t="t" r="r" b="b"/>
+              <a:pathLst>
+                <a:path w="195" h="192" extrusionOk="0">
+                  <a:moveTo>
+                    <a:pt x="145" y="111"/>
+                  </a:moveTo>
+                  <a:cubicBezTo>
+                    <a:pt x="133" y="134"/>
+                    <a:pt x="121" y="157"/>
+                    <a:pt x="109" y="179"/>
+                  </a:cubicBezTo>
+                  <a:cubicBezTo>
+                    <a:pt x="103" y="190"/>
+                    <a:pt x="91" y="192"/>
+                    <a:pt x="82" y="183"/>
+                  </a:cubicBezTo>
+                  <a:cubicBezTo>
+                    <a:pt x="57" y="158"/>
+                    <a:pt x="32" y="132"/>
+                    <a:pt x="7" y="107"/>
+                  </a:cubicBezTo>
+                  <a:cubicBezTo>
+                    <a:pt x="0" y="100"/>
+                    <a:pt x="1" y="89"/>
+                    <a:pt x="6" y="84"/>
+                  </a:cubicBezTo>
+                  <a:cubicBezTo>
+                    <a:pt x="13" y="77"/>
+                    <a:pt x="23" y="78"/>
+                    <a:pt x="30" y="85"/>
+                  </a:cubicBezTo>
+                  <a:cubicBezTo>
+                    <a:pt x="49" y="104"/>
+                    <a:pt x="68" y="123"/>
+                    <a:pt x="87" y="142"/>
+                  </a:cubicBezTo>
+                  <a:cubicBezTo>
+                    <a:pt x="88" y="143"/>
+                    <a:pt x="89" y="144"/>
+                    <a:pt x="91" y="146"/>
+                  </a:cubicBezTo>
+                  <a:cubicBezTo>
+                    <a:pt x="95" y="138"/>
+                    <a:pt x="98" y="131"/>
+                    <a:pt x="102" y="124"/>
+                  </a:cubicBezTo>
+                  <a:cubicBezTo>
+                    <a:pt x="117" y="96"/>
+                    <a:pt x="132" y="68"/>
+                    <a:pt x="148" y="39"/>
+                  </a:cubicBezTo>
+                  <a:cubicBezTo>
+                    <a:pt x="153" y="30"/>
+                    <a:pt x="158" y="20"/>
+                    <a:pt x="163" y="11"/>
+                  </a:cubicBezTo>
+                  <a:cubicBezTo>
+                    <a:pt x="168" y="1"/>
+                    <a:pt x="178" y="0"/>
+                    <a:pt x="185" y="3"/>
+                  </a:cubicBezTo>
+                  <a:cubicBezTo>
+                    <a:pt x="193" y="7"/>
+                    <a:pt x="195" y="18"/>
+                    <a:pt x="191" y="26"/>
+                  </a:cubicBezTo>
+                  <a:cubicBezTo>
+                    <a:pt x="182" y="44"/>
+                    <a:pt x="172" y="62"/>
+                    <a:pt x="162" y="79"/>
+                  </a:cubicBezTo>
+                  <a:cubicBezTo>
+                    <a:pt x="161" y="82"/>
+                    <a:pt x="149" y="105"/>
+                    <a:pt x="145" y="111"/>
+                  </a:cubicBezTo>
+                  <a:close/>
+                </a:path>
+              </a:pathLst>
+            </a:custGeom>
+            <a:solidFill>
+              <a:srgbClr val="00B050"/>
+            </a:solidFill>
+            <a:ln>
+              <a:noFill/>
+            </a:ln>
+          </p:spPr>
+          <p:txBody>
+            <a:bodyPr spcFirstLastPara="1" wrap="square" lIns="68575" tIns="34275" rIns="68575" bIns="34275" anchor="t" anchorCtr="0">
+              <a:noAutofit/>
+            </a:bodyPr>
+            <a:lstStyle/>
+            <a:p>
+              <a:pPr marL="0" marR="0" lvl="0" indent="0" algn="l" rtl="0">
+                <a:lnSpc>
+                  <a:spcPct val="100000"/>
+                </a:lnSpc>
+                <a:spcBef>
+                  <a:spcPts val="0"/>
+                </a:spcBef>
+                <a:spcAft>
+                  <a:spcPts val="0"/>
+                </a:spcAft>
+                <a:buNone/>
+              </a:pPr>
+              <a:endParaRPr sz="1350" b="0" i="0" u="none" strike="noStrike" cap="none">
+                <a:solidFill>
+                  <a:srgbClr val="282F39"/>
+                </a:solidFill>
+                <a:latin typeface="Calibri"/>
+                <a:ea typeface="Calibri"/>
+                <a:cs typeface="Calibri"/>
+                <a:sym typeface="Calibri"/>
+              </a:endParaRPr>
+            </a:p>
+          </p:txBody>
+        </p:sp>
+        <p:grpSp>
+          <p:nvGrpSpPr>
+            <p:cNvPr id="9" name="Google Shape;291;p9">
+              <a:extLst>
+                <a:ext uri="{FF2B5EF4-FFF2-40B4-BE49-F238E27FC236}">
+                  <a16:creationId xmlns:a16="http://schemas.microsoft.com/office/drawing/2014/main" id="{6A73A4B5-8492-91D5-1BDA-A62203B058B3}"/>
+                </a:ext>
+              </a:extLst>
+            </p:cNvPr>
+            <p:cNvGrpSpPr/>
+            <p:nvPr/>
+          </p:nvGrpSpPr>
+          <p:grpSpPr>
+            <a:xfrm>
+              <a:off x="1954212" y="1428826"/>
+              <a:ext cx="3359467" cy="4325468"/>
+              <a:chOff x="1954212" y="1428826"/>
+              <a:chExt cx="3359467" cy="4325468"/>
+            </a:xfrm>
+          </p:grpSpPr>
+          <p:sp>
+            <p:nvSpPr>
+              <p:cNvPr id="10" name="Google Shape;292;p9">
+                <a:extLst>
+                  <a:ext uri="{FF2B5EF4-FFF2-40B4-BE49-F238E27FC236}">
+                    <a16:creationId xmlns:a16="http://schemas.microsoft.com/office/drawing/2014/main" id="{4AC55434-E119-157F-EDE5-66A57F127D1D}"/>
+                  </a:ext>
+                </a:extLst>
+              </p:cNvPr>
+              <p:cNvSpPr/>
+              <p:nvPr/>
+            </p:nvSpPr>
+            <p:spPr>
+              <a:xfrm>
+                <a:off x="1954212" y="1428826"/>
+                <a:ext cx="3359467" cy="4325468"/>
+              </a:xfrm>
+              <a:custGeom>
+                <a:avLst/>
+                <a:gdLst/>
+                <a:ahLst/>
+                <a:cxnLst/>
+                <a:rect l="l" t="t" r="r" b="b"/>
+                <a:pathLst>
+                  <a:path w="543" h="700" extrusionOk="0">
+                    <a:moveTo>
+                      <a:pt x="538" y="473"/>
+                    </a:moveTo>
+                    <a:cubicBezTo>
+                      <a:pt x="534" y="454"/>
+                      <a:pt x="528" y="437"/>
+                      <a:pt x="519" y="420"/>
+                    </a:cubicBezTo>
+                    <a:cubicBezTo>
+                      <a:pt x="504" y="393"/>
+                      <a:pt x="483" y="370"/>
+                      <a:pt x="457" y="353"/>
+                    </a:cubicBezTo>
+                    <a:cubicBezTo>
+                      <a:pt x="453" y="351"/>
+                      <a:pt x="452" y="348"/>
+                      <a:pt x="452" y="344"/>
+                    </a:cubicBezTo>
+                    <a:cubicBezTo>
+                      <a:pt x="452" y="276"/>
+                      <a:pt x="452" y="208"/>
+                      <a:pt x="452" y="140"/>
+                    </a:cubicBezTo>
+                    <a:cubicBezTo>
+                      <a:pt x="452" y="137"/>
+                      <a:pt x="452" y="134"/>
+                      <a:pt x="451" y="131"/>
+                    </a:cubicBezTo>
+                    <a:cubicBezTo>
+                      <a:pt x="448" y="123"/>
+                      <a:pt x="442" y="120"/>
+                      <a:pt x="434" y="120"/>
+                    </a:cubicBezTo>
+                    <a:cubicBezTo>
+                      <a:pt x="407" y="120"/>
+                      <a:pt x="380" y="120"/>
+                      <a:pt x="353" y="120"/>
+                    </a:cubicBezTo>
+                    <a:cubicBezTo>
+                      <a:pt x="352" y="120"/>
+                      <a:pt x="351" y="120"/>
+                      <a:pt x="350" y="120"/>
+                    </a:cubicBezTo>
+                    <a:cubicBezTo>
+                      <a:pt x="350" y="120"/>
+                      <a:pt x="350" y="120"/>
+                      <a:pt x="350" y="120"/>
+                    </a:cubicBezTo>
+                    <a:cubicBezTo>
+                      <a:pt x="347" y="120"/>
+                      <a:pt x="347" y="119"/>
+                      <a:pt x="347" y="114"/>
+                    </a:cubicBezTo>
+                    <a:cubicBezTo>
+                      <a:pt x="347" y="107"/>
+                      <a:pt x="347" y="100"/>
+                      <a:pt x="347" y="93"/>
+                    </a:cubicBezTo>
+                    <a:cubicBezTo>
+                      <a:pt x="347" y="81"/>
+                      <a:pt x="341" y="76"/>
+                      <a:pt x="329" y="76"/>
+                    </a:cubicBezTo>
+                    <a:cubicBezTo>
+                      <a:pt x="322" y="75"/>
+                      <a:pt x="316" y="75"/>
+                      <a:pt x="309" y="76"/>
+                    </a:cubicBezTo>
+                    <a:cubicBezTo>
+                      <a:pt x="304" y="76"/>
+                      <a:pt x="303" y="74"/>
+                      <a:pt x="302" y="69"/>
+                    </a:cubicBezTo>
+                    <a:cubicBezTo>
+                      <a:pt x="300" y="48"/>
+                      <a:pt x="290" y="31"/>
+                      <a:pt x="273" y="18"/>
+                    </a:cubicBezTo>
+                    <a:cubicBezTo>
+                      <a:pt x="269" y="15"/>
+                      <a:pt x="265" y="13"/>
+                      <a:pt x="261" y="10"/>
+                    </a:cubicBezTo>
+                    <a:cubicBezTo>
+                      <a:pt x="261" y="10"/>
+                      <a:pt x="261" y="10"/>
+                      <a:pt x="261" y="10"/>
+                    </a:cubicBezTo>
+                    <a:cubicBezTo>
+                      <a:pt x="259" y="9"/>
+                      <a:pt x="257" y="8"/>
+                      <a:pt x="255" y="8"/>
+                    </a:cubicBezTo>
+                    <a:cubicBezTo>
+                      <a:pt x="249" y="5"/>
+                      <a:pt x="242" y="3"/>
+                      <a:pt x="234" y="2"/>
+                    </a:cubicBezTo>
+                    <a:cubicBezTo>
+                      <a:pt x="233" y="2"/>
+                      <a:pt x="232" y="2"/>
+                      <a:pt x="231" y="2"/>
+                    </a:cubicBezTo>
+                    <a:cubicBezTo>
+                      <a:pt x="231" y="2"/>
+                      <a:pt x="231" y="2"/>
+                      <a:pt x="231" y="2"/>
+                    </a:cubicBezTo>
+                    <a:cubicBezTo>
+                      <a:pt x="212" y="0"/>
+                      <a:pt x="194" y="6"/>
+                      <a:pt x="179" y="18"/>
+                    </a:cubicBezTo>
+                    <a:cubicBezTo>
+                      <a:pt x="162" y="31"/>
+                      <a:pt x="152" y="48"/>
+                      <a:pt x="150" y="69"/>
+                    </a:cubicBezTo>
+                    <a:cubicBezTo>
+                      <a:pt x="149" y="74"/>
+                      <a:pt x="148" y="76"/>
+                      <a:pt x="143" y="75"/>
+                    </a:cubicBezTo>
+                    <a:cubicBezTo>
+                      <a:pt x="136" y="75"/>
+                      <a:pt x="129" y="75"/>
+                      <a:pt x="123" y="75"/>
+                    </a:cubicBezTo>
+                    <a:cubicBezTo>
+                      <a:pt x="111" y="75"/>
+                      <a:pt x="105" y="81"/>
+                      <a:pt x="105" y="93"/>
+                    </a:cubicBezTo>
+                    <a:cubicBezTo>
+                      <a:pt x="105" y="100"/>
+                      <a:pt x="105" y="107"/>
+                      <a:pt x="105" y="114"/>
+                    </a:cubicBezTo>
+                    <a:cubicBezTo>
+                      <a:pt x="105" y="120"/>
+                      <a:pt x="105" y="120"/>
+                      <a:pt x="98" y="120"/>
+                    </a:cubicBezTo>
+                    <a:cubicBezTo>
+                      <a:pt x="72" y="120"/>
+                      <a:pt x="45" y="121"/>
+                      <a:pt x="18" y="120"/>
+                    </a:cubicBezTo>
+                    <a:cubicBezTo>
+                      <a:pt x="7" y="120"/>
+                      <a:pt x="0" y="127"/>
+                      <a:pt x="0" y="139"/>
+                    </a:cubicBezTo>
+                    <a:cubicBezTo>
+                      <a:pt x="0" y="216"/>
+                      <a:pt x="0" y="293"/>
+                      <a:pt x="0" y="371"/>
+                    </a:cubicBezTo>
+                    <a:cubicBezTo>
+                      <a:pt x="0" y="448"/>
+                      <a:pt x="0" y="526"/>
+                      <a:pt x="0" y="603"/>
+                    </a:cubicBezTo>
+                    <a:cubicBezTo>
+                      <a:pt x="0" y="604"/>
+                      <a:pt x="0" y="605"/>
+                      <a:pt x="0" y="606"/>
+                    </a:cubicBezTo>
+                    <a:cubicBezTo>
+                      <a:pt x="0" y="607"/>
+                      <a:pt x="0" y="607"/>
+                      <a:pt x="0" y="607"/>
+                    </a:cubicBezTo>
+                    <a:cubicBezTo>
+                      <a:pt x="0" y="607"/>
+                      <a:pt x="0" y="607"/>
+                      <a:pt x="0" y="607"/>
+                    </a:cubicBezTo>
+                    <a:cubicBezTo>
+                      <a:pt x="1" y="609"/>
+                      <a:pt x="1" y="610"/>
+                      <a:pt x="1" y="611"/>
+                    </a:cubicBezTo>
+                    <a:cubicBezTo>
+                      <a:pt x="4" y="619"/>
+                      <a:pt x="11" y="621"/>
+                      <a:pt x="19" y="621"/>
+                    </a:cubicBezTo>
+                    <a:cubicBezTo>
+                      <a:pt x="78" y="621"/>
+                      <a:pt x="138" y="621"/>
+                      <a:pt x="197" y="621"/>
+                    </a:cubicBezTo>
+                    <a:cubicBezTo>
+                      <a:pt x="201" y="621"/>
+                      <a:pt x="203" y="622"/>
+                      <a:pt x="206" y="625"/>
+                    </a:cubicBezTo>
+                    <a:cubicBezTo>
+                      <a:pt x="216" y="636"/>
+                      <a:pt x="226" y="647"/>
+                      <a:pt x="237" y="657"/>
+                    </a:cubicBezTo>
+                    <a:cubicBezTo>
+                      <a:pt x="261" y="677"/>
+                      <a:pt x="290" y="689"/>
+                      <a:pt x="321" y="695"/>
+                    </a:cubicBezTo>
+                    <a:cubicBezTo>
+                      <a:pt x="350" y="700"/>
+                      <a:pt x="378" y="698"/>
+                      <a:pt x="406" y="690"/>
+                    </a:cubicBezTo>
+                    <a:cubicBezTo>
+                      <a:pt x="433" y="682"/>
+                      <a:pt x="457" y="669"/>
+                      <a:pt x="478" y="651"/>
+                    </a:cubicBezTo>
+                    <a:cubicBezTo>
+                      <a:pt x="511" y="621"/>
+                      <a:pt x="532" y="584"/>
+                      <a:pt x="539" y="540"/>
+                    </a:cubicBezTo>
+                    <a:cubicBezTo>
+                      <a:pt x="543" y="518"/>
+                      <a:pt x="542" y="495"/>
+                      <a:pt x="538" y="473"/>
+                    </a:cubicBezTo>
+                    <a:close/>
+                    <a:moveTo>
+                      <a:pt x="197" y="44"/>
+                    </a:moveTo>
+                    <a:cubicBezTo>
+                      <a:pt x="202" y="40"/>
+                      <a:pt x="209" y="36"/>
+                      <a:pt x="215" y="35"/>
+                    </a:cubicBezTo>
+                    <a:cubicBezTo>
+                      <a:pt x="215" y="35"/>
+                      <a:pt x="215" y="35"/>
+                      <a:pt x="215" y="35"/>
+                    </a:cubicBezTo>
+                    <a:cubicBezTo>
+                      <a:pt x="229" y="32"/>
+                      <a:pt x="244" y="35"/>
+                      <a:pt x="255" y="45"/>
+                    </a:cubicBezTo>
+                    <a:cubicBezTo>
+                      <a:pt x="257" y="46"/>
+                      <a:pt x="259" y="48"/>
+                      <a:pt x="261" y="50"/>
+                    </a:cubicBezTo>
+                    <a:cubicBezTo>
+                      <a:pt x="261" y="50"/>
+                      <a:pt x="261" y="51"/>
+                      <a:pt x="261" y="51"/>
+                    </a:cubicBezTo>
+                    <a:cubicBezTo>
+                      <a:pt x="261" y="51"/>
+                      <a:pt x="261" y="51"/>
+                      <a:pt x="261" y="51"/>
+                    </a:cubicBezTo>
+                    <a:cubicBezTo>
+                      <a:pt x="267" y="57"/>
+                      <a:pt x="270" y="65"/>
+                      <a:pt x="271" y="76"/>
+                    </a:cubicBezTo>
+                    <a:cubicBezTo>
+                      <a:pt x="268" y="76"/>
+                      <a:pt x="212" y="75"/>
+                      <a:pt x="188" y="75"/>
+                    </a:cubicBezTo>
+                    <a:cubicBezTo>
+                      <a:pt x="186" y="75"/>
+                      <a:pt x="184" y="75"/>
+                      <a:pt x="181" y="75"/>
+                    </a:cubicBezTo>
+                    <a:cubicBezTo>
+                      <a:pt x="182" y="62"/>
+                      <a:pt x="188" y="52"/>
+                      <a:pt x="197" y="44"/>
+                    </a:cubicBezTo>
+                    <a:close/>
+                    <a:moveTo>
+                      <a:pt x="137" y="107"/>
+                    </a:moveTo>
+                    <a:cubicBezTo>
+                      <a:pt x="139" y="107"/>
+                      <a:pt x="141" y="107"/>
+                      <a:pt x="142" y="107"/>
+                    </a:cubicBezTo>
+                    <a:cubicBezTo>
+                      <a:pt x="167" y="107"/>
+                      <a:pt x="278" y="108"/>
+                      <a:pt x="309" y="108"/>
+                    </a:cubicBezTo>
+                    <a:cubicBezTo>
+                      <a:pt x="311" y="108"/>
+                      <a:pt x="313" y="108"/>
+                      <a:pt x="315" y="108"/>
+                    </a:cubicBezTo>
+                    <a:cubicBezTo>
+                      <a:pt x="315" y="110"/>
+                      <a:pt x="315" y="145"/>
+                      <a:pt x="315" y="160"/>
+                    </a:cubicBezTo>
+                    <a:cubicBezTo>
+                      <a:pt x="315" y="165"/>
+                      <a:pt x="314" y="166"/>
+                      <a:pt x="310" y="166"/>
+                    </a:cubicBezTo>
+                    <a:cubicBezTo>
+                      <a:pt x="293" y="166"/>
+                      <a:pt x="261" y="166"/>
+                      <a:pt x="261" y="166"/>
+                    </a:cubicBezTo>
+                    <a:cubicBezTo>
+                      <a:pt x="221" y="165"/>
+                      <a:pt x="182" y="165"/>
+                      <a:pt x="142" y="166"/>
+                    </a:cubicBezTo>
+                    <a:cubicBezTo>
+                      <a:pt x="138" y="166"/>
+                      <a:pt x="136" y="165"/>
+                      <a:pt x="136" y="160"/>
+                    </a:cubicBezTo>
+                    <a:cubicBezTo>
+                      <a:pt x="137" y="144"/>
+                      <a:pt x="137" y="123"/>
+                      <a:pt x="137" y="107"/>
+                    </a:cubicBezTo>
+                    <a:close/>
+                    <a:moveTo>
+                      <a:pt x="183" y="588"/>
+                    </a:moveTo>
+                    <a:cubicBezTo>
+                      <a:pt x="159" y="589"/>
+                      <a:pt x="31" y="587"/>
+                      <a:pt x="31" y="587"/>
+                    </a:cubicBezTo>
+                    <a:cubicBezTo>
+                      <a:pt x="31" y="587"/>
+                      <a:pt x="32" y="374"/>
+                      <a:pt x="32" y="290"/>
+                    </a:cubicBezTo>
+                    <a:cubicBezTo>
+                      <a:pt x="32" y="246"/>
+                      <a:pt x="32" y="202"/>
+                      <a:pt x="32" y="158"/>
+                    </a:cubicBezTo>
+                    <a:cubicBezTo>
+                      <a:pt x="32" y="154"/>
+                      <a:pt x="33" y="152"/>
+                      <a:pt x="38" y="152"/>
+                    </a:cubicBezTo>
+                    <a:cubicBezTo>
+                      <a:pt x="58" y="152"/>
+                      <a:pt x="79" y="152"/>
+                      <a:pt x="99" y="152"/>
+                    </a:cubicBezTo>
+                    <a:cubicBezTo>
+                      <a:pt x="104" y="152"/>
+                      <a:pt x="105" y="154"/>
+                      <a:pt x="105" y="158"/>
+                    </a:cubicBezTo>
+                    <a:cubicBezTo>
+                      <a:pt x="105" y="165"/>
+                      <a:pt x="105" y="173"/>
+                      <a:pt x="105" y="180"/>
+                    </a:cubicBezTo>
+                    <a:cubicBezTo>
+                      <a:pt x="105" y="190"/>
+                      <a:pt x="113" y="197"/>
+                      <a:pt x="123" y="197"/>
+                    </a:cubicBezTo>
+                    <a:cubicBezTo>
+                      <a:pt x="154" y="197"/>
+                      <a:pt x="184" y="197"/>
+                      <a:pt x="215" y="197"/>
+                    </a:cubicBezTo>
+                    <a:cubicBezTo>
+                      <a:pt x="215" y="197"/>
+                      <a:pt x="291" y="197"/>
+                      <a:pt x="329" y="197"/>
+                    </a:cubicBezTo>
+                    <a:cubicBezTo>
+                      <a:pt x="339" y="197"/>
+                      <a:pt x="347" y="191"/>
+                      <a:pt x="347" y="180"/>
+                    </a:cubicBezTo>
+                    <a:cubicBezTo>
+                      <a:pt x="347" y="173"/>
+                      <a:pt x="347" y="165"/>
+                      <a:pt x="347" y="158"/>
+                    </a:cubicBezTo>
+                    <a:cubicBezTo>
+                      <a:pt x="347" y="154"/>
+                      <a:pt x="348" y="152"/>
+                      <a:pt x="352" y="152"/>
+                    </a:cubicBezTo>
+                    <a:cubicBezTo>
+                      <a:pt x="362" y="152"/>
+                      <a:pt x="382" y="152"/>
+                      <a:pt x="382" y="152"/>
+                    </a:cubicBezTo>
+                    <a:cubicBezTo>
+                      <a:pt x="393" y="152"/>
+                      <a:pt x="404" y="152"/>
+                      <a:pt x="416" y="152"/>
+                    </a:cubicBezTo>
+                    <a:cubicBezTo>
+                      <a:pt x="419" y="152"/>
+                      <a:pt x="420" y="153"/>
+                      <a:pt x="420" y="157"/>
+                    </a:cubicBezTo>
+                    <a:cubicBezTo>
+                      <a:pt x="420" y="168"/>
+                      <a:pt x="420" y="179"/>
+                      <a:pt x="420" y="190"/>
+                    </a:cubicBezTo>
+                    <a:cubicBezTo>
+                      <a:pt x="420" y="235"/>
+                      <a:pt x="420" y="281"/>
+                      <a:pt x="420" y="327"/>
+                    </a:cubicBezTo>
+                    <a:cubicBezTo>
+                      <a:pt x="420" y="329"/>
+                      <a:pt x="420" y="331"/>
+                      <a:pt x="420" y="334"/>
+                    </a:cubicBezTo>
+                    <a:cubicBezTo>
+                      <a:pt x="414" y="332"/>
+                      <a:pt x="409" y="331"/>
+                      <a:pt x="404" y="329"/>
+                    </a:cubicBezTo>
+                    <a:cubicBezTo>
+                      <a:pt x="378" y="321"/>
+                      <a:pt x="351" y="321"/>
+                      <a:pt x="324" y="324"/>
+                    </a:cubicBezTo>
+                    <a:cubicBezTo>
+                      <a:pt x="308" y="327"/>
+                      <a:pt x="292" y="332"/>
+                      <a:pt x="276" y="339"/>
+                    </a:cubicBezTo>
+                    <a:cubicBezTo>
+                      <a:pt x="275" y="339"/>
+                      <a:pt x="261" y="346"/>
+                      <a:pt x="261" y="346"/>
+                    </a:cubicBezTo>
+                    <a:cubicBezTo>
+                      <a:pt x="220" y="371"/>
+                      <a:pt x="190" y="406"/>
+                      <a:pt x="175" y="452"/>
+                    </a:cubicBezTo>
+                    <a:cubicBezTo>
+                      <a:pt x="160" y="498"/>
+                      <a:pt x="164" y="544"/>
+                      <a:pt x="183" y="588"/>
+                    </a:cubicBezTo>
+                    <a:close/>
+                    <a:moveTo>
+                      <a:pt x="507" y="536"/>
+                    </a:moveTo>
+                    <a:cubicBezTo>
+                      <a:pt x="501" y="572"/>
+                      <a:pt x="484" y="603"/>
+                      <a:pt x="456" y="627"/>
+                    </a:cubicBezTo>
+                    <a:cubicBezTo>
+                      <a:pt x="437" y="644"/>
+                      <a:pt x="415" y="655"/>
+                      <a:pt x="391" y="661"/>
+                    </a:cubicBezTo>
+                    <a:cubicBezTo>
+                      <a:pt x="376" y="665"/>
+                      <a:pt x="361" y="666"/>
+                      <a:pt x="346" y="666"/>
+                    </a:cubicBezTo>
+                    <a:cubicBezTo>
+                      <a:pt x="324" y="665"/>
+                      <a:pt x="302" y="659"/>
+                      <a:pt x="282" y="648"/>
+                    </a:cubicBezTo>
+                    <a:cubicBezTo>
+                      <a:pt x="280" y="647"/>
+                      <a:pt x="270" y="641"/>
+                      <a:pt x="268" y="640"/>
+                    </a:cubicBezTo>
+                    <a:cubicBezTo>
+                      <a:pt x="242" y="623"/>
+                      <a:pt x="224" y="600"/>
+                      <a:pt x="211" y="572"/>
+                    </a:cubicBezTo>
+                    <a:cubicBezTo>
+                      <a:pt x="198" y="544"/>
+                      <a:pt x="195" y="514"/>
+                      <a:pt x="200" y="484"/>
+                    </a:cubicBezTo>
+                    <a:cubicBezTo>
+                      <a:pt x="209" y="435"/>
+                      <a:pt x="235" y="398"/>
+                      <a:pt x="278" y="374"/>
+                    </a:cubicBezTo>
+                    <a:cubicBezTo>
+                      <a:pt x="304" y="359"/>
+                      <a:pt x="331" y="352"/>
+                      <a:pt x="360" y="354"/>
+                    </a:cubicBezTo>
+                    <a:cubicBezTo>
+                      <a:pt x="411" y="357"/>
+                      <a:pt x="452" y="379"/>
+                      <a:pt x="481" y="421"/>
+                    </a:cubicBezTo>
+                    <a:cubicBezTo>
+                      <a:pt x="493" y="437"/>
+                      <a:pt x="501" y="455"/>
+                      <a:pt x="506" y="475"/>
+                    </a:cubicBezTo>
+                    <a:cubicBezTo>
+                      <a:pt x="510" y="495"/>
+                      <a:pt x="511" y="515"/>
+                      <a:pt x="507" y="536"/>
+                    </a:cubicBezTo>
+                    <a:close/>
+                  </a:path>
+                </a:pathLst>
+              </a:custGeom>
+              <a:solidFill>
+                <a:schemeClr val="dk1"/>
+              </a:solidFill>
+              <a:ln>
+                <a:noFill/>
+              </a:ln>
+            </p:spPr>
+            <p:txBody>
+              <a:bodyPr spcFirstLastPara="1" wrap="square" lIns="68575" tIns="34275" rIns="68575" bIns="34275" anchor="t" anchorCtr="0">
+                <a:noAutofit/>
+              </a:bodyPr>
+              <a:lstStyle/>
+              <a:p>
+                <a:pPr marL="0" marR="0" lvl="0" indent="0" algn="l" rtl="0">
+                  <a:lnSpc>
+                    <a:spcPct val="100000"/>
+                  </a:lnSpc>
+                  <a:spcBef>
+                    <a:spcPts val="0"/>
+                  </a:spcBef>
+                  <a:spcAft>
+                    <a:spcPts val="0"/>
+                  </a:spcAft>
+                  <a:buNone/>
+                </a:pPr>
+                <a:endParaRPr sz="1350" b="0" i="0" u="none" strike="noStrike" cap="none">
+                  <a:solidFill>
+                    <a:srgbClr val="282F39"/>
+                  </a:solidFill>
+                  <a:latin typeface="Calibri"/>
+                  <a:ea typeface="Calibri"/>
+                  <a:cs typeface="Calibri"/>
+                  <a:sym typeface="Calibri"/>
+                </a:endParaRPr>
+              </a:p>
+            </p:txBody>
+          </p:sp>
+          <p:cxnSp>
+            <p:nvCxnSpPr>
+              <p:cNvPr id="12" name="Google Shape;293;p9">
+                <a:extLst>
+                  <a:ext uri="{FF2B5EF4-FFF2-40B4-BE49-F238E27FC236}">
+                    <a16:creationId xmlns:a16="http://schemas.microsoft.com/office/drawing/2014/main" id="{14EA4B03-5E26-77F3-190E-A0AEB96FD2AF}"/>
+                  </a:ext>
+                </a:extLst>
+              </p:cNvPr>
+              <p:cNvCxnSpPr/>
+              <p:nvPr/>
+            </p:nvCxnSpPr>
+            <p:spPr>
+              <a:xfrm>
+                <a:off x="2392680" y="2905760"/>
+                <a:ext cx="1859280" cy="0"/>
+              </a:xfrm>
+              <a:prstGeom prst="straightConnector1">
+                <a:avLst/>
+              </a:prstGeom>
+              <a:noFill/>
+              <a:ln w="38100" cap="flat" cmpd="sng">
+                <a:solidFill>
+                  <a:schemeClr val="dk1"/>
+                </a:solidFill>
+                <a:prstDash val="solid"/>
+                <a:round/>
+                <a:headEnd type="none" w="sm" len="sm"/>
+                <a:tailEnd type="none" w="sm" len="sm"/>
+              </a:ln>
+            </p:spPr>
+          </p:cxnSp>
+          <p:cxnSp>
+            <p:nvCxnSpPr>
+              <p:cNvPr id="13" name="Google Shape;294;p9">
+                <a:extLst>
+                  <a:ext uri="{FF2B5EF4-FFF2-40B4-BE49-F238E27FC236}">
+                    <a16:creationId xmlns:a16="http://schemas.microsoft.com/office/drawing/2014/main" id="{5409C34C-6B7E-51C6-0CB7-168D5405E689}"/>
+                  </a:ext>
+                </a:extLst>
+              </p:cNvPr>
+              <p:cNvCxnSpPr/>
+              <p:nvPr/>
+            </p:nvCxnSpPr>
+            <p:spPr>
+              <a:xfrm>
+                <a:off x="2392680" y="3225800"/>
+                <a:ext cx="1859280" cy="0"/>
+              </a:xfrm>
+              <a:prstGeom prst="straightConnector1">
+                <a:avLst/>
+              </a:prstGeom>
+              <a:noFill/>
+              <a:ln w="38100" cap="flat" cmpd="sng">
+                <a:solidFill>
+                  <a:schemeClr val="dk1"/>
+                </a:solidFill>
+                <a:prstDash val="solid"/>
+                <a:round/>
+                <a:headEnd type="none" w="sm" len="sm"/>
+                <a:tailEnd type="none" w="sm" len="sm"/>
+              </a:ln>
+            </p:spPr>
+          </p:cxnSp>
+          <p:cxnSp>
+            <p:nvCxnSpPr>
+              <p:cNvPr id="14" name="Google Shape;295;p9">
+                <a:extLst>
+                  <a:ext uri="{FF2B5EF4-FFF2-40B4-BE49-F238E27FC236}">
+                    <a16:creationId xmlns:a16="http://schemas.microsoft.com/office/drawing/2014/main" id="{30D811CC-2647-90A0-208D-519CA17549A6}"/>
+                  </a:ext>
+                </a:extLst>
+              </p:cNvPr>
+              <p:cNvCxnSpPr/>
+              <p:nvPr/>
+            </p:nvCxnSpPr>
+            <p:spPr>
+              <a:xfrm>
+                <a:off x="2392680" y="3545840"/>
+                <a:ext cx="853440" cy="0"/>
+              </a:xfrm>
+              <a:prstGeom prst="straightConnector1">
+                <a:avLst/>
+              </a:prstGeom>
+              <a:noFill/>
+              <a:ln w="38100" cap="flat" cmpd="sng">
+                <a:solidFill>
+                  <a:schemeClr val="dk1"/>
+                </a:solidFill>
+                <a:prstDash val="solid"/>
+                <a:round/>
+                <a:headEnd type="none" w="sm" len="sm"/>
+                <a:tailEnd type="none" w="sm" len="sm"/>
+              </a:ln>
+            </p:spPr>
+          </p:cxnSp>
+          <p:cxnSp>
+            <p:nvCxnSpPr>
+              <p:cNvPr id="15" name="Google Shape;296;p9">
+                <a:extLst>
+                  <a:ext uri="{FF2B5EF4-FFF2-40B4-BE49-F238E27FC236}">
+                    <a16:creationId xmlns:a16="http://schemas.microsoft.com/office/drawing/2014/main" id="{5B8F7610-FBB7-8167-A0B6-FDAF7C13F0A2}"/>
+                  </a:ext>
+                </a:extLst>
+              </p:cNvPr>
+              <p:cNvCxnSpPr/>
+              <p:nvPr/>
+            </p:nvCxnSpPr>
+            <p:spPr>
+              <a:xfrm>
+                <a:off x="2392680" y="3855720"/>
+                <a:ext cx="635000" cy="0"/>
+              </a:xfrm>
+              <a:prstGeom prst="straightConnector1">
+                <a:avLst/>
+              </a:prstGeom>
+              <a:noFill/>
+              <a:ln w="38100" cap="flat" cmpd="sng">
+                <a:solidFill>
+                  <a:schemeClr val="dk1"/>
+                </a:solidFill>
+                <a:prstDash val="solid"/>
+                <a:round/>
+                <a:headEnd type="none" w="sm" len="sm"/>
+                <a:tailEnd type="none" w="sm" len="sm"/>
+              </a:ln>
+            </p:spPr>
+          </p:cxnSp>
+          <p:cxnSp>
+            <p:nvCxnSpPr>
+              <p:cNvPr id="16" name="Google Shape;297;p9">
+                <a:extLst>
+                  <a:ext uri="{FF2B5EF4-FFF2-40B4-BE49-F238E27FC236}">
+                    <a16:creationId xmlns:a16="http://schemas.microsoft.com/office/drawing/2014/main" id="{8A246F25-1D78-88D7-BC55-311E1EFC57C0}"/>
+                  </a:ext>
+                </a:extLst>
+              </p:cNvPr>
+              <p:cNvCxnSpPr/>
+              <p:nvPr/>
+            </p:nvCxnSpPr>
+            <p:spPr>
+              <a:xfrm>
+                <a:off x="2392680" y="4175760"/>
+                <a:ext cx="477520" cy="0"/>
+              </a:xfrm>
+              <a:prstGeom prst="straightConnector1">
+                <a:avLst/>
+              </a:prstGeom>
+              <a:noFill/>
+              <a:ln w="38100" cap="flat" cmpd="sng">
+                <a:solidFill>
+                  <a:schemeClr val="dk1"/>
+                </a:solidFill>
+                <a:prstDash val="solid"/>
+                <a:round/>
+                <a:headEnd type="none" w="sm" len="sm"/>
+                <a:tailEnd type="none" w="sm" len="sm"/>
+              </a:ln>
+            </p:spPr>
+          </p:cxnSp>
+          <p:cxnSp>
+            <p:nvCxnSpPr>
+              <p:cNvPr id="17" name="Google Shape;298;p9">
+                <a:extLst>
+                  <a:ext uri="{FF2B5EF4-FFF2-40B4-BE49-F238E27FC236}">
+                    <a16:creationId xmlns:a16="http://schemas.microsoft.com/office/drawing/2014/main" id="{C0A1FFE7-4098-F784-EFCF-B5E3C2A6EFC7}"/>
+                  </a:ext>
+                </a:extLst>
+              </p:cNvPr>
+              <p:cNvCxnSpPr/>
+              <p:nvPr/>
+            </p:nvCxnSpPr>
+            <p:spPr>
+              <a:xfrm>
+                <a:off x="2392680" y="4495800"/>
+                <a:ext cx="426720" cy="0"/>
+              </a:xfrm>
+              <a:prstGeom prst="straightConnector1">
+                <a:avLst/>
+              </a:prstGeom>
+              <a:noFill/>
+              <a:ln w="38100" cap="flat" cmpd="sng">
+                <a:solidFill>
+                  <a:schemeClr val="dk1"/>
+                </a:solidFill>
+                <a:prstDash val="solid"/>
+                <a:round/>
+                <a:headEnd type="none" w="sm" len="sm"/>
+                <a:tailEnd type="none" w="sm" len="sm"/>
+              </a:ln>
+            </p:spPr>
+          </p:cxnSp>
+          <p:cxnSp>
+            <p:nvCxnSpPr>
+              <p:cNvPr id="18" name="Google Shape;299;p9">
+                <a:extLst>
+                  <a:ext uri="{FF2B5EF4-FFF2-40B4-BE49-F238E27FC236}">
+                    <a16:creationId xmlns:a16="http://schemas.microsoft.com/office/drawing/2014/main" id="{728B71AA-B89A-B9CA-99AD-80251EC4CAFC}"/>
+                  </a:ext>
+                </a:extLst>
+              </p:cNvPr>
+              <p:cNvCxnSpPr/>
+              <p:nvPr/>
+            </p:nvCxnSpPr>
+            <p:spPr>
+              <a:xfrm>
+                <a:off x="2392680" y="4800600"/>
+                <a:ext cx="426720" cy="0"/>
+              </a:xfrm>
+              <a:prstGeom prst="straightConnector1">
+                <a:avLst/>
+              </a:prstGeom>
+              <a:noFill/>
+              <a:ln w="38100" cap="flat" cmpd="sng">
+                <a:solidFill>
+                  <a:schemeClr val="dk1"/>
+                </a:solidFill>
+                <a:prstDash val="solid"/>
+                <a:round/>
+                <a:headEnd type="none" w="sm" len="sm"/>
+                <a:tailEnd type="none" w="sm" len="sm"/>
+              </a:ln>
+            </p:spPr>
+          </p:cxnSp>
+        </p:grpSp>
+      </p:grpSp>
+      <p:grpSp>
+        <p:nvGrpSpPr>
+          <p:cNvPr id="19" name="Google Shape;302;p9">
+            <a:extLst>
+              <a:ext uri="{FF2B5EF4-FFF2-40B4-BE49-F238E27FC236}">
+                <a16:creationId xmlns:a16="http://schemas.microsoft.com/office/drawing/2014/main" id="{2C6BCF88-6A52-D83F-F7F7-BCECBBBD15BD}"/>
+              </a:ext>
+            </a:extLst>
+          </p:cNvPr>
+          <p:cNvGrpSpPr/>
+          <p:nvPr/>
+        </p:nvGrpSpPr>
+        <p:grpSpPr>
+          <a:xfrm>
+            <a:off x="6244319" y="2115141"/>
+            <a:ext cx="2826983" cy="493268"/>
+            <a:chOff x="6749751" y="2012747"/>
+            <a:chExt cx="3769311" cy="657690"/>
+          </a:xfrm>
+        </p:grpSpPr>
+        <p:grpSp>
+          <p:nvGrpSpPr>
+            <p:cNvPr id="20" name="Google Shape;303;p9">
+              <a:extLst>
+                <a:ext uri="{FF2B5EF4-FFF2-40B4-BE49-F238E27FC236}">
+                  <a16:creationId xmlns:a16="http://schemas.microsoft.com/office/drawing/2014/main" id="{EBA77B61-BEB9-DE45-0E60-75EAB364FE6C}"/>
+                </a:ext>
+              </a:extLst>
+            </p:cNvPr>
+            <p:cNvGrpSpPr/>
+            <p:nvPr/>
+          </p:nvGrpSpPr>
+          <p:grpSpPr>
+            <a:xfrm>
+              <a:off x="6749751" y="2012747"/>
+              <a:ext cx="660464" cy="657690"/>
+              <a:chOff x="6493081" y="1742364"/>
+              <a:chExt cx="660464" cy="657690"/>
+            </a:xfrm>
+          </p:grpSpPr>
+          <p:sp>
+            <p:nvSpPr>
+              <p:cNvPr id="22" name="Google Shape;304;p9">
+                <a:extLst>
+                  <a:ext uri="{FF2B5EF4-FFF2-40B4-BE49-F238E27FC236}">
+                    <a16:creationId xmlns:a16="http://schemas.microsoft.com/office/drawing/2014/main" id="{392DDDB4-5DD6-F19A-AE4C-63FFA3CDCECA}"/>
+                  </a:ext>
+                </a:extLst>
+              </p:cNvPr>
+              <p:cNvSpPr/>
+              <p:nvPr/>
+            </p:nvSpPr>
+            <p:spPr>
+              <a:xfrm>
+                <a:off x="6493081" y="1742364"/>
+                <a:ext cx="660464" cy="657690"/>
+              </a:xfrm>
+              <a:prstGeom prst="ellipse">
+                <a:avLst/>
+              </a:prstGeom>
+              <a:solidFill>
+                <a:srgbClr val="00B050"/>
+              </a:solidFill>
+              <a:ln>
+                <a:noFill/>
+              </a:ln>
+            </p:spPr>
+            <p:txBody>
+              <a:bodyPr spcFirstLastPara="1" wrap="square" lIns="68575" tIns="34275" rIns="68575" bIns="34275" anchor="t" anchorCtr="0">
+                <a:noAutofit/>
+              </a:bodyPr>
+              <a:lstStyle/>
+              <a:p>
+                <a:pPr marL="0" marR="0" lvl="0" indent="0" algn="l" rtl="0">
+                  <a:lnSpc>
+                    <a:spcPct val="100000"/>
+                  </a:lnSpc>
+                  <a:spcBef>
+                    <a:spcPts val="0"/>
+                  </a:spcBef>
+                  <a:spcAft>
+                    <a:spcPts val="0"/>
+                  </a:spcAft>
+                  <a:buNone/>
+                </a:pPr>
+                <a:endParaRPr sz="1350" b="0" i="0" u="none" strike="noStrike" cap="none">
+                  <a:solidFill>
+                    <a:srgbClr val="000000"/>
+                  </a:solidFill>
+                  <a:latin typeface="Calibri"/>
+                  <a:ea typeface="Calibri"/>
+                  <a:cs typeface="Calibri"/>
+                  <a:sym typeface="Calibri"/>
+                </a:endParaRPr>
+              </a:p>
+            </p:txBody>
+          </p:sp>
+          <p:sp>
+            <p:nvSpPr>
+              <p:cNvPr id="23" name="Google Shape;305;p9">
+                <a:extLst>
+                  <a:ext uri="{FF2B5EF4-FFF2-40B4-BE49-F238E27FC236}">
+                    <a16:creationId xmlns:a16="http://schemas.microsoft.com/office/drawing/2014/main" id="{D6F9E93C-1AAE-F47E-87A2-7C588709D931}"/>
+                  </a:ext>
+                </a:extLst>
+              </p:cNvPr>
+              <p:cNvSpPr/>
+              <p:nvPr/>
+            </p:nvSpPr>
+            <p:spPr>
+              <a:xfrm rot="2700000">
+                <a:off x="6651394" y="2069258"/>
+                <a:ext cx="205179" cy="95403"/>
+              </a:xfrm>
+              <a:prstGeom prst="roundRect">
+                <a:avLst>
+                  <a:gd name="adj" fmla="val 16667"/>
+                </a:avLst>
+              </a:prstGeom>
+              <a:solidFill>
+                <a:schemeClr val="lt1"/>
+              </a:solidFill>
+              <a:ln>
+                <a:noFill/>
+              </a:ln>
+            </p:spPr>
+            <p:txBody>
+              <a:bodyPr spcFirstLastPara="1" wrap="square" lIns="91425" tIns="45700" rIns="91425" bIns="45700" anchor="ctr" anchorCtr="0">
+                <a:noAutofit/>
+              </a:bodyPr>
+              <a:lstStyle/>
+              <a:p>
+                <a:pPr marL="0" marR="0" lvl="0" indent="0" algn="ctr" rtl="0">
+                  <a:lnSpc>
+                    <a:spcPct val="100000"/>
+                  </a:lnSpc>
+                  <a:spcBef>
+                    <a:spcPts val="0"/>
+                  </a:spcBef>
+                  <a:spcAft>
+                    <a:spcPts val="0"/>
+                  </a:spcAft>
+                  <a:buNone/>
+                </a:pPr>
+                <a:endParaRPr sz="1350" b="0" i="0" u="none" strike="noStrike" cap="none">
+                  <a:solidFill>
+                    <a:schemeClr val="dk1"/>
+                  </a:solidFill>
+                  <a:latin typeface="Calibri"/>
+                  <a:ea typeface="Calibri"/>
+                  <a:cs typeface="Calibri"/>
+                  <a:sym typeface="Calibri"/>
+                </a:endParaRPr>
+              </a:p>
+            </p:txBody>
+          </p:sp>
+          <p:sp>
+            <p:nvSpPr>
+              <p:cNvPr id="24" name="Google Shape;306;p9">
+                <a:extLst>
+                  <a:ext uri="{FF2B5EF4-FFF2-40B4-BE49-F238E27FC236}">
+                    <a16:creationId xmlns:a16="http://schemas.microsoft.com/office/drawing/2014/main" id="{00E32BB6-628D-5483-CAF9-AB81EA22A1ED}"/>
+                  </a:ext>
+                </a:extLst>
+              </p:cNvPr>
+              <p:cNvSpPr/>
+              <p:nvPr/>
+            </p:nvSpPr>
+            <p:spPr>
+              <a:xfrm rot="8100000">
+                <a:off x="6714042" y="2021725"/>
+                <a:ext cx="339627" cy="95402"/>
+              </a:xfrm>
+              <a:prstGeom prst="roundRect">
+                <a:avLst>
+                  <a:gd name="adj" fmla="val 16667"/>
+                </a:avLst>
+              </a:prstGeom>
+              <a:solidFill>
+                <a:schemeClr val="lt1"/>
+              </a:solidFill>
+              <a:ln>
+                <a:noFill/>
+              </a:ln>
+            </p:spPr>
+            <p:txBody>
+              <a:bodyPr spcFirstLastPara="1" wrap="square" lIns="91425" tIns="45700" rIns="91425" bIns="45700" anchor="ctr" anchorCtr="0">
+                <a:noAutofit/>
+              </a:bodyPr>
+              <a:lstStyle/>
+              <a:p>
+                <a:pPr marL="0" marR="0" lvl="0" indent="0" algn="ctr" rtl="0">
+                  <a:lnSpc>
+                    <a:spcPct val="100000"/>
+                  </a:lnSpc>
+                  <a:spcBef>
+                    <a:spcPts val="0"/>
+                  </a:spcBef>
+                  <a:spcAft>
+                    <a:spcPts val="0"/>
+                  </a:spcAft>
+                  <a:buNone/>
+                </a:pPr>
+                <a:endParaRPr sz="1350" b="0" i="0" u="none" strike="noStrike" cap="none">
+                  <a:solidFill>
+                    <a:schemeClr val="dk1"/>
+                  </a:solidFill>
+                  <a:latin typeface="Calibri"/>
+                  <a:ea typeface="Calibri"/>
+                  <a:cs typeface="Calibri"/>
+                  <a:sym typeface="Calibri"/>
+                </a:endParaRPr>
+              </a:p>
+            </p:txBody>
+          </p:sp>
+        </p:grpSp>
+        <p:sp>
+          <p:nvSpPr>
+            <p:cNvPr id="21" name="Google Shape;307;p9">
+              <a:extLst>
+                <a:ext uri="{FF2B5EF4-FFF2-40B4-BE49-F238E27FC236}">
+                  <a16:creationId xmlns:a16="http://schemas.microsoft.com/office/drawing/2014/main" id="{5CFC76A6-404C-4C8A-86EB-AD3E6CAA6681}"/>
+                </a:ext>
+              </a:extLst>
+            </p:cNvPr>
+            <p:cNvSpPr txBox="1"/>
+            <p:nvPr/>
+          </p:nvSpPr>
+          <p:spPr>
+            <a:xfrm>
+              <a:off x="7742044" y="2113182"/>
+              <a:ext cx="2777018" cy="492388"/>
+            </a:xfrm>
+            <a:prstGeom prst="rect">
+              <a:avLst/>
+            </a:prstGeom>
+            <a:noFill/>
+            <a:ln>
+              <a:noFill/>
+            </a:ln>
+          </p:spPr>
+          <p:txBody>
+            <a:bodyPr spcFirstLastPara="1" wrap="square" lIns="91425" tIns="45700" rIns="91425" bIns="45700" anchor="t" anchorCtr="0">
+              <a:spAutoFit/>
+            </a:bodyPr>
+            <a:lstStyle/>
+            <a:p>
+              <a:pPr algn="ctr"/>
+              <a:r>
+                <a:rPr lang="fr-FR" b="1" dirty="0">
+                  <a:solidFill>
+                    <a:srgbClr val="002060"/>
+                  </a:solidFill>
+                  <a:latin typeface="Century Gothic" panose="020B0502020202020204" pitchFamily="34" charset="0"/>
+                </a:rPr>
+                <a:t>    Performance</a:t>
+              </a:r>
+              <a:endParaRPr lang="en-US" b="1" dirty="0">
+                <a:solidFill>
+                  <a:srgbClr val="002060"/>
+                </a:solidFill>
+                <a:latin typeface="Century Gothic" panose="020B0502020202020204" pitchFamily="34" charset="0"/>
+              </a:endParaRPr>
+            </a:p>
+          </p:txBody>
+        </p:sp>
+      </p:grpSp>
+      <p:grpSp>
+        <p:nvGrpSpPr>
+          <p:cNvPr id="25" name="Google Shape;308;p9">
+            <a:extLst>
+              <a:ext uri="{FF2B5EF4-FFF2-40B4-BE49-F238E27FC236}">
+                <a16:creationId xmlns:a16="http://schemas.microsoft.com/office/drawing/2014/main" id="{9592072E-A46B-ADC7-2B5E-8C830A04076C}"/>
+              </a:ext>
+            </a:extLst>
+          </p:cNvPr>
+          <p:cNvGrpSpPr/>
+          <p:nvPr/>
+        </p:nvGrpSpPr>
+        <p:grpSpPr>
+          <a:xfrm>
+            <a:off x="6244319" y="3000594"/>
+            <a:ext cx="3069655" cy="493268"/>
+            <a:chOff x="6749751" y="2012747"/>
+            <a:chExt cx="4092873" cy="657690"/>
+          </a:xfrm>
+        </p:grpSpPr>
+        <p:grpSp>
+          <p:nvGrpSpPr>
+            <p:cNvPr id="26" name="Google Shape;309;p9">
+              <a:extLst>
+                <a:ext uri="{FF2B5EF4-FFF2-40B4-BE49-F238E27FC236}">
+                  <a16:creationId xmlns:a16="http://schemas.microsoft.com/office/drawing/2014/main" id="{9968AF35-3E38-C97F-70A6-EB8628664EAF}"/>
+                </a:ext>
+              </a:extLst>
+            </p:cNvPr>
+            <p:cNvGrpSpPr/>
+            <p:nvPr/>
+          </p:nvGrpSpPr>
+          <p:grpSpPr>
+            <a:xfrm>
+              <a:off x="6749751" y="2012747"/>
+              <a:ext cx="660464" cy="657690"/>
+              <a:chOff x="6493081" y="1742364"/>
+              <a:chExt cx="660464" cy="657690"/>
+            </a:xfrm>
+          </p:grpSpPr>
+          <p:sp>
+            <p:nvSpPr>
+              <p:cNvPr id="28" name="Google Shape;310;p9">
+                <a:extLst>
+                  <a:ext uri="{FF2B5EF4-FFF2-40B4-BE49-F238E27FC236}">
+                    <a16:creationId xmlns:a16="http://schemas.microsoft.com/office/drawing/2014/main" id="{866C8B5F-1573-D8B7-720E-210618F1AE22}"/>
+                  </a:ext>
+                </a:extLst>
+              </p:cNvPr>
+              <p:cNvSpPr/>
+              <p:nvPr/>
+            </p:nvSpPr>
+            <p:spPr>
+              <a:xfrm>
+                <a:off x="6493081" y="1742364"/>
+                <a:ext cx="660464" cy="657690"/>
+              </a:xfrm>
+              <a:prstGeom prst="ellipse">
+                <a:avLst/>
+              </a:prstGeom>
+              <a:solidFill>
+                <a:srgbClr val="00B050"/>
+              </a:solidFill>
+              <a:ln>
+                <a:noFill/>
+              </a:ln>
+            </p:spPr>
+            <p:txBody>
+              <a:bodyPr spcFirstLastPara="1" wrap="square" lIns="68575" tIns="34275" rIns="68575" bIns="34275" anchor="t" anchorCtr="0">
+                <a:noAutofit/>
+              </a:bodyPr>
+              <a:lstStyle/>
+              <a:p>
+                <a:pPr marL="0" marR="0" lvl="0" indent="0" algn="l" rtl="0">
+                  <a:lnSpc>
+                    <a:spcPct val="100000"/>
+                  </a:lnSpc>
+                  <a:spcBef>
+                    <a:spcPts val="0"/>
+                  </a:spcBef>
+                  <a:spcAft>
+                    <a:spcPts val="0"/>
+                  </a:spcAft>
+                  <a:buNone/>
+                </a:pPr>
+                <a:endParaRPr sz="1350" b="0" i="0" u="none" strike="noStrike" cap="none">
+                  <a:solidFill>
+                    <a:srgbClr val="000000"/>
+                  </a:solidFill>
+                  <a:latin typeface="Calibri"/>
+                  <a:ea typeface="Calibri"/>
+                  <a:cs typeface="Calibri"/>
+                  <a:sym typeface="Calibri"/>
+                </a:endParaRPr>
+              </a:p>
+            </p:txBody>
+          </p:sp>
+          <p:sp>
+            <p:nvSpPr>
+              <p:cNvPr id="29" name="Google Shape;311;p9">
+                <a:extLst>
+                  <a:ext uri="{FF2B5EF4-FFF2-40B4-BE49-F238E27FC236}">
+                    <a16:creationId xmlns:a16="http://schemas.microsoft.com/office/drawing/2014/main" id="{8E2D2AC4-0A4D-B3DB-A7F4-5ECBA444A664}"/>
+                  </a:ext>
+                </a:extLst>
+              </p:cNvPr>
+              <p:cNvSpPr/>
+              <p:nvPr/>
+            </p:nvSpPr>
+            <p:spPr>
+              <a:xfrm rot="2700000">
+                <a:off x="6651394" y="2069258"/>
+                <a:ext cx="205179" cy="95403"/>
+              </a:xfrm>
+              <a:prstGeom prst="roundRect">
+                <a:avLst>
+                  <a:gd name="adj" fmla="val 16667"/>
+                </a:avLst>
+              </a:prstGeom>
+              <a:solidFill>
+                <a:schemeClr val="lt1"/>
+              </a:solidFill>
+              <a:ln>
+                <a:noFill/>
+              </a:ln>
+            </p:spPr>
+            <p:txBody>
+              <a:bodyPr spcFirstLastPara="1" wrap="square" lIns="91425" tIns="45700" rIns="91425" bIns="45700" anchor="ctr" anchorCtr="0">
+                <a:noAutofit/>
+              </a:bodyPr>
+              <a:lstStyle/>
+              <a:p>
+                <a:pPr marL="0" marR="0" lvl="0" indent="0" algn="ctr" rtl="0">
+                  <a:lnSpc>
+                    <a:spcPct val="100000"/>
+                  </a:lnSpc>
+                  <a:spcBef>
+                    <a:spcPts val="0"/>
+                  </a:spcBef>
+                  <a:spcAft>
+                    <a:spcPts val="0"/>
+                  </a:spcAft>
+                  <a:buNone/>
+                </a:pPr>
+                <a:endParaRPr sz="1350" b="0" i="0" u="none" strike="noStrike" cap="none">
+                  <a:solidFill>
+                    <a:schemeClr val="dk1"/>
+                  </a:solidFill>
+                  <a:latin typeface="Calibri"/>
+                  <a:ea typeface="Calibri"/>
+                  <a:cs typeface="Calibri"/>
+                  <a:sym typeface="Calibri"/>
+                </a:endParaRPr>
+              </a:p>
+            </p:txBody>
+          </p:sp>
+          <p:sp>
+            <p:nvSpPr>
+              <p:cNvPr id="30" name="Google Shape;312;p9">
+                <a:extLst>
+                  <a:ext uri="{FF2B5EF4-FFF2-40B4-BE49-F238E27FC236}">
+                    <a16:creationId xmlns:a16="http://schemas.microsoft.com/office/drawing/2014/main" id="{906D3CC1-4B58-29C6-8B29-CE4C4A7D7FF4}"/>
+                  </a:ext>
+                </a:extLst>
+              </p:cNvPr>
+              <p:cNvSpPr/>
+              <p:nvPr/>
+            </p:nvSpPr>
+            <p:spPr>
+              <a:xfrm rot="8100000">
+                <a:off x="6714042" y="2021725"/>
+                <a:ext cx="339627" cy="95402"/>
+              </a:xfrm>
+              <a:prstGeom prst="roundRect">
+                <a:avLst>
+                  <a:gd name="adj" fmla="val 16667"/>
+                </a:avLst>
+              </a:prstGeom>
+              <a:solidFill>
+                <a:schemeClr val="lt1"/>
+              </a:solidFill>
+              <a:ln>
+                <a:noFill/>
+              </a:ln>
+            </p:spPr>
+            <p:txBody>
+              <a:bodyPr spcFirstLastPara="1" wrap="square" lIns="91425" tIns="45700" rIns="91425" bIns="45700" anchor="ctr" anchorCtr="0">
+                <a:noAutofit/>
+              </a:bodyPr>
+              <a:lstStyle/>
+              <a:p>
+                <a:pPr marL="0" marR="0" lvl="0" indent="0" algn="ctr" rtl="0">
+                  <a:lnSpc>
+                    <a:spcPct val="100000"/>
+                  </a:lnSpc>
+                  <a:spcBef>
+                    <a:spcPts val="0"/>
+                  </a:spcBef>
+                  <a:spcAft>
+                    <a:spcPts val="0"/>
+                  </a:spcAft>
+                  <a:buNone/>
+                </a:pPr>
+                <a:endParaRPr sz="1350" b="0" i="0" u="none" strike="noStrike" cap="none">
+                  <a:solidFill>
+                    <a:schemeClr val="dk1"/>
+                  </a:solidFill>
+                  <a:latin typeface="Calibri"/>
+                  <a:ea typeface="Calibri"/>
+                  <a:cs typeface="Calibri"/>
+                  <a:sym typeface="Calibri"/>
+                </a:endParaRPr>
+              </a:p>
+            </p:txBody>
+          </p:sp>
+        </p:grpSp>
+        <p:sp>
+          <p:nvSpPr>
+            <p:cNvPr id="27" name="Google Shape;313;p9">
+              <a:extLst>
+                <a:ext uri="{FF2B5EF4-FFF2-40B4-BE49-F238E27FC236}">
+                  <a16:creationId xmlns:a16="http://schemas.microsoft.com/office/drawing/2014/main" id="{7FC893A5-1308-6C5E-F060-3D25378ED0E2}"/>
+                </a:ext>
+              </a:extLst>
+            </p:cNvPr>
+            <p:cNvSpPr txBox="1"/>
+            <p:nvPr/>
+          </p:nvSpPr>
+          <p:spPr>
+            <a:xfrm>
+              <a:off x="7742043" y="2154744"/>
+              <a:ext cx="3100581" cy="492388"/>
+            </a:xfrm>
+            <a:prstGeom prst="rect">
+              <a:avLst/>
+            </a:prstGeom>
+            <a:noFill/>
+            <a:ln>
+              <a:noFill/>
+            </a:ln>
+          </p:spPr>
+          <p:txBody>
+            <a:bodyPr spcFirstLastPara="1" wrap="square" lIns="91425" tIns="45700" rIns="91425" bIns="45700" anchor="t" anchorCtr="0">
+              <a:spAutoFit/>
+            </a:bodyPr>
+            <a:lstStyle/>
+            <a:p>
+              <a:pPr algn="ctr"/>
+              <a:r>
+                <a:rPr lang="en-US" b="1" dirty="0">
+                  <a:solidFill>
+                    <a:srgbClr val="002060"/>
+                  </a:solidFill>
+                  <a:latin typeface="Century Gothic" panose="020B0502020202020204" pitchFamily="34" charset="0"/>
+                </a:rPr>
+                <a:t>Rapidit</a:t>
+              </a:r>
+              <a:r>
+                <a:rPr lang="fr-FR" b="1" dirty="0">
+                  <a:solidFill>
+                    <a:srgbClr val="002060"/>
+                  </a:solidFill>
+                  <a:latin typeface="Century Gothic" panose="020B0502020202020204" pitchFamily="34" charset="0"/>
+                </a:rPr>
+                <a:t>é</a:t>
+              </a:r>
+              <a:endParaRPr lang="en-US" b="1" dirty="0">
+                <a:solidFill>
+                  <a:srgbClr val="002060"/>
+                </a:solidFill>
+                <a:latin typeface="Century Gothic" panose="020B0502020202020204" pitchFamily="34" charset="0"/>
+              </a:endParaRPr>
+            </a:p>
+          </p:txBody>
+        </p:sp>
+      </p:grpSp>
+      <p:grpSp>
+        <p:nvGrpSpPr>
+          <p:cNvPr id="31" name="Google Shape;314;p9">
+            <a:extLst>
+              <a:ext uri="{FF2B5EF4-FFF2-40B4-BE49-F238E27FC236}">
+                <a16:creationId xmlns:a16="http://schemas.microsoft.com/office/drawing/2014/main" id="{9A35FC23-7FF7-CAD7-4D90-EE5B82F4C319}"/>
+              </a:ext>
+            </a:extLst>
+          </p:cNvPr>
+          <p:cNvGrpSpPr/>
+          <p:nvPr/>
+        </p:nvGrpSpPr>
+        <p:grpSpPr>
+          <a:xfrm>
+            <a:off x="6244319" y="4062054"/>
+            <a:ext cx="3069655" cy="493268"/>
+            <a:chOff x="6749751" y="2012747"/>
+            <a:chExt cx="4092873" cy="657690"/>
+          </a:xfrm>
+        </p:grpSpPr>
+        <p:grpSp>
+          <p:nvGrpSpPr>
+            <p:cNvPr id="32" name="Google Shape;315;p9">
+              <a:extLst>
+                <a:ext uri="{FF2B5EF4-FFF2-40B4-BE49-F238E27FC236}">
+                  <a16:creationId xmlns:a16="http://schemas.microsoft.com/office/drawing/2014/main" id="{500EE9AD-FE96-5FE6-4918-D105C5BCE6A8}"/>
+                </a:ext>
+              </a:extLst>
+            </p:cNvPr>
+            <p:cNvGrpSpPr/>
+            <p:nvPr/>
+          </p:nvGrpSpPr>
+          <p:grpSpPr>
+            <a:xfrm>
+              <a:off x="6749751" y="2012747"/>
+              <a:ext cx="660464" cy="657690"/>
+              <a:chOff x="6493081" y="1742364"/>
+              <a:chExt cx="660464" cy="657690"/>
+            </a:xfrm>
+          </p:grpSpPr>
+          <p:sp>
+            <p:nvSpPr>
+              <p:cNvPr id="34" name="Google Shape;316;p9">
+                <a:extLst>
+                  <a:ext uri="{FF2B5EF4-FFF2-40B4-BE49-F238E27FC236}">
+                    <a16:creationId xmlns:a16="http://schemas.microsoft.com/office/drawing/2014/main" id="{5C59A420-4070-3A5B-6AB1-941E4A3717EF}"/>
+                  </a:ext>
+                </a:extLst>
+              </p:cNvPr>
+              <p:cNvSpPr/>
+              <p:nvPr/>
+            </p:nvSpPr>
+            <p:spPr>
+              <a:xfrm>
+                <a:off x="6493081" y="1742364"/>
+                <a:ext cx="660464" cy="657690"/>
+              </a:xfrm>
+              <a:prstGeom prst="ellipse">
+                <a:avLst/>
+              </a:prstGeom>
+              <a:solidFill>
+                <a:srgbClr val="00B050"/>
+              </a:solidFill>
+              <a:ln>
+                <a:noFill/>
+              </a:ln>
+            </p:spPr>
+            <p:txBody>
+              <a:bodyPr spcFirstLastPara="1" wrap="square" lIns="68575" tIns="34275" rIns="68575" bIns="34275" anchor="t" anchorCtr="0">
+                <a:noAutofit/>
+              </a:bodyPr>
+              <a:lstStyle/>
+              <a:p>
+                <a:pPr marL="0" marR="0" lvl="0" indent="0" algn="l" rtl="0">
+                  <a:lnSpc>
+                    <a:spcPct val="100000"/>
+                  </a:lnSpc>
+                  <a:spcBef>
+                    <a:spcPts val="0"/>
+                  </a:spcBef>
+                  <a:spcAft>
+                    <a:spcPts val="0"/>
+                  </a:spcAft>
+                  <a:buNone/>
+                </a:pPr>
+                <a:endParaRPr sz="1350" b="0" i="0" u="none" strike="noStrike" cap="none">
+                  <a:solidFill>
+                    <a:srgbClr val="000000"/>
+                  </a:solidFill>
+                  <a:latin typeface="Calibri"/>
+                  <a:ea typeface="Calibri"/>
+                  <a:cs typeface="Calibri"/>
+                  <a:sym typeface="Calibri"/>
+                </a:endParaRPr>
+              </a:p>
+            </p:txBody>
+          </p:sp>
+          <p:sp>
+            <p:nvSpPr>
+              <p:cNvPr id="35" name="Google Shape;317;p9">
+                <a:extLst>
+                  <a:ext uri="{FF2B5EF4-FFF2-40B4-BE49-F238E27FC236}">
+                    <a16:creationId xmlns:a16="http://schemas.microsoft.com/office/drawing/2014/main" id="{0B105C1A-75C0-551D-E4E3-4E4E5001C85D}"/>
+                  </a:ext>
+                </a:extLst>
+              </p:cNvPr>
+              <p:cNvSpPr/>
+              <p:nvPr/>
+            </p:nvSpPr>
+            <p:spPr>
+              <a:xfrm rot="2700000">
+                <a:off x="6651394" y="2069258"/>
+                <a:ext cx="205179" cy="95403"/>
+              </a:xfrm>
+              <a:prstGeom prst="roundRect">
+                <a:avLst>
+                  <a:gd name="adj" fmla="val 16667"/>
+                </a:avLst>
+              </a:prstGeom>
+              <a:solidFill>
+                <a:schemeClr val="lt1"/>
+              </a:solidFill>
+              <a:ln>
+                <a:noFill/>
+              </a:ln>
+            </p:spPr>
+            <p:txBody>
+              <a:bodyPr spcFirstLastPara="1" wrap="square" lIns="91425" tIns="45700" rIns="91425" bIns="45700" anchor="ctr" anchorCtr="0">
+                <a:noAutofit/>
+              </a:bodyPr>
+              <a:lstStyle/>
+              <a:p>
+                <a:pPr marL="0" marR="0" lvl="0" indent="0" algn="ctr" rtl="0">
+                  <a:lnSpc>
+                    <a:spcPct val="100000"/>
+                  </a:lnSpc>
+                  <a:spcBef>
+                    <a:spcPts val="0"/>
+                  </a:spcBef>
+                  <a:spcAft>
+                    <a:spcPts val="0"/>
+                  </a:spcAft>
+                  <a:buNone/>
+                </a:pPr>
+                <a:endParaRPr sz="1350" b="0" i="0" u="none" strike="noStrike" cap="none">
+                  <a:solidFill>
+                    <a:schemeClr val="dk1"/>
+                  </a:solidFill>
+                  <a:latin typeface="Calibri"/>
+                  <a:ea typeface="Calibri"/>
+                  <a:cs typeface="Calibri"/>
+                  <a:sym typeface="Calibri"/>
+                </a:endParaRPr>
+              </a:p>
+            </p:txBody>
+          </p:sp>
+          <p:sp>
+            <p:nvSpPr>
+              <p:cNvPr id="36" name="Google Shape;318;p9">
+                <a:extLst>
+                  <a:ext uri="{FF2B5EF4-FFF2-40B4-BE49-F238E27FC236}">
+                    <a16:creationId xmlns:a16="http://schemas.microsoft.com/office/drawing/2014/main" id="{427CDFAB-6D62-3EFC-A690-6C6112FF1560}"/>
+                  </a:ext>
+                </a:extLst>
+              </p:cNvPr>
+              <p:cNvSpPr/>
+              <p:nvPr/>
+            </p:nvSpPr>
+            <p:spPr>
+              <a:xfrm rot="8100000">
+                <a:off x="6714042" y="2021725"/>
+                <a:ext cx="339627" cy="95402"/>
+              </a:xfrm>
+              <a:prstGeom prst="roundRect">
+                <a:avLst>
+                  <a:gd name="adj" fmla="val 16667"/>
+                </a:avLst>
+              </a:prstGeom>
+              <a:solidFill>
+                <a:schemeClr val="lt1"/>
+              </a:solidFill>
+              <a:ln>
+                <a:noFill/>
+              </a:ln>
+            </p:spPr>
+            <p:txBody>
+              <a:bodyPr spcFirstLastPara="1" wrap="square" lIns="91425" tIns="45700" rIns="91425" bIns="45700" anchor="ctr" anchorCtr="0">
+                <a:noAutofit/>
+              </a:bodyPr>
+              <a:lstStyle/>
+              <a:p>
+                <a:pPr marL="0" marR="0" lvl="0" indent="0" algn="ctr" rtl="0">
+                  <a:lnSpc>
+                    <a:spcPct val="100000"/>
+                  </a:lnSpc>
+                  <a:spcBef>
+                    <a:spcPts val="0"/>
+                  </a:spcBef>
+                  <a:spcAft>
+                    <a:spcPts val="0"/>
+                  </a:spcAft>
+                  <a:buNone/>
+                </a:pPr>
+                <a:endParaRPr sz="1350" b="0" i="0" u="none" strike="noStrike" cap="none">
+                  <a:solidFill>
+                    <a:schemeClr val="dk1"/>
+                  </a:solidFill>
+                  <a:latin typeface="Calibri"/>
+                  <a:ea typeface="Calibri"/>
+                  <a:cs typeface="Calibri"/>
+                  <a:sym typeface="Calibri"/>
+                </a:endParaRPr>
+              </a:p>
+            </p:txBody>
+          </p:sp>
+        </p:grpSp>
+        <p:sp>
+          <p:nvSpPr>
+            <p:cNvPr id="33" name="Google Shape;319;p9">
+              <a:extLst>
+                <a:ext uri="{FF2B5EF4-FFF2-40B4-BE49-F238E27FC236}">
+                  <a16:creationId xmlns:a16="http://schemas.microsoft.com/office/drawing/2014/main" id="{21BA9772-4A87-4286-986B-4DE3C3052783}"/>
+                </a:ext>
+              </a:extLst>
+            </p:cNvPr>
+            <p:cNvSpPr txBox="1"/>
+            <p:nvPr/>
+          </p:nvSpPr>
+          <p:spPr>
+            <a:xfrm>
+              <a:off x="7742044" y="2127034"/>
+              <a:ext cx="3100580" cy="492388"/>
+            </a:xfrm>
+            <a:prstGeom prst="rect">
+              <a:avLst/>
+            </a:prstGeom>
+            <a:noFill/>
+            <a:ln>
+              <a:noFill/>
+            </a:ln>
+          </p:spPr>
+          <p:txBody>
+            <a:bodyPr spcFirstLastPara="1" wrap="square" lIns="91425" tIns="45700" rIns="91425" bIns="45700" anchor="t" anchorCtr="0">
+              <a:spAutoFit/>
+            </a:bodyPr>
+            <a:lstStyle/>
+            <a:p>
+              <a:pPr algn="ctr"/>
+              <a:r>
+                <a:rPr lang="fr-FR" b="1" dirty="0">
+                  <a:solidFill>
+                    <a:srgbClr val="002060"/>
+                  </a:solidFill>
+                  <a:latin typeface="Century Gothic" panose="020B0502020202020204" pitchFamily="34" charset="0"/>
+                </a:rPr>
+                <a:t>disponibilité</a:t>
+              </a:r>
+              <a:endParaRPr lang="en-US" b="1" dirty="0">
+                <a:solidFill>
+                  <a:srgbClr val="002060"/>
+                </a:solidFill>
+                <a:latin typeface="Century Gothic" panose="020B0502020202020204" pitchFamily="34" charset="0"/>
+              </a:endParaRPr>
+            </a:p>
+          </p:txBody>
+        </p:sp>
+      </p:grpSp>
+      <p:grpSp>
+        <p:nvGrpSpPr>
+          <p:cNvPr id="37" name="Google Shape;320;p9">
+            <a:extLst>
+              <a:ext uri="{FF2B5EF4-FFF2-40B4-BE49-F238E27FC236}">
+                <a16:creationId xmlns:a16="http://schemas.microsoft.com/office/drawing/2014/main" id="{635384F2-0CEF-60A0-126C-B0BE36FEA674}"/>
+              </a:ext>
+            </a:extLst>
+          </p:cNvPr>
+          <p:cNvGrpSpPr/>
+          <p:nvPr/>
+        </p:nvGrpSpPr>
+        <p:grpSpPr>
+          <a:xfrm>
+            <a:off x="6244319" y="4993894"/>
+            <a:ext cx="2826983" cy="493268"/>
+            <a:chOff x="6749751" y="2012747"/>
+            <a:chExt cx="3769311" cy="657690"/>
+          </a:xfrm>
+        </p:grpSpPr>
+        <p:grpSp>
+          <p:nvGrpSpPr>
+            <p:cNvPr id="38" name="Google Shape;321;p9">
+              <a:extLst>
+                <a:ext uri="{FF2B5EF4-FFF2-40B4-BE49-F238E27FC236}">
+                  <a16:creationId xmlns:a16="http://schemas.microsoft.com/office/drawing/2014/main" id="{2BD32384-C82E-7211-A67F-A0ED88EB1B8A}"/>
+                </a:ext>
+              </a:extLst>
+            </p:cNvPr>
+            <p:cNvGrpSpPr/>
+            <p:nvPr/>
+          </p:nvGrpSpPr>
+          <p:grpSpPr>
+            <a:xfrm>
+              <a:off x="6749751" y="2012747"/>
+              <a:ext cx="660464" cy="657690"/>
+              <a:chOff x="6493081" y="1742364"/>
+              <a:chExt cx="660464" cy="657690"/>
+            </a:xfrm>
+          </p:grpSpPr>
+          <p:sp>
+            <p:nvSpPr>
+              <p:cNvPr id="40" name="Google Shape;322;p9">
+                <a:extLst>
+                  <a:ext uri="{FF2B5EF4-FFF2-40B4-BE49-F238E27FC236}">
+                    <a16:creationId xmlns:a16="http://schemas.microsoft.com/office/drawing/2014/main" id="{61D5D012-B342-432D-F10D-CE8063718AFF}"/>
+                  </a:ext>
+                </a:extLst>
+              </p:cNvPr>
+              <p:cNvSpPr/>
+              <p:nvPr/>
+            </p:nvSpPr>
+            <p:spPr>
+              <a:xfrm>
+                <a:off x="6493081" y="1742364"/>
+                <a:ext cx="660464" cy="657690"/>
+              </a:xfrm>
+              <a:prstGeom prst="ellipse">
+                <a:avLst/>
+              </a:prstGeom>
+              <a:solidFill>
+                <a:srgbClr val="00B050"/>
+              </a:solidFill>
+              <a:ln>
+                <a:noFill/>
+              </a:ln>
+            </p:spPr>
+            <p:txBody>
+              <a:bodyPr spcFirstLastPara="1" wrap="square" lIns="68575" tIns="34275" rIns="68575" bIns="34275" anchor="t" anchorCtr="0">
+                <a:noAutofit/>
+              </a:bodyPr>
+              <a:lstStyle/>
+              <a:p>
+                <a:pPr marL="0" marR="0" lvl="0" indent="0" algn="l" rtl="0">
+                  <a:lnSpc>
+                    <a:spcPct val="100000"/>
+                  </a:lnSpc>
+                  <a:spcBef>
+                    <a:spcPts val="0"/>
+                  </a:spcBef>
+                  <a:spcAft>
+                    <a:spcPts val="0"/>
+                  </a:spcAft>
+                  <a:buNone/>
+                </a:pPr>
+                <a:endParaRPr sz="1350" b="0" i="0" u="none" strike="noStrike" cap="none">
+                  <a:solidFill>
+                    <a:srgbClr val="000000"/>
+                  </a:solidFill>
+                  <a:latin typeface="Calibri"/>
+                  <a:ea typeface="Calibri"/>
+                  <a:cs typeface="Calibri"/>
+                  <a:sym typeface="Calibri"/>
+                </a:endParaRPr>
+              </a:p>
+            </p:txBody>
+          </p:sp>
+          <p:sp>
+            <p:nvSpPr>
+              <p:cNvPr id="41" name="Google Shape;323;p9">
+                <a:extLst>
+                  <a:ext uri="{FF2B5EF4-FFF2-40B4-BE49-F238E27FC236}">
+                    <a16:creationId xmlns:a16="http://schemas.microsoft.com/office/drawing/2014/main" id="{EA6B03E7-4E00-6716-9A4E-97B96350B760}"/>
+                  </a:ext>
+                </a:extLst>
+              </p:cNvPr>
+              <p:cNvSpPr/>
+              <p:nvPr/>
+            </p:nvSpPr>
+            <p:spPr>
+              <a:xfrm rot="2700000">
+                <a:off x="6651394" y="2069258"/>
+                <a:ext cx="205179" cy="95403"/>
+              </a:xfrm>
+              <a:prstGeom prst="roundRect">
+                <a:avLst>
+                  <a:gd name="adj" fmla="val 16667"/>
+                </a:avLst>
+              </a:prstGeom>
+              <a:solidFill>
+                <a:schemeClr val="lt1"/>
+              </a:solidFill>
+              <a:ln>
+                <a:noFill/>
+              </a:ln>
+            </p:spPr>
+            <p:txBody>
+              <a:bodyPr spcFirstLastPara="1" wrap="square" lIns="91425" tIns="45700" rIns="91425" bIns="45700" anchor="ctr" anchorCtr="0">
+                <a:noAutofit/>
+              </a:bodyPr>
+              <a:lstStyle/>
+              <a:p>
+                <a:pPr marL="0" marR="0" lvl="0" indent="0" algn="ctr" rtl="0">
+                  <a:lnSpc>
+                    <a:spcPct val="100000"/>
+                  </a:lnSpc>
+                  <a:spcBef>
+                    <a:spcPts val="0"/>
+                  </a:spcBef>
+                  <a:spcAft>
+                    <a:spcPts val="0"/>
+                  </a:spcAft>
+                  <a:buNone/>
+                </a:pPr>
+                <a:endParaRPr sz="1350" b="0" i="0" u="none" strike="noStrike" cap="none">
+                  <a:solidFill>
+                    <a:schemeClr val="dk1"/>
+                  </a:solidFill>
+                  <a:latin typeface="Calibri"/>
+                  <a:ea typeface="Calibri"/>
+                  <a:cs typeface="Calibri"/>
+                  <a:sym typeface="Calibri"/>
+                </a:endParaRPr>
+              </a:p>
+            </p:txBody>
+          </p:sp>
+          <p:sp>
+            <p:nvSpPr>
+              <p:cNvPr id="42" name="Google Shape;324;p9">
+                <a:extLst>
+                  <a:ext uri="{FF2B5EF4-FFF2-40B4-BE49-F238E27FC236}">
+                    <a16:creationId xmlns:a16="http://schemas.microsoft.com/office/drawing/2014/main" id="{2D8BA11D-2618-7A43-FB9B-A5740D188203}"/>
+                  </a:ext>
+                </a:extLst>
+              </p:cNvPr>
+              <p:cNvSpPr/>
+              <p:nvPr/>
+            </p:nvSpPr>
+            <p:spPr>
+              <a:xfrm rot="8100000">
+                <a:off x="6714042" y="2021725"/>
+                <a:ext cx="339627" cy="95402"/>
+              </a:xfrm>
+              <a:prstGeom prst="roundRect">
+                <a:avLst>
+                  <a:gd name="adj" fmla="val 16667"/>
+                </a:avLst>
+              </a:prstGeom>
+              <a:solidFill>
+                <a:schemeClr val="lt1"/>
+              </a:solidFill>
+              <a:ln>
+                <a:noFill/>
+              </a:ln>
+            </p:spPr>
+            <p:txBody>
+              <a:bodyPr spcFirstLastPara="1" wrap="square" lIns="91425" tIns="45700" rIns="91425" bIns="45700" anchor="ctr" anchorCtr="0">
+                <a:noAutofit/>
+              </a:bodyPr>
+              <a:lstStyle/>
+              <a:p>
+                <a:pPr marL="0" marR="0" lvl="0" indent="0" algn="ctr" rtl="0">
+                  <a:lnSpc>
+                    <a:spcPct val="100000"/>
+                  </a:lnSpc>
+                  <a:spcBef>
+                    <a:spcPts val="0"/>
+                  </a:spcBef>
+                  <a:spcAft>
+                    <a:spcPts val="0"/>
+                  </a:spcAft>
+                  <a:buNone/>
+                </a:pPr>
+                <a:endParaRPr sz="1350" b="0" i="0" u="none" strike="noStrike" cap="none">
+                  <a:solidFill>
+                    <a:schemeClr val="dk1"/>
+                  </a:solidFill>
+                  <a:latin typeface="Calibri"/>
+                  <a:ea typeface="Calibri"/>
+                  <a:cs typeface="Calibri"/>
+                  <a:sym typeface="Calibri"/>
+                </a:endParaRPr>
+              </a:p>
+            </p:txBody>
+          </p:sp>
+        </p:grpSp>
+        <p:sp>
+          <p:nvSpPr>
+            <p:cNvPr id="39" name="Google Shape;325;p9">
+              <a:extLst>
+                <a:ext uri="{FF2B5EF4-FFF2-40B4-BE49-F238E27FC236}">
+                  <a16:creationId xmlns:a16="http://schemas.microsoft.com/office/drawing/2014/main" id="{6CEE5A47-CD9D-735B-2C3C-381037F8B985}"/>
+                </a:ext>
+              </a:extLst>
+            </p:cNvPr>
+            <p:cNvSpPr txBox="1"/>
+            <p:nvPr/>
+          </p:nvSpPr>
+          <p:spPr>
+            <a:xfrm>
+              <a:off x="7742044" y="2154750"/>
+              <a:ext cx="2777018" cy="492388"/>
+            </a:xfrm>
+            <a:prstGeom prst="rect">
+              <a:avLst/>
+            </a:prstGeom>
+            <a:noFill/>
+            <a:ln>
+              <a:noFill/>
+            </a:ln>
+          </p:spPr>
+          <p:txBody>
+            <a:bodyPr spcFirstLastPara="1" wrap="square" lIns="91425" tIns="45700" rIns="91425" bIns="45700" anchor="t" anchorCtr="0">
+              <a:spAutoFit/>
+            </a:bodyPr>
+            <a:lstStyle/>
+            <a:p>
+              <a:r>
+                <a:rPr lang="fr-FR" b="1" dirty="0">
+                  <a:solidFill>
+                    <a:srgbClr val="002060"/>
+                  </a:solidFill>
+                  <a:latin typeface="Century Gothic" panose="020B0502020202020204" pitchFamily="34" charset="0"/>
+                </a:rPr>
+                <a:t>       Flexibilité</a:t>
+              </a:r>
+              <a:endParaRPr lang="en-US" b="1" dirty="0">
+                <a:solidFill>
+                  <a:srgbClr val="002060"/>
+                </a:solidFill>
+                <a:latin typeface="Century Gothic" panose="020B0502020202020204" pitchFamily="34" charset="0"/>
+              </a:endParaRPr>
+            </a:p>
+          </p:txBody>
+        </p:sp>
+      </p:grpSp>
     </p:spTree>
     <p:extLst>
       <p:ext uri="{BB962C8B-B14F-4D97-AF65-F5344CB8AC3E}">
@@ -13888,6 +15633,9 @@
                     <p:cTn id="3" fill="hold">
                       <p:stCondLst>
                         <p:cond delay="indefinite"/>
+                        <p:cond evt="onBegin" delay="0">
+                          <p:tn val="2"/>
+                        </p:cond>
                       </p:stCondLst>
                       <p:childTnLst>
                         <p:par>
@@ -13897,7 +15645,7 @@
                             </p:stCondLst>
                             <p:childTnLst>
                               <p:par>
-                                <p:cTn id="5" presetID="10" presetClass="entr" presetSubtype="0" fill="hold" grpId="0" nodeType="clickEffect">
+                                <p:cTn id="5" presetID="10" presetClass="entr" presetSubtype="0" fill="hold" nodeType="withEffect">
                                   <p:stCondLst>
                                     <p:cond delay="0"/>
                                   </p:stCondLst>
@@ -13910,7 +15658,7 @@
                                           </p:stCondLst>
                                         </p:cTn>
                                         <p:tgtEl>
-                                          <p:spTgt spid="5"/>
+                                          <p:spTgt spid="2"/>
                                         </p:tgtEl>
                                         <p:attrNameLst>
                                           <p:attrName>style.visibility</p:attrName>
@@ -13922,9 +15670,9 @@
                                     </p:set>
                                     <p:animEffect transition="in" filter="fade">
                                       <p:cBhvr>
-                                        <p:cTn id="7" dur="500"/>
+                                        <p:cTn id="7" dur="1000"/>
                                         <p:tgtEl>
-                                          <p:spTgt spid="5"/>
+                                          <p:spTgt spid="2"/>
                                         </p:tgtEl>
                                       </p:cBhvr>
                                     </p:animEffect>
@@ -13950,7 +15698,7 @@
                             </p:stCondLst>
                             <p:childTnLst>
                               <p:par>
-                                <p:cTn id="10" presetID="10" presetClass="entr" presetSubtype="0" fill="hold" grpId="0" nodeType="clickEffect">
+                                <p:cTn id="10" presetID="10" presetClass="entr" presetSubtype="0" fill="hold" nodeType="clickEffect">
                                   <p:stCondLst>
                                     <p:cond delay="0"/>
                                   </p:stCondLst>
@@ -13963,7 +15711,7 @@
                                           </p:stCondLst>
                                         </p:cTn>
                                         <p:tgtEl>
-                                          <p:spTgt spid="6"/>
+                                          <p:spTgt spid="19"/>
                                         </p:tgtEl>
                                         <p:attrNameLst>
                                           <p:attrName>style.visibility</p:attrName>
@@ -13977,7 +15725,7 @@
                                       <p:cBhvr>
                                         <p:cTn id="12" dur="500"/>
                                         <p:tgtEl>
-                                          <p:spTgt spid="6"/>
+                                          <p:spTgt spid="19"/>
                                         </p:tgtEl>
                                       </p:cBhvr>
                                     </p:animEffect>
@@ -14003,7 +15751,7 @@
                             </p:stCondLst>
                             <p:childTnLst>
                               <p:par>
-                                <p:cTn id="15" presetID="10" presetClass="entr" presetSubtype="0" fill="hold" grpId="0" nodeType="clickEffect">
+                                <p:cTn id="15" presetID="10" presetClass="entr" presetSubtype="0" fill="hold" nodeType="clickEffect">
                                   <p:stCondLst>
                                     <p:cond delay="0"/>
                                   </p:stCondLst>
@@ -14016,7 +15764,7 @@
                                           </p:stCondLst>
                                         </p:cTn>
                                         <p:tgtEl>
-                                          <p:spTgt spid="7"/>
+                                          <p:spTgt spid="25"/>
                                         </p:tgtEl>
                                         <p:attrNameLst>
                                           <p:attrName>style.visibility</p:attrName>
@@ -14030,7 +15778,7 @@
                                       <p:cBhvr>
                                         <p:cTn id="17" dur="500"/>
                                         <p:tgtEl>
-                                          <p:spTgt spid="7"/>
+                                          <p:spTgt spid="25"/>
                                         </p:tgtEl>
                                       </p:cBhvr>
                                     </p:animEffect>
@@ -14056,7 +15804,7 @@
                             </p:stCondLst>
                             <p:childTnLst>
                               <p:par>
-                                <p:cTn id="20" presetID="10" presetClass="entr" presetSubtype="0" fill="hold" grpId="0" nodeType="clickEffect">
+                                <p:cTn id="20" presetID="10" presetClass="entr" presetSubtype="0" fill="hold" nodeType="clickEffect">
                                   <p:stCondLst>
                                     <p:cond delay="0"/>
                                   </p:stCondLst>
@@ -14069,7 +15817,7 @@
                                           </p:stCondLst>
                                         </p:cTn>
                                         <p:tgtEl>
-                                          <p:spTgt spid="8"/>
+                                          <p:spTgt spid="31"/>
                                         </p:tgtEl>
                                         <p:attrNameLst>
                                           <p:attrName>style.visibility</p:attrName>
@@ -14083,7 +15831,60 @@
                                       <p:cBhvr>
                                         <p:cTn id="22" dur="500"/>
                                         <p:tgtEl>
-                                          <p:spTgt spid="8"/>
+                                          <p:spTgt spid="31"/>
+                                        </p:tgtEl>
+                                      </p:cBhvr>
+                                    </p:animEffect>
+                                  </p:childTnLst>
+                                </p:cTn>
+                              </p:par>
+                            </p:childTnLst>
+                          </p:cTn>
+                        </p:par>
+                      </p:childTnLst>
+                    </p:cTn>
+                  </p:par>
+                  <p:par>
+                    <p:cTn id="23" fill="hold">
+                      <p:stCondLst>
+                        <p:cond delay="indefinite"/>
+                      </p:stCondLst>
+                      <p:childTnLst>
+                        <p:par>
+                          <p:cTn id="24" fill="hold">
+                            <p:stCondLst>
+                              <p:cond delay="0"/>
+                            </p:stCondLst>
+                            <p:childTnLst>
+                              <p:par>
+                                <p:cTn id="25" presetID="10" presetClass="entr" presetSubtype="0" fill="hold" nodeType="clickEffect">
+                                  <p:stCondLst>
+                                    <p:cond delay="0"/>
+                                  </p:stCondLst>
+                                  <p:childTnLst>
+                                    <p:set>
+                                      <p:cBhvr>
+                                        <p:cTn id="26" dur="1" fill="hold">
+                                          <p:stCondLst>
+                                            <p:cond delay="0"/>
+                                          </p:stCondLst>
+                                        </p:cTn>
+                                        <p:tgtEl>
+                                          <p:spTgt spid="37"/>
+                                        </p:tgtEl>
+                                        <p:attrNameLst>
+                                          <p:attrName>style.visibility</p:attrName>
+                                        </p:attrNameLst>
+                                      </p:cBhvr>
+                                      <p:to>
+                                        <p:strVal val="visible"/>
+                                      </p:to>
+                                    </p:set>
+                                    <p:animEffect transition="in" filter="fade">
+                                      <p:cBhvr>
+                                        <p:cTn id="27" dur="500"/>
+                                        <p:tgtEl>
+                                          <p:spTgt spid="37"/>
                                         </p:tgtEl>
                                       </p:cBhvr>
                                     </p:animEffect>
@@ -14117,12 +15918,6 @@
         </p:cTn>
       </p:par>
     </p:tnLst>
-    <p:bldLst>
-      <p:bldP spid="5" grpId="0" animBg="1"/>
-      <p:bldP spid="6" grpId="0" animBg="1"/>
-      <p:bldP spid="7" grpId="0" animBg="1"/>
-      <p:bldP spid="8" grpId="0" animBg="1"/>
-    </p:bldLst>
   </p:timing>
 </p:sld>
 </file>
@@ -20622,7 +22417,7 @@
                 </a:effectLst>
                 <a:latin typeface="Century Gothic" panose="020B0502020202020204" pitchFamily="34" charset="0"/>
               </a:rPr>
-              <a:t>6.Conclusion &amp; perspectives</a:t>
+              <a:t>5.Conclusion &amp; perspectives</a:t>
             </a:r>
             <a:endParaRPr lang="en-US" sz="5800" b="1" dirty="0">
               <a:solidFill>
@@ -24272,3955 +26067,6 @@
         </p:cTn>
       </p:par>
     </p:tnLst>
-  </p:timing>
-</p:sld>
-</file>
-
-<file path=ppt/slides/slide31.xml><?xml version="1.0" encoding="utf-8"?>
-<p:sld xmlns:a="http://schemas.openxmlformats.org/drawingml/2006/main" xmlns:r="http://schemas.openxmlformats.org/officeDocument/2006/relationships" xmlns:p="http://schemas.openxmlformats.org/presentationml/2006/main">
-  <p:cSld>
-    <p:spTree>
-      <p:nvGrpSpPr>
-        <p:cNvPr id="1" name=""/>
-        <p:cNvGrpSpPr/>
-        <p:nvPr/>
-      </p:nvGrpSpPr>
-      <p:grpSpPr>
-        <a:xfrm>
-          <a:off x="0" y="0"/>
-          <a:ext cx="0" cy="0"/>
-          <a:chOff x="0" y="0"/>
-          <a:chExt cx="0" cy="0"/>
-        </a:xfrm>
-      </p:grpSpPr>
-      <p:sp>
-        <p:nvSpPr>
-          <p:cNvPr id="2" name="Titre 1">
-            <a:extLst>
-              <a:ext uri="{FF2B5EF4-FFF2-40B4-BE49-F238E27FC236}">
-                <a16:creationId xmlns:a16="http://schemas.microsoft.com/office/drawing/2014/main" id="{DC891C65-8EB5-FF40-0D6D-88E218184CBE}"/>
-              </a:ext>
-            </a:extLst>
-          </p:cNvPr>
-          <p:cNvSpPr>
-            <a:spLocks noGrp="1"/>
-          </p:cNvSpPr>
-          <p:nvPr>
-            <p:ph type="title"/>
-          </p:nvPr>
-        </p:nvSpPr>
-        <p:spPr>
-          <a:xfrm>
-            <a:off x="5370871" y="937355"/>
-            <a:ext cx="2398125" cy="1325563"/>
-          </a:xfrm>
-        </p:spPr>
-        <p:txBody>
-          <a:bodyPr/>
-          <a:lstStyle/>
-          <a:p>
-            <a:r>
-              <a:rPr lang="fr-FR" b="1" dirty="0">
-                <a:solidFill>
-                  <a:schemeClr val="tx1">
-                    <a:lumMod val="65000"/>
-                    <a:lumOff val="35000"/>
-                  </a:schemeClr>
-                </a:solidFill>
-                <a:effectLst>
-                  <a:outerShdw blurRad="38100" dist="38100" dir="2700000" algn="tl">
-                    <a:srgbClr val="000000">
-                      <a:alpha val="43137"/>
-                    </a:srgbClr>
-                  </a:outerShdw>
-                </a:effectLst>
-                <a:latin typeface="Century Gothic" panose="020B0502020202020204" pitchFamily="34" charset="0"/>
-              </a:rPr>
-              <a:t>Plan</a:t>
-            </a:r>
-            <a:r>
-              <a:rPr lang="fr-FR" b="1" dirty="0">
-                <a:solidFill>
-                  <a:schemeClr val="tx1">
-                    <a:lumMod val="65000"/>
-                    <a:lumOff val="35000"/>
-                  </a:schemeClr>
-                </a:solidFill>
-                <a:latin typeface="Century Gothic" panose="020B0502020202020204" pitchFamily="34" charset="0"/>
-              </a:rPr>
-              <a:t> </a:t>
-            </a:r>
-            <a:r>
-              <a:rPr lang="fr-FR" dirty="0">
-                <a:solidFill>
-                  <a:schemeClr val="tx1">
-                    <a:lumMod val="65000"/>
-                    <a:lumOff val="35000"/>
-                  </a:schemeClr>
-                </a:solidFill>
-              </a:rPr>
-              <a:t>	</a:t>
-            </a:r>
-            <a:endParaRPr lang="en-US" dirty="0">
-              <a:solidFill>
-                <a:schemeClr val="tx1">
-                  <a:lumMod val="65000"/>
-                  <a:lumOff val="35000"/>
-                </a:schemeClr>
-              </a:solidFill>
-            </a:endParaRPr>
-          </a:p>
-        </p:txBody>
-      </p:sp>
-      <p:sp>
-        <p:nvSpPr>
-          <p:cNvPr id="18" name="Rectangle : coins arrondis 17">
-            <a:extLst>
-              <a:ext uri="{FF2B5EF4-FFF2-40B4-BE49-F238E27FC236}">
-                <a16:creationId xmlns:a16="http://schemas.microsoft.com/office/drawing/2014/main" id="{40E96370-B422-840E-BC32-E4F59FA2AAC0}"/>
-              </a:ext>
-            </a:extLst>
-          </p:cNvPr>
-          <p:cNvSpPr/>
-          <p:nvPr/>
-        </p:nvSpPr>
-        <p:spPr>
-          <a:xfrm>
-            <a:off x="8170606" y="3871452"/>
-            <a:ext cx="3706761" cy="629265"/>
-          </a:xfrm>
-          <a:prstGeom prst="roundRect">
-            <a:avLst/>
-          </a:prstGeom>
-          <a:solidFill>
-            <a:schemeClr val="bg1"/>
-          </a:solidFill>
-          <a:ln>
-            <a:solidFill>
-              <a:schemeClr val="bg1"/>
-            </a:solidFill>
-          </a:ln>
-          <a:effectLst>
-            <a:outerShdw blurRad="406400" dist="38100" dir="5640000" algn="t" rotWithShape="0">
-              <a:schemeClr val="tx1">
-                <a:lumMod val="65000"/>
-                <a:lumOff val="35000"/>
-                <a:alpha val="22000"/>
-              </a:schemeClr>
-            </a:outerShdw>
-          </a:effectLst>
-        </p:spPr>
-        <p:style>
-          <a:lnRef idx="2">
-            <a:schemeClr val="accent1">
-              <a:shade val="15000"/>
-            </a:schemeClr>
-          </a:lnRef>
-          <a:fillRef idx="1">
-            <a:schemeClr val="accent1"/>
-          </a:fillRef>
-          <a:effectRef idx="0">
-            <a:schemeClr val="accent1"/>
-          </a:effectRef>
-          <a:fontRef idx="minor">
-            <a:schemeClr val="lt1"/>
-          </a:fontRef>
-        </p:style>
-        <p:txBody>
-          <a:bodyPr rtlCol="0" anchor="ctr"/>
-          <a:lstStyle/>
-          <a:p>
-            <a:pPr algn="r"/>
-            <a:r>
-              <a:rPr lang="fr-FR" sz="2000" b="1" dirty="0">
-                <a:solidFill>
-                  <a:srgbClr val="275C8D"/>
-                </a:solidFill>
-                <a:latin typeface="Century Gothic" panose="020B0502020202020204" pitchFamily="34" charset="0"/>
-              </a:rPr>
-              <a:t>        </a:t>
-            </a:r>
-            <a:r>
-              <a:rPr lang="fr-FR" b="1" dirty="0">
-                <a:solidFill>
-                  <a:srgbClr val="275C8D"/>
-                </a:solidFill>
-                <a:latin typeface="Century Gothic" panose="020B0502020202020204" pitchFamily="34" charset="0"/>
-              </a:rPr>
-              <a:t>Conclusion &amp; perspective</a:t>
-            </a:r>
-            <a:endParaRPr lang="en-US" b="1" dirty="0">
-              <a:solidFill>
-                <a:srgbClr val="275C8D"/>
-              </a:solidFill>
-              <a:latin typeface="Century Gothic" panose="020B0502020202020204" pitchFamily="34" charset="0"/>
-            </a:endParaRPr>
-          </a:p>
-        </p:txBody>
-      </p:sp>
-      <p:sp>
-        <p:nvSpPr>
-          <p:cNvPr id="19" name="Rectangle : coins arrondis 18">
-            <a:extLst>
-              <a:ext uri="{FF2B5EF4-FFF2-40B4-BE49-F238E27FC236}">
-                <a16:creationId xmlns:a16="http://schemas.microsoft.com/office/drawing/2014/main" id="{68D8B177-6137-B162-33BC-F9ACFDE7018B}"/>
-              </a:ext>
-            </a:extLst>
-          </p:cNvPr>
-          <p:cNvSpPr/>
-          <p:nvPr/>
-        </p:nvSpPr>
-        <p:spPr>
-          <a:xfrm>
-            <a:off x="8239433" y="3905865"/>
-            <a:ext cx="639097" cy="560438"/>
-          </a:xfrm>
-          <a:prstGeom prst="roundRect">
-            <a:avLst/>
-          </a:prstGeom>
-          <a:solidFill>
-            <a:srgbClr val="275C8D"/>
-          </a:solidFill>
-          <a:ln>
-            <a:noFill/>
-          </a:ln>
-        </p:spPr>
-        <p:style>
-          <a:lnRef idx="2">
-            <a:schemeClr val="accent1">
-              <a:shade val="15000"/>
-            </a:schemeClr>
-          </a:lnRef>
-          <a:fillRef idx="1">
-            <a:schemeClr val="accent1"/>
-          </a:fillRef>
-          <a:effectRef idx="0">
-            <a:schemeClr val="accent1"/>
-          </a:effectRef>
-          <a:fontRef idx="minor">
-            <a:schemeClr val="lt1"/>
-          </a:fontRef>
-        </p:style>
-        <p:txBody>
-          <a:bodyPr rtlCol="0" anchor="ctr"/>
-          <a:lstStyle/>
-          <a:p>
-            <a:pPr algn="ctr"/>
-            <a:r>
-              <a:rPr lang="fr-FR" sz="2500" b="1" dirty="0">
-                <a:latin typeface="Century Gothic" panose="020B0502020202020204" pitchFamily="34" charset="0"/>
-              </a:rPr>
-              <a:t>6</a:t>
-            </a:r>
-            <a:endParaRPr lang="en-US" sz="2500" b="1" dirty="0">
-              <a:latin typeface="Century Gothic" panose="020B0502020202020204" pitchFamily="34" charset="0"/>
-            </a:endParaRPr>
-          </a:p>
-        </p:txBody>
-      </p:sp>
-      <p:sp>
-        <p:nvSpPr>
-          <p:cNvPr id="20" name="Rectangle : coins arrondis 19">
-            <a:extLst>
-              <a:ext uri="{FF2B5EF4-FFF2-40B4-BE49-F238E27FC236}">
-                <a16:creationId xmlns:a16="http://schemas.microsoft.com/office/drawing/2014/main" id="{28CAA9E6-F76A-C4A0-1848-46C7E3F96E75}"/>
-              </a:ext>
-            </a:extLst>
-          </p:cNvPr>
-          <p:cNvSpPr/>
-          <p:nvPr/>
-        </p:nvSpPr>
-        <p:spPr>
-          <a:xfrm>
-            <a:off x="4242619" y="3871452"/>
-            <a:ext cx="3706761" cy="629265"/>
-          </a:xfrm>
-          <a:prstGeom prst="roundRect">
-            <a:avLst/>
-          </a:prstGeom>
-          <a:solidFill>
-            <a:schemeClr val="bg1"/>
-          </a:solidFill>
-          <a:ln>
-            <a:solidFill>
-              <a:schemeClr val="bg1"/>
-            </a:solidFill>
-          </a:ln>
-          <a:effectLst>
-            <a:outerShdw blurRad="406400" dist="38100" dir="5640000" algn="t" rotWithShape="0">
-              <a:schemeClr val="tx1">
-                <a:lumMod val="65000"/>
-                <a:lumOff val="35000"/>
-                <a:alpha val="22000"/>
-              </a:schemeClr>
-            </a:outerShdw>
-          </a:effectLst>
-        </p:spPr>
-        <p:style>
-          <a:lnRef idx="2">
-            <a:schemeClr val="accent1">
-              <a:shade val="15000"/>
-            </a:schemeClr>
-          </a:lnRef>
-          <a:fillRef idx="1">
-            <a:schemeClr val="accent1"/>
-          </a:fillRef>
-          <a:effectRef idx="0">
-            <a:schemeClr val="accent1"/>
-          </a:effectRef>
-          <a:fontRef idx="minor">
-            <a:schemeClr val="lt1"/>
-          </a:fontRef>
-        </p:style>
-        <p:txBody>
-          <a:bodyPr rtlCol="0" anchor="ctr"/>
-          <a:lstStyle/>
-          <a:p>
-            <a:pPr algn="ctr"/>
-            <a:r>
-              <a:rPr lang="fr-FR" sz="2000" b="1" dirty="0">
-                <a:solidFill>
-                  <a:srgbClr val="275C8D"/>
-                </a:solidFill>
-                <a:latin typeface="Century Gothic" panose="020B0502020202020204" pitchFamily="34" charset="0"/>
-              </a:rPr>
-              <a:t>      Réalisation</a:t>
-            </a:r>
-            <a:endParaRPr lang="en-US" sz="2000" b="1" dirty="0">
-              <a:solidFill>
-                <a:srgbClr val="275C8D"/>
-              </a:solidFill>
-              <a:latin typeface="Century Gothic" panose="020B0502020202020204" pitchFamily="34" charset="0"/>
-            </a:endParaRPr>
-          </a:p>
-        </p:txBody>
-      </p:sp>
-      <p:sp>
-        <p:nvSpPr>
-          <p:cNvPr id="21" name="Rectangle : coins arrondis 20">
-            <a:extLst>
-              <a:ext uri="{FF2B5EF4-FFF2-40B4-BE49-F238E27FC236}">
-                <a16:creationId xmlns:a16="http://schemas.microsoft.com/office/drawing/2014/main" id="{4E7D3A01-A6B4-CE4A-1F6B-513508D1AF68}"/>
-              </a:ext>
-            </a:extLst>
-          </p:cNvPr>
-          <p:cNvSpPr/>
-          <p:nvPr/>
-        </p:nvSpPr>
-        <p:spPr>
-          <a:xfrm>
-            <a:off x="4311446" y="3905865"/>
-            <a:ext cx="639097" cy="560438"/>
-          </a:xfrm>
-          <a:prstGeom prst="roundRect">
-            <a:avLst/>
-          </a:prstGeom>
-          <a:solidFill>
-            <a:srgbClr val="275C8D"/>
-          </a:solidFill>
-          <a:ln>
-            <a:noFill/>
-          </a:ln>
-        </p:spPr>
-        <p:style>
-          <a:lnRef idx="2">
-            <a:schemeClr val="accent1">
-              <a:shade val="15000"/>
-            </a:schemeClr>
-          </a:lnRef>
-          <a:fillRef idx="1">
-            <a:schemeClr val="accent1"/>
-          </a:fillRef>
-          <a:effectRef idx="0">
-            <a:schemeClr val="accent1"/>
-          </a:effectRef>
-          <a:fontRef idx="minor">
-            <a:schemeClr val="lt1"/>
-          </a:fontRef>
-        </p:style>
-        <p:txBody>
-          <a:bodyPr rtlCol="0" anchor="ctr"/>
-          <a:lstStyle/>
-          <a:p>
-            <a:pPr algn="ctr"/>
-            <a:r>
-              <a:rPr lang="fr-FR" sz="2500" b="1" dirty="0">
-                <a:latin typeface="Century Gothic" panose="020B0502020202020204" pitchFamily="34" charset="0"/>
-              </a:rPr>
-              <a:t>5</a:t>
-            </a:r>
-            <a:endParaRPr lang="en-US" sz="2500" b="1" dirty="0">
-              <a:latin typeface="Century Gothic" panose="020B0502020202020204" pitchFamily="34" charset="0"/>
-            </a:endParaRPr>
-          </a:p>
-        </p:txBody>
-      </p:sp>
-      <p:sp>
-        <p:nvSpPr>
-          <p:cNvPr id="22" name="Rectangle : coins arrondis 21">
-            <a:extLst>
-              <a:ext uri="{FF2B5EF4-FFF2-40B4-BE49-F238E27FC236}">
-                <a16:creationId xmlns:a16="http://schemas.microsoft.com/office/drawing/2014/main" id="{7FD646DF-02C0-E723-BB05-AFD2EA124A89}"/>
-              </a:ext>
-            </a:extLst>
-          </p:cNvPr>
-          <p:cNvSpPr/>
-          <p:nvPr/>
-        </p:nvSpPr>
-        <p:spPr>
-          <a:xfrm>
-            <a:off x="314632" y="3871452"/>
-            <a:ext cx="3706761" cy="629265"/>
-          </a:xfrm>
-          <a:prstGeom prst="roundRect">
-            <a:avLst/>
-          </a:prstGeom>
-          <a:solidFill>
-            <a:schemeClr val="bg1"/>
-          </a:solidFill>
-          <a:ln>
-            <a:solidFill>
-              <a:schemeClr val="bg1"/>
-            </a:solidFill>
-          </a:ln>
-          <a:effectLst>
-            <a:outerShdw blurRad="406400" dist="38100" dir="5640000" algn="t" rotWithShape="0">
-              <a:schemeClr val="tx1">
-                <a:lumMod val="65000"/>
-                <a:lumOff val="35000"/>
-                <a:alpha val="22000"/>
-              </a:schemeClr>
-            </a:outerShdw>
-          </a:effectLst>
-        </p:spPr>
-        <p:style>
-          <a:lnRef idx="2">
-            <a:schemeClr val="accent1">
-              <a:shade val="15000"/>
-            </a:schemeClr>
-          </a:lnRef>
-          <a:fillRef idx="1">
-            <a:schemeClr val="accent1"/>
-          </a:fillRef>
-          <a:effectRef idx="0">
-            <a:schemeClr val="accent1"/>
-          </a:effectRef>
-          <a:fontRef idx="minor">
-            <a:schemeClr val="lt1"/>
-          </a:fontRef>
-        </p:style>
-        <p:txBody>
-          <a:bodyPr rtlCol="0" anchor="ctr"/>
-          <a:lstStyle/>
-          <a:p>
-            <a:pPr algn="ctr"/>
-            <a:r>
-              <a:rPr lang="fr-FR" sz="2000" b="1" dirty="0">
-                <a:solidFill>
-                  <a:srgbClr val="275C8D"/>
-                </a:solidFill>
-                <a:latin typeface="Century Gothic" panose="020B0502020202020204" pitchFamily="34" charset="0"/>
-              </a:rPr>
-              <a:t>           Outils &amp; Technologies</a:t>
-            </a:r>
-            <a:endParaRPr lang="en-US" sz="2000" b="1" dirty="0">
-              <a:solidFill>
-                <a:srgbClr val="275C8D"/>
-              </a:solidFill>
-              <a:latin typeface="Century Gothic" panose="020B0502020202020204" pitchFamily="34" charset="0"/>
-            </a:endParaRPr>
-          </a:p>
-        </p:txBody>
-      </p:sp>
-      <p:sp>
-        <p:nvSpPr>
-          <p:cNvPr id="23" name="Rectangle : coins arrondis 22">
-            <a:extLst>
-              <a:ext uri="{FF2B5EF4-FFF2-40B4-BE49-F238E27FC236}">
-                <a16:creationId xmlns:a16="http://schemas.microsoft.com/office/drawing/2014/main" id="{9F816A96-317C-1A06-4269-F48D80BC685F}"/>
-              </a:ext>
-            </a:extLst>
-          </p:cNvPr>
-          <p:cNvSpPr/>
-          <p:nvPr/>
-        </p:nvSpPr>
-        <p:spPr>
-          <a:xfrm>
-            <a:off x="383459" y="3905865"/>
-            <a:ext cx="639097" cy="560438"/>
-          </a:xfrm>
-          <a:prstGeom prst="roundRect">
-            <a:avLst/>
-          </a:prstGeom>
-          <a:solidFill>
-            <a:srgbClr val="275C8D"/>
-          </a:solidFill>
-          <a:ln>
-            <a:noFill/>
-          </a:ln>
-        </p:spPr>
-        <p:style>
-          <a:lnRef idx="2">
-            <a:schemeClr val="accent1">
-              <a:shade val="15000"/>
-            </a:schemeClr>
-          </a:lnRef>
-          <a:fillRef idx="1">
-            <a:schemeClr val="accent1"/>
-          </a:fillRef>
-          <a:effectRef idx="0">
-            <a:schemeClr val="accent1"/>
-          </a:effectRef>
-          <a:fontRef idx="minor">
-            <a:schemeClr val="lt1"/>
-          </a:fontRef>
-        </p:style>
-        <p:txBody>
-          <a:bodyPr rtlCol="0" anchor="ctr"/>
-          <a:lstStyle/>
-          <a:p>
-            <a:pPr algn="ctr"/>
-            <a:r>
-              <a:rPr lang="fr-FR" sz="2500" b="1" dirty="0">
-                <a:latin typeface="Century Gothic" panose="020B0502020202020204" pitchFamily="34" charset="0"/>
-              </a:rPr>
-              <a:t>4</a:t>
-            </a:r>
-            <a:endParaRPr lang="en-US" sz="2500" b="1" dirty="0">
-              <a:latin typeface="Century Gothic" panose="020B0502020202020204" pitchFamily="34" charset="0"/>
-            </a:endParaRPr>
-          </a:p>
-        </p:txBody>
-      </p:sp>
-      <p:sp>
-        <p:nvSpPr>
-          <p:cNvPr id="24" name="Rectangle : coins arrondis 23">
-            <a:extLst>
-              <a:ext uri="{FF2B5EF4-FFF2-40B4-BE49-F238E27FC236}">
-                <a16:creationId xmlns:a16="http://schemas.microsoft.com/office/drawing/2014/main" id="{95FD6066-F76F-DB8D-79C8-58F2EB0F0263}"/>
-              </a:ext>
-            </a:extLst>
-          </p:cNvPr>
-          <p:cNvSpPr/>
-          <p:nvPr/>
-        </p:nvSpPr>
-        <p:spPr>
-          <a:xfrm>
-            <a:off x="8170606" y="2589341"/>
-            <a:ext cx="3706761" cy="629265"/>
-          </a:xfrm>
-          <a:prstGeom prst="roundRect">
-            <a:avLst/>
-          </a:prstGeom>
-          <a:solidFill>
-            <a:schemeClr val="bg1"/>
-          </a:solidFill>
-          <a:ln>
-            <a:solidFill>
-              <a:schemeClr val="bg1"/>
-            </a:solidFill>
-          </a:ln>
-          <a:effectLst>
-            <a:outerShdw blurRad="406400" dist="38100" dir="5640000" algn="t" rotWithShape="0">
-              <a:schemeClr val="tx1">
-                <a:lumMod val="65000"/>
-                <a:lumOff val="35000"/>
-                <a:alpha val="22000"/>
-              </a:schemeClr>
-            </a:outerShdw>
-          </a:effectLst>
-        </p:spPr>
-        <p:style>
-          <a:lnRef idx="2">
-            <a:schemeClr val="accent1">
-              <a:shade val="15000"/>
-            </a:schemeClr>
-          </a:lnRef>
-          <a:fillRef idx="1">
-            <a:schemeClr val="accent1"/>
-          </a:fillRef>
-          <a:effectRef idx="0">
-            <a:schemeClr val="accent1"/>
-          </a:effectRef>
-          <a:fontRef idx="minor">
-            <a:schemeClr val="lt1"/>
-          </a:fontRef>
-        </p:style>
-        <p:txBody>
-          <a:bodyPr rtlCol="0" anchor="ctr"/>
-          <a:lstStyle/>
-          <a:p>
-            <a:pPr algn="ctr"/>
-            <a:r>
-              <a:rPr lang="fr-FR" sz="2000" b="1" dirty="0">
-                <a:solidFill>
-                  <a:srgbClr val="275C8D"/>
-                </a:solidFill>
-              </a:rPr>
-              <a:t>         </a:t>
-            </a:r>
-            <a:r>
-              <a:rPr lang="fr-FR" sz="2000" b="1" dirty="0">
-                <a:solidFill>
-                  <a:srgbClr val="275C8D"/>
-                </a:solidFill>
-                <a:latin typeface="Century Gothic" panose="020B0502020202020204" pitchFamily="34" charset="0"/>
-              </a:rPr>
-              <a:t>Conception</a:t>
-            </a:r>
-            <a:endParaRPr lang="en-US" sz="2000" b="1" dirty="0">
-              <a:solidFill>
-                <a:srgbClr val="275C8D"/>
-              </a:solidFill>
-              <a:latin typeface="Century Gothic" panose="020B0502020202020204" pitchFamily="34" charset="0"/>
-            </a:endParaRPr>
-          </a:p>
-        </p:txBody>
-      </p:sp>
-      <p:sp>
-        <p:nvSpPr>
-          <p:cNvPr id="25" name="Rectangle : coins arrondis 24">
-            <a:extLst>
-              <a:ext uri="{FF2B5EF4-FFF2-40B4-BE49-F238E27FC236}">
-                <a16:creationId xmlns:a16="http://schemas.microsoft.com/office/drawing/2014/main" id="{861D3956-DDE9-6C31-FE85-5D2606A26632}"/>
-              </a:ext>
-            </a:extLst>
-          </p:cNvPr>
-          <p:cNvSpPr/>
-          <p:nvPr/>
-        </p:nvSpPr>
-        <p:spPr>
-          <a:xfrm>
-            <a:off x="8239433" y="2623754"/>
-            <a:ext cx="639097" cy="560438"/>
-          </a:xfrm>
-          <a:prstGeom prst="roundRect">
-            <a:avLst/>
-          </a:prstGeom>
-          <a:solidFill>
-            <a:srgbClr val="275C8D"/>
-          </a:solidFill>
-          <a:ln>
-            <a:noFill/>
-          </a:ln>
-        </p:spPr>
-        <p:style>
-          <a:lnRef idx="2">
-            <a:schemeClr val="accent1">
-              <a:shade val="15000"/>
-            </a:schemeClr>
-          </a:lnRef>
-          <a:fillRef idx="1">
-            <a:schemeClr val="accent1"/>
-          </a:fillRef>
-          <a:effectRef idx="0">
-            <a:schemeClr val="accent1"/>
-          </a:effectRef>
-          <a:fontRef idx="minor">
-            <a:schemeClr val="lt1"/>
-          </a:fontRef>
-        </p:style>
-        <p:txBody>
-          <a:bodyPr rtlCol="0" anchor="ctr"/>
-          <a:lstStyle/>
-          <a:p>
-            <a:pPr algn="ctr"/>
-            <a:r>
-              <a:rPr lang="fr-FR" sz="2500" b="1" dirty="0">
-                <a:latin typeface="Century Gothic" panose="020B0502020202020204" pitchFamily="34" charset="0"/>
-              </a:rPr>
-              <a:t>3</a:t>
-            </a:r>
-            <a:endParaRPr lang="en-US" sz="2500" b="1" dirty="0">
-              <a:latin typeface="Century Gothic" panose="020B0502020202020204" pitchFamily="34" charset="0"/>
-            </a:endParaRPr>
-          </a:p>
-        </p:txBody>
-      </p:sp>
-      <p:sp>
-        <p:nvSpPr>
-          <p:cNvPr id="26" name="Rectangle : coins arrondis 25">
-            <a:extLst>
-              <a:ext uri="{FF2B5EF4-FFF2-40B4-BE49-F238E27FC236}">
-                <a16:creationId xmlns:a16="http://schemas.microsoft.com/office/drawing/2014/main" id="{57628101-F3E7-4C78-B48F-73EBABD1CD08}"/>
-              </a:ext>
-            </a:extLst>
-          </p:cNvPr>
-          <p:cNvSpPr/>
-          <p:nvPr/>
-        </p:nvSpPr>
-        <p:spPr>
-          <a:xfrm>
-            <a:off x="4242619" y="2589341"/>
-            <a:ext cx="3706761" cy="629265"/>
-          </a:xfrm>
-          <a:prstGeom prst="roundRect">
-            <a:avLst/>
-          </a:prstGeom>
-          <a:solidFill>
-            <a:schemeClr val="bg1"/>
-          </a:solidFill>
-          <a:ln>
-            <a:solidFill>
-              <a:schemeClr val="bg1"/>
-            </a:solidFill>
-          </a:ln>
-          <a:effectLst>
-            <a:outerShdw blurRad="406400" dist="38100" dir="5640000" algn="t" rotWithShape="0">
-              <a:schemeClr val="tx1">
-                <a:lumMod val="65000"/>
-                <a:lumOff val="35000"/>
-                <a:alpha val="22000"/>
-              </a:schemeClr>
-            </a:outerShdw>
-          </a:effectLst>
-        </p:spPr>
-        <p:style>
-          <a:lnRef idx="2">
-            <a:schemeClr val="accent1">
-              <a:shade val="15000"/>
-            </a:schemeClr>
-          </a:lnRef>
-          <a:fillRef idx="1">
-            <a:schemeClr val="accent1"/>
-          </a:fillRef>
-          <a:effectRef idx="0">
-            <a:schemeClr val="accent1"/>
-          </a:effectRef>
-          <a:fontRef idx="minor">
-            <a:schemeClr val="lt1"/>
-          </a:fontRef>
-        </p:style>
-        <p:txBody>
-          <a:bodyPr rtlCol="0" anchor="ctr"/>
-          <a:lstStyle/>
-          <a:p>
-            <a:pPr algn="ctr"/>
-            <a:r>
-              <a:rPr lang="fr-FR" sz="2000" b="1" dirty="0">
-                <a:solidFill>
-                  <a:srgbClr val="275C8D"/>
-                </a:solidFill>
-                <a:latin typeface="Century Gothic" panose="020B0502020202020204" pitchFamily="34" charset="0"/>
-              </a:rPr>
-              <a:t>           Etude &amp; Analyse</a:t>
-            </a:r>
-            <a:endParaRPr lang="en-US" sz="2000" b="1" dirty="0">
-              <a:solidFill>
-                <a:srgbClr val="275C8D"/>
-              </a:solidFill>
-              <a:latin typeface="Century Gothic" panose="020B0502020202020204" pitchFamily="34" charset="0"/>
-            </a:endParaRPr>
-          </a:p>
-        </p:txBody>
-      </p:sp>
-      <p:sp>
-        <p:nvSpPr>
-          <p:cNvPr id="27" name="Rectangle : coins arrondis 26">
-            <a:extLst>
-              <a:ext uri="{FF2B5EF4-FFF2-40B4-BE49-F238E27FC236}">
-                <a16:creationId xmlns:a16="http://schemas.microsoft.com/office/drawing/2014/main" id="{5D576B61-C44B-8333-BB63-83FC21CE5B89}"/>
-              </a:ext>
-            </a:extLst>
-          </p:cNvPr>
-          <p:cNvSpPr/>
-          <p:nvPr/>
-        </p:nvSpPr>
-        <p:spPr>
-          <a:xfrm>
-            <a:off x="4311446" y="2623754"/>
-            <a:ext cx="639097" cy="560438"/>
-          </a:xfrm>
-          <a:prstGeom prst="roundRect">
-            <a:avLst/>
-          </a:prstGeom>
-          <a:solidFill>
-            <a:srgbClr val="275C8D"/>
-          </a:solidFill>
-          <a:ln>
-            <a:noFill/>
-          </a:ln>
-        </p:spPr>
-        <p:style>
-          <a:lnRef idx="2">
-            <a:schemeClr val="accent1">
-              <a:shade val="15000"/>
-            </a:schemeClr>
-          </a:lnRef>
-          <a:fillRef idx="1">
-            <a:schemeClr val="accent1"/>
-          </a:fillRef>
-          <a:effectRef idx="0">
-            <a:schemeClr val="accent1"/>
-          </a:effectRef>
-          <a:fontRef idx="minor">
-            <a:schemeClr val="lt1"/>
-          </a:fontRef>
-        </p:style>
-        <p:txBody>
-          <a:bodyPr rtlCol="0" anchor="ctr"/>
-          <a:lstStyle/>
-          <a:p>
-            <a:pPr algn="ctr"/>
-            <a:r>
-              <a:rPr lang="fr-FR" sz="2500" b="1" dirty="0">
-                <a:latin typeface="Century Gothic" panose="020B0502020202020204" pitchFamily="34" charset="0"/>
-              </a:rPr>
-              <a:t>2</a:t>
-            </a:r>
-            <a:endParaRPr lang="en-US" sz="2500" b="1" dirty="0">
-              <a:latin typeface="Century Gothic" panose="020B0502020202020204" pitchFamily="34" charset="0"/>
-            </a:endParaRPr>
-          </a:p>
-        </p:txBody>
-      </p:sp>
-      <p:sp>
-        <p:nvSpPr>
-          <p:cNvPr id="28" name="Rectangle : coins arrondis 27">
-            <a:extLst>
-              <a:ext uri="{FF2B5EF4-FFF2-40B4-BE49-F238E27FC236}">
-                <a16:creationId xmlns:a16="http://schemas.microsoft.com/office/drawing/2014/main" id="{D512789B-39C2-88DD-D8FB-268ED01CF5CB}"/>
-              </a:ext>
-            </a:extLst>
-          </p:cNvPr>
-          <p:cNvSpPr/>
-          <p:nvPr/>
-        </p:nvSpPr>
-        <p:spPr>
-          <a:xfrm>
-            <a:off x="314632" y="2589341"/>
-            <a:ext cx="3706761" cy="629265"/>
-          </a:xfrm>
-          <a:prstGeom prst="roundRect">
-            <a:avLst/>
-          </a:prstGeom>
-          <a:solidFill>
-            <a:schemeClr val="bg1"/>
-          </a:solidFill>
-          <a:ln>
-            <a:solidFill>
-              <a:schemeClr val="bg1"/>
-            </a:solidFill>
-          </a:ln>
-          <a:effectLst>
-            <a:outerShdw blurRad="406400" dist="38100" dir="5640000" algn="t" rotWithShape="0">
-              <a:schemeClr val="tx1">
-                <a:lumMod val="65000"/>
-                <a:lumOff val="35000"/>
-                <a:alpha val="22000"/>
-              </a:schemeClr>
-            </a:outerShdw>
-          </a:effectLst>
-        </p:spPr>
-        <p:style>
-          <a:lnRef idx="2">
-            <a:schemeClr val="accent1">
-              <a:shade val="15000"/>
-            </a:schemeClr>
-          </a:lnRef>
-          <a:fillRef idx="1">
-            <a:schemeClr val="accent1"/>
-          </a:fillRef>
-          <a:effectRef idx="0">
-            <a:schemeClr val="accent1"/>
-          </a:effectRef>
-          <a:fontRef idx="minor">
-            <a:schemeClr val="lt1"/>
-          </a:fontRef>
-        </p:style>
-        <p:txBody>
-          <a:bodyPr rtlCol="0" anchor="ctr"/>
-          <a:lstStyle/>
-          <a:p>
-            <a:pPr algn="ctr"/>
-            <a:r>
-              <a:rPr lang="fr-FR" sz="2000" b="1" dirty="0">
-                <a:solidFill>
-                  <a:srgbClr val="275C8D"/>
-                </a:solidFill>
-              </a:rPr>
-              <a:t>         </a:t>
-            </a:r>
-            <a:r>
-              <a:rPr lang="fr-FR" sz="2000" b="1" dirty="0">
-                <a:solidFill>
-                  <a:srgbClr val="275C8D"/>
-                </a:solidFill>
-                <a:latin typeface="Century Gothic" panose="020B0502020202020204" pitchFamily="34" charset="0"/>
-              </a:rPr>
-              <a:t>Cadre du Projet</a:t>
-            </a:r>
-            <a:endParaRPr lang="en-US" sz="2000" b="1" dirty="0">
-              <a:solidFill>
-                <a:srgbClr val="275C8D"/>
-              </a:solidFill>
-              <a:latin typeface="Century Gothic" panose="020B0502020202020204" pitchFamily="34" charset="0"/>
-            </a:endParaRPr>
-          </a:p>
-        </p:txBody>
-      </p:sp>
-      <p:sp>
-        <p:nvSpPr>
-          <p:cNvPr id="29" name="Rectangle : coins arrondis 28">
-            <a:extLst>
-              <a:ext uri="{FF2B5EF4-FFF2-40B4-BE49-F238E27FC236}">
-                <a16:creationId xmlns:a16="http://schemas.microsoft.com/office/drawing/2014/main" id="{E83B9560-CA8D-94E1-1BBB-0B4B15CA76EF}"/>
-              </a:ext>
-            </a:extLst>
-          </p:cNvPr>
-          <p:cNvSpPr/>
-          <p:nvPr/>
-        </p:nvSpPr>
-        <p:spPr>
-          <a:xfrm>
-            <a:off x="383459" y="2623754"/>
-            <a:ext cx="639097" cy="560438"/>
-          </a:xfrm>
-          <a:prstGeom prst="roundRect">
-            <a:avLst/>
-          </a:prstGeom>
-          <a:solidFill>
-            <a:srgbClr val="275C8D"/>
-          </a:solidFill>
-          <a:ln>
-            <a:noFill/>
-          </a:ln>
-        </p:spPr>
-        <p:style>
-          <a:lnRef idx="2">
-            <a:schemeClr val="accent1">
-              <a:shade val="15000"/>
-            </a:schemeClr>
-          </a:lnRef>
-          <a:fillRef idx="1">
-            <a:schemeClr val="accent1"/>
-          </a:fillRef>
-          <a:effectRef idx="0">
-            <a:schemeClr val="accent1"/>
-          </a:effectRef>
-          <a:fontRef idx="minor">
-            <a:schemeClr val="lt1"/>
-          </a:fontRef>
-        </p:style>
-        <p:txBody>
-          <a:bodyPr rtlCol="0" anchor="ctr"/>
-          <a:lstStyle/>
-          <a:p>
-            <a:pPr algn="ctr"/>
-            <a:r>
-              <a:rPr lang="fr-FR" sz="2500" b="1" dirty="0">
-                <a:latin typeface="Century Gothic" panose="020B0502020202020204" pitchFamily="34" charset="0"/>
-              </a:rPr>
-              <a:t>1</a:t>
-            </a:r>
-            <a:endParaRPr lang="en-US" sz="2500" b="1" dirty="0">
-              <a:latin typeface="Century Gothic" panose="020B0502020202020204" pitchFamily="34" charset="0"/>
-            </a:endParaRPr>
-          </a:p>
-        </p:txBody>
-      </p:sp>
-      <p:sp>
-        <p:nvSpPr>
-          <p:cNvPr id="5" name="Espace réservé du numéro de diapositive 4"/>
-          <p:cNvSpPr>
-            <a:spLocks noGrp="1"/>
-          </p:cNvSpPr>
-          <p:nvPr>
-            <p:ph type="sldNum" sz="quarter" idx="12"/>
-          </p:nvPr>
-        </p:nvSpPr>
-        <p:spPr/>
-        <p:txBody>
-          <a:bodyPr/>
-          <a:lstStyle/>
-          <a:p>
-            <a:fld id="{6717A047-6DF3-4C8C-9C12-C17027B947F2}" type="slidenum">
-              <a:rPr lang="en-US" smtClean="0"/>
-              <a:t>31</a:t>
-            </a:fld>
-            <a:endParaRPr lang="en-US"/>
-          </a:p>
-        </p:txBody>
-      </p:sp>
-    </p:spTree>
-    <p:extLst>
-      <p:ext uri="{BB962C8B-B14F-4D97-AF65-F5344CB8AC3E}">
-        <p14:creationId xmlns:p14="http://schemas.microsoft.com/office/powerpoint/2010/main" val="2454114220"/>
-      </p:ext>
-    </p:extLst>
-  </p:cSld>
-  <p:clrMapOvr>
-    <a:masterClrMapping/>
-  </p:clrMapOvr>
-  <mc:AlternateContent xmlns:mc="http://schemas.openxmlformats.org/markup-compatibility/2006" xmlns:p14="http://schemas.microsoft.com/office/powerpoint/2010/main">
-    <mc:Choice Requires="p14">
-      <p:transition spd="med" p14:dur="700">
-        <p:fade/>
-      </p:transition>
-    </mc:Choice>
-    <mc:Fallback xmlns="">
-      <p:transition spd="med">
-        <p:fade/>
-      </p:transition>
-    </mc:Fallback>
-  </mc:AlternateContent>
-  <p:timing>
-    <p:tnLst>
-      <p:par>
-        <p:cTn id="1" dur="indefinite" restart="never" nodeType="tmRoot">
-          <p:childTnLst>
-            <p:seq concurrent="1" nextAc="seek">
-              <p:cTn id="2" dur="indefinite" nodeType="mainSeq">
-                <p:childTnLst>
-                  <p:par>
-                    <p:cTn id="3" fill="hold">
-                      <p:stCondLst>
-                        <p:cond delay="indefinite"/>
-                      </p:stCondLst>
-                      <p:childTnLst>
-                        <p:par>
-                          <p:cTn id="4" fill="hold">
-                            <p:stCondLst>
-                              <p:cond delay="0"/>
-                            </p:stCondLst>
-                            <p:childTnLst>
-                              <p:par>
-                                <p:cTn id="5" presetID="42" presetClass="entr" presetSubtype="0" fill="hold" grpId="0" nodeType="clickEffect">
-                                  <p:stCondLst>
-                                    <p:cond delay="0"/>
-                                  </p:stCondLst>
-                                  <p:childTnLst>
-                                    <p:set>
-                                      <p:cBhvr>
-                                        <p:cTn id="6" dur="1" fill="hold">
-                                          <p:stCondLst>
-                                            <p:cond delay="0"/>
-                                          </p:stCondLst>
-                                        </p:cTn>
-                                        <p:tgtEl>
-                                          <p:spTgt spid="29"/>
-                                        </p:tgtEl>
-                                        <p:attrNameLst>
-                                          <p:attrName>style.visibility</p:attrName>
-                                        </p:attrNameLst>
-                                      </p:cBhvr>
-                                      <p:to>
-                                        <p:strVal val="visible"/>
-                                      </p:to>
-                                    </p:set>
-                                    <p:animEffect transition="in" filter="fade">
-                                      <p:cBhvr>
-                                        <p:cTn id="7" dur="1000"/>
-                                        <p:tgtEl>
-                                          <p:spTgt spid="29"/>
-                                        </p:tgtEl>
-                                      </p:cBhvr>
-                                    </p:animEffect>
-                                    <p:anim calcmode="lin" valueType="num">
-                                      <p:cBhvr>
-                                        <p:cTn id="8" dur="1000" fill="hold"/>
-                                        <p:tgtEl>
-                                          <p:spTgt spid="29"/>
-                                        </p:tgtEl>
-                                        <p:attrNameLst>
-                                          <p:attrName>ppt_x</p:attrName>
-                                        </p:attrNameLst>
-                                      </p:cBhvr>
-                                      <p:tavLst>
-                                        <p:tav tm="0">
-                                          <p:val>
-                                            <p:strVal val="#ppt_x"/>
-                                          </p:val>
-                                        </p:tav>
-                                        <p:tav tm="100000">
-                                          <p:val>
-                                            <p:strVal val="#ppt_x"/>
-                                          </p:val>
-                                        </p:tav>
-                                      </p:tavLst>
-                                    </p:anim>
-                                    <p:anim calcmode="lin" valueType="num">
-                                      <p:cBhvr>
-                                        <p:cTn id="9" dur="1000" fill="hold"/>
-                                        <p:tgtEl>
-                                          <p:spTgt spid="29"/>
-                                        </p:tgtEl>
-                                        <p:attrNameLst>
-                                          <p:attrName>ppt_y</p:attrName>
-                                        </p:attrNameLst>
-                                      </p:cBhvr>
-                                      <p:tavLst>
-                                        <p:tav tm="0">
-                                          <p:val>
-                                            <p:strVal val="#ppt_y+.1"/>
-                                          </p:val>
-                                        </p:tav>
-                                        <p:tav tm="100000">
-                                          <p:val>
-                                            <p:strVal val="#ppt_y"/>
-                                          </p:val>
-                                        </p:tav>
-                                      </p:tavLst>
-                                    </p:anim>
-                                  </p:childTnLst>
-                                </p:cTn>
-                              </p:par>
-                              <p:par>
-                                <p:cTn id="10" presetID="42" presetClass="entr" presetSubtype="0" fill="hold" grpId="0" nodeType="withEffect">
-                                  <p:stCondLst>
-                                    <p:cond delay="0"/>
-                                  </p:stCondLst>
-                                  <p:childTnLst>
-                                    <p:set>
-                                      <p:cBhvr>
-                                        <p:cTn id="11" dur="1" fill="hold">
-                                          <p:stCondLst>
-                                            <p:cond delay="0"/>
-                                          </p:stCondLst>
-                                        </p:cTn>
-                                        <p:tgtEl>
-                                          <p:spTgt spid="28"/>
-                                        </p:tgtEl>
-                                        <p:attrNameLst>
-                                          <p:attrName>style.visibility</p:attrName>
-                                        </p:attrNameLst>
-                                      </p:cBhvr>
-                                      <p:to>
-                                        <p:strVal val="visible"/>
-                                      </p:to>
-                                    </p:set>
-                                    <p:animEffect transition="in" filter="fade">
-                                      <p:cBhvr>
-                                        <p:cTn id="12" dur="1000"/>
-                                        <p:tgtEl>
-                                          <p:spTgt spid="28"/>
-                                        </p:tgtEl>
-                                      </p:cBhvr>
-                                    </p:animEffect>
-                                    <p:anim calcmode="lin" valueType="num">
-                                      <p:cBhvr>
-                                        <p:cTn id="13" dur="1000" fill="hold"/>
-                                        <p:tgtEl>
-                                          <p:spTgt spid="28"/>
-                                        </p:tgtEl>
-                                        <p:attrNameLst>
-                                          <p:attrName>ppt_x</p:attrName>
-                                        </p:attrNameLst>
-                                      </p:cBhvr>
-                                      <p:tavLst>
-                                        <p:tav tm="0">
-                                          <p:val>
-                                            <p:strVal val="#ppt_x"/>
-                                          </p:val>
-                                        </p:tav>
-                                        <p:tav tm="100000">
-                                          <p:val>
-                                            <p:strVal val="#ppt_x"/>
-                                          </p:val>
-                                        </p:tav>
-                                      </p:tavLst>
-                                    </p:anim>
-                                    <p:anim calcmode="lin" valueType="num">
-                                      <p:cBhvr>
-                                        <p:cTn id="14" dur="1000" fill="hold"/>
-                                        <p:tgtEl>
-                                          <p:spTgt spid="28"/>
-                                        </p:tgtEl>
-                                        <p:attrNameLst>
-                                          <p:attrName>ppt_y</p:attrName>
-                                        </p:attrNameLst>
-                                      </p:cBhvr>
-                                      <p:tavLst>
-                                        <p:tav tm="0">
-                                          <p:val>
-                                            <p:strVal val="#ppt_y+.1"/>
-                                          </p:val>
-                                        </p:tav>
-                                        <p:tav tm="100000">
-                                          <p:val>
-                                            <p:strVal val="#ppt_y"/>
-                                          </p:val>
-                                        </p:tav>
-                                      </p:tavLst>
-                                    </p:anim>
-                                  </p:childTnLst>
-                                </p:cTn>
-                              </p:par>
-                            </p:childTnLst>
-                          </p:cTn>
-                        </p:par>
-                      </p:childTnLst>
-                    </p:cTn>
-                  </p:par>
-                  <p:par>
-                    <p:cTn id="15" fill="hold">
-                      <p:stCondLst>
-                        <p:cond delay="indefinite"/>
-                      </p:stCondLst>
-                      <p:childTnLst>
-                        <p:par>
-                          <p:cTn id="16" fill="hold">
-                            <p:stCondLst>
-                              <p:cond delay="0"/>
-                            </p:stCondLst>
-                            <p:childTnLst>
-                              <p:par>
-                                <p:cTn id="17" presetID="42" presetClass="entr" presetSubtype="0" fill="hold" grpId="0" nodeType="clickEffect">
-                                  <p:stCondLst>
-                                    <p:cond delay="0"/>
-                                  </p:stCondLst>
-                                  <p:childTnLst>
-                                    <p:set>
-                                      <p:cBhvr>
-                                        <p:cTn id="18" dur="1" fill="hold">
-                                          <p:stCondLst>
-                                            <p:cond delay="0"/>
-                                          </p:stCondLst>
-                                        </p:cTn>
-                                        <p:tgtEl>
-                                          <p:spTgt spid="26"/>
-                                        </p:tgtEl>
-                                        <p:attrNameLst>
-                                          <p:attrName>style.visibility</p:attrName>
-                                        </p:attrNameLst>
-                                      </p:cBhvr>
-                                      <p:to>
-                                        <p:strVal val="visible"/>
-                                      </p:to>
-                                    </p:set>
-                                    <p:animEffect transition="in" filter="fade">
-                                      <p:cBhvr>
-                                        <p:cTn id="19" dur="1000"/>
-                                        <p:tgtEl>
-                                          <p:spTgt spid="26"/>
-                                        </p:tgtEl>
-                                      </p:cBhvr>
-                                    </p:animEffect>
-                                    <p:anim calcmode="lin" valueType="num">
-                                      <p:cBhvr>
-                                        <p:cTn id="20" dur="1000" fill="hold"/>
-                                        <p:tgtEl>
-                                          <p:spTgt spid="26"/>
-                                        </p:tgtEl>
-                                        <p:attrNameLst>
-                                          <p:attrName>ppt_x</p:attrName>
-                                        </p:attrNameLst>
-                                      </p:cBhvr>
-                                      <p:tavLst>
-                                        <p:tav tm="0">
-                                          <p:val>
-                                            <p:strVal val="#ppt_x"/>
-                                          </p:val>
-                                        </p:tav>
-                                        <p:tav tm="100000">
-                                          <p:val>
-                                            <p:strVal val="#ppt_x"/>
-                                          </p:val>
-                                        </p:tav>
-                                      </p:tavLst>
-                                    </p:anim>
-                                    <p:anim calcmode="lin" valueType="num">
-                                      <p:cBhvr>
-                                        <p:cTn id="21" dur="1000" fill="hold"/>
-                                        <p:tgtEl>
-                                          <p:spTgt spid="26"/>
-                                        </p:tgtEl>
-                                        <p:attrNameLst>
-                                          <p:attrName>ppt_y</p:attrName>
-                                        </p:attrNameLst>
-                                      </p:cBhvr>
-                                      <p:tavLst>
-                                        <p:tav tm="0">
-                                          <p:val>
-                                            <p:strVal val="#ppt_y+.1"/>
-                                          </p:val>
-                                        </p:tav>
-                                        <p:tav tm="100000">
-                                          <p:val>
-                                            <p:strVal val="#ppt_y"/>
-                                          </p:val>
-                                        </p:tav>
-                                      </p:tavLst>
-                                    </p:anim>
-                                  </p:childTnLst>
-                                </p:cTn>
-                              </p:par>
-                              <p:par>
-                                <p:cTn id="22" presetID="42" presetClass="entr" presetSubtype="0" fill="hold" grpId="0" nodeType="withEffect">
-                                  <p:stCondLst>
-                                    <p:cond delay="0"/>
-                                  </p:stCondLst>
-                                  <p:childTnLst>
-                                    <p:set>
-                                      <p:cBhvr>
-                                        <p:cTn id="23" dur="1" fill="hold">
-                                          <p:stCondLst>
-                                            <p:cond delay="0"/>
-                                          </p:stCondLst>
-                                        </p:cTn>
-                                        <p:tgtEl>
-                                          <p:spTgt spid="27"/>
-                                        </p:tgtEl>
-                                        <p:attrNameLst>
-                                          <p:attrName>style.visibility</p:attrName>
-                                        </p:attrNameLst>
-                                      </p:cBhvr>
-                                      <p:to>
-                                        <p:strVal val="visible"/>
-                                      </p:to>
-                                    </p:set>
-                                    <p:animEffect transition="in" filter="fade">
-                                      <p:cBhvr>
-                                        <p:cTn id="24" dur="1000"/>
-                                        <p:tgtEl>
-                                          <p:spTgt spid="27"/>
-                                        </p:tgtEl>
-                                      </p:cBhvr>
-                                    </p:animEffect>
-                                    <p:anim calcmode="lin" valueType="num">
-                                      <p:cBhvr>
-                                        <p:cTn id="25" dur="1000" fill="hold"/>
-                                        <p:tgtEl>
-                                          <p:spTgt spid="27"/>
-                                        </p:tgtEl>
-                                        <p:attrNameLst>
-                                          <p:attrName>ppt_x</p:attrName>
-                                        </p:attrNameLst>
-                                      </p:cBhvr>
-                                      <p:tavLst>
-                                        <p:tav tm="0">
-                                          <p:val>
-                                            <p:strVal val="#ppt_x"/>
-                                          </p:val>
-                                        </p:tav>
-                                        <p:tav tm="100000">
-                                          <p:val>
-                                            <p:strVal val="#ppt_x"/>
-                                          </p:val>
-                                        </p:tav>
-                                      </p:tavLst>
-                                    </p:anim>
-                                    <p:anim calcmode="lin" valueType="num">
-                                      <p:cBhvr>
-                                        <p:cTn id="26" dur="1000" fill="hold"/>
-                                        <p:tgtEl>
-                                          <p:spTgt spid="27"/>
-                                        </p:tgtEl>
-                                        <p:attrNameLst>
-                                          <p:attrName>ppt_y</p:attrName>
-                                        </p:attrNameLst>
-                                      </p:cBhvr>
-                                      <p:tavLst>
-                                        <p:tav tm="0">
-                                          <p:val>
-                                            <p:strVal val="#ppt_y+.1"/>
-                                          </p:val>
-                                        </p:tav>
-                                        <p:tav tm="100000">
-                                          <p:val>
-                                            <p:strVal val="#ppt_y"/>
-                                          </p:val>
-                                        </p:tav>
-                                      </p:tavLst>
-                                    </p:anim>
-                                  </p:childTnLst>
-                                </p:cTn>
-                              </p:par>
-                            </p:childTnLst>
-                          </p:cTn>
-                        </p:par>
-                      </p:childTnLst>
-                    </p:cTn>
-                  </p:par>
-                  <p:par>
-                    <p:cTn id="27" fill="hold">
-                      <p:stCondLst>
-                        <p:cond delay="indefinite"/>
-                      </p:stCondLst>
-                      <p:childTnLst>
-                        <p:par>
-                          <p:cTn id="28" fill="hold">
-                            <p:stCondLst>
-                              <p:cond delay="0"/>
-                            </p:stCondLst>
-                            <p:childTnLst>
-                              <p:par>
-                                <p:cTn id="29" presetID="42" presetClass="entr" presetSubtype="0" fill="hold" grpId="0" nodeType="clickEffect">
-                                  <p:stCondLst>
-                                    <p:cond delay="0"/>
-                                  </p:stCondLst>
-                                  <p:childTnLst>
-                                    <p:set>
-                                      <p:cBhvr>
-                                        <p:cTn id="30" dur="1" fill="hold">
-                                          <p:stCondLst>
-                                            <p:cond delay="0"/>
-                                          </p:stCondLst>
-                                        </p:cTn>
-                                        <p:tgtEl>
-                                          <p:spTgt spid="25"/>
-                                        </p:tgtEl>
-                                        <p:attrNameLst>
-                                          <p:attrName>style.visibility</p:attrName>
-                                        </p:attrNameLst>
-                                      </p:cBhvr>
-                                      <p:to>
-                                        <p:strVal val="visible"/>
-                                      </p:to>
-                                    </p:set>
-                                    <p:animEffect transition="in" filter="fade">
-                                      <p:cBhvr>
-                                        <p:cTn id="31" dur="1000"/>
-                                        <p:tgtEl>
-                                          <p:spTgt spid="25"/>
-                                        </p:tgtEl>
-                                      </p:cBhvr>
-                                    </p:animEffect>
-                                    <p:anim calcmode="lin" valueType="num">
-                                      <p:cBhvr>
-                                        <p:cTn id="32" dur="1000" fill="hold"/>
-                                        <p:tgtEl>
-                                          <p:spTgt spid="25"/>
-                                        </p:tgtEl>
-                                        <p:attrNameLst>
-                                          <p:attrName>ppt_x</p:attrName>
-                                        </p:attrNameLst>
-                                      </p:cBhvr>
-                                      <p:tavLst>
-                                        <p:tav tm="0">
-                                          <p:val>
-                                            <p:strVal val="#ppt_x"/>
-                                          </p:val>
-                                        </p:tav>
-                                        <p:tav tm="100000">
-                                          <p:val>
-                                            <p:strVal val="#ppt_x"/>
-                                          </p:val>
-                                        </p:tav>
-                                      </p:tavLst>
-                                    </p:anim>
-                                    <p:anim calcmode="lin" valueType="num">
-                                      <p:cBhvr>
-                                        <p:cTn id="33" dur="1000" fill="hold"/>
-                                        <p:tgtEl>
-                                          <p:spTgt spid="25"/>
-                                        </p:tgtEl>
-                                        <p:attrNameLst>
-                                          <p:attrName>ppt_y</p:attrName>
-                                        </p:attrNameLst>
-                                      </p:cBhvr>
-                                      <p:tavLst>
-                                        <p:tav tm="0">
-                                          <p:val>
-                                            <p:strVal val="#ppt_y+.1"/>
-                                          </p:val>
-                                        </p:tav>
-                                        <p:tav tm="100000">
-                                          <p:val>
-                                            <p:strVal val="#ppt_y"/>
-                                          </p:val>
-                                        </p:tav>
-                                      </p:tavLst>
-                                    </p:anim>
-                                  </p:childTnLst>
-                                </p:cTn>
-                              </p:par>
-                              <p:par>
-                                <p:cTn id="34" presetID="42" presetClass="entr" presetSubtype="0" fill="hold" grpId="0" nodeType="withEffect">
-                                  <p:stCondLst>
-                                    <p:cond delay="0"/>
-                                  </p:stCondLst>
-                                  <p:childTnLst>
-                                    <p:set>
-                                      <p:cBhvr>
-                                        <p:cTn id="35" dur="1" fill="hold">
-                                          <p:stCondLst>
-                                            <p:cond delay="0"/>
-                                          </p:stCondLst>
-                                        </p:cTn>
-                                        <p:tgtEl>
-                                          <p:spTgt spid="24"/>
-                                        </p:tgtEl>
-                                        <p:attrNameLst>
-                                          <p:attrName>style.visibility</p:attrName>
-                                        </p:attrNameLst>
-                                      </p:cBhvr>
-                                      <p:to>
-                                        <p:strVal val="visible"/>
-                                      </p:to>
-                                    </p:set>
-                                    <p:animEffect transition="in" filter="fade">
-                                      <p:cBhvr>
-                                        <p:cTn id="36" dur="1000"/>
-                                        <p:tgtEl>
-                                          <p:spTgt spid="24"/>
-                                        </p:tgtEl>
-                                      </p:cBhvr>
-                                    </p:animEffect>
-                                    <p:anim calcmode="lin" valueType="num">
-                                      <p:cBhvr>
-                                        <p:cTn id="37" dur="1000" fill="hold"/>
-                                        <p:tgtEl>
-                                          <p:spTgt spid="24"/>
-                                        </p:tgtEl>
-                                        <p:attrNameLst>
-                                          <p:attrName>ppt_x</p:attrName>
-                                        </p:attrNameLst>
-                                      </p:cBhvr>
-                                      <p:tavLst>
-                                        <p:tav tm="0">
-                                          <p:val>
-                                            <p:strVal val="#ppt_x"/>
-                                          </p:val>
-                                        </p:tav>
-                                        <p:tav tm="100000">
-                                          <p:val>
-                                            <p:strVal val="#ppt_x"/>
-                                          </p:val>
-                                        </p:tav>
-                                      </p:tavLst>
-                                    </p:anim>
-                                    <p:anim calcmode="lin" valueType="num">
-                                      <p:cBhvr>
-                                        <p:cTn id="38" dur="1000" fill="hold"/>
-                                        <p:tgtEl>
-                                          <p:spTgt spid="24"/>
-                                        </p:tgtEl>
-                                        <p:attrNameLst>
-                                          <p:attrName>ppt_y</p:attrName>
-                                        </p:attrNameLst>
-                                      </p:cBhvr>
-                                      <p:tavLst>
-                                        <p:tav tm="0">
-                                          <p:val>
-                                            <p:strVal val="#ppt_y+.1"/>
-                                          </p:val>
-                                        </p:tav>
-                                        <p:tav tm="100000">
-                                          <p:val>
-                                            <p:strVal val="#ppt_y"/>
-                                          </p:val>
-                                        </p:tav>
-                                      </p:tavLst>
-                                    </p:anim>
-                                  </p:childTnLst>
-                                </p:cTn>
-                              </p:par>
-                            </p:childTnLst>
-                          </p:cTn>
-                        </p:par>
-                      </p:childTnLst>
-                    </p:cTn>
-                  </p:par>
-                  <p:par>
-                    <p:cTn id="39" fill="hold">
-                      <p:stCondLst>
-                        <p:cond delay="indefinite"/>
-                      </p:stCondLst>
-                      <p:childTnLst>
-                        <p:par>
-                          <p:cTn id="40" fill="hold">
-                            <p:stCondLst>
-                              <p:cond delay="0"/>
-                            </p:stCondLst>
-                            <p:childTnLst>
-                              <p:par>
-                                <p:cTn id="41" presetID="42" presetClass="entr" presetSubtype="0" fill="hold" grpId="0" nodeType="clickEffect">
-                                  <p:stCondLst>
-                                    <p:cond delay="0"/>
-                                  </p:stCondLst>
-                                  <p:childTnLst>
-                                    <p:set>
-                                      <p:cBhvr>
-                                        <p:cTn id="42" dur="1" fill="hold">
-                                          <p:stCondLst>
-                                            <p:cond delay="0"/>
-                                          </p:stCondLst>
-                                        </p:cTn>
-                                        <p:tgtEl>
-                                          <p:spTgt spid="22"/>
-                                        </p:tgtEl>
-                                        <p:attrNameLst>
-                                          <p:attrName>style.visibility</p:attrName>
-                                        </p:attrNameLst>
-                                      </p:cBhvr>
-                                      <p:to>
-                                        <p:strVal val="visible"/>
-                                      </p:to>
-                                    </p:set>
-                                    <p:animEffect transition="in" filter="fade">
-                                      <p:cBhvr>
-                                        <p:cTn id="43" dur="1000"/>
-                                        <p:tgtEl>
-                                          <p:spTgt spid="22"/>
-                                        </p:tgtEl>
-                                      </p:cBhvr>
-                                    </p:animEffect>
-                                    <p:anim calcmode="lin" valueType="num">
-                                      <p:cBhvr>
-                                        <p:cTn id="44" dur="1000" fill="hold"/>
-                                        <p:tgtEl>
-                                          <p:spTgt spid="22"/>
-                                        </p:tgtEl>
-                                        <p:attrNameLst>
-                                          <p:attrName>ppt_x</p:attrName>
-                                        </p:attrNameLst>
-                                      </p:cBhvr>
-                                      <p:tavLst>
-                                        <p:tav tm="0">
-                                          <p:val>
-                                            <p:strVal val="#ppt_x"/>
-                                          </p:val>
-                                        </p:tav>
-                                        <p:tav tm="100000">
-                                          <p:val>
-                                            <p:strVal val="#ppt_x"/>
-                                          </p:val>
-                                        </p:tav>
-                                      </p:tavLst>
-                                    </p:anim>
-                                    <p:anim calcmode="lin" valueType="num">
-                                      <p:cBhvr>
-                                        <p:cTn id="45" dur="1000" fill="hold"/>
-                                        <p:tgtEl>
-                                          <p:spTgt spid="22"/>
-                                        </p:tgtEl>
-                                        <p:attrNameLst>
-                                          <p:attrName>ppt_y</p:attrName>
-                                        </p:attrNameLst>
-                                      </p:cBhvr>
-                                      <p:tavLst>
-                                        <p:tav tm="0">
-                                          <p:val>
-                                            <p:strVal val="#ppt_y+.1"/>
-                                          </p:val>
-                                        </p:tav>
-                                        <p:tav tm="100000">
-                                          <p:val>
-                                            <p:strVal val="#ppt_y"/>
-                                          </p:val>
-                                        </p:tav>
-                                      </p:tavLst>
-                                    </p:anim>
-                                  </p:childTnLst>
-                                </p:cTn>
-                              </p:par>
-                              <p:par>
-                                <p:cTn id="46" presetID="42" presetClass="entr" presetSubtype="0" fill="hold" grpId="0" nodeType="withEffect">
-                                  <p:stCondLst>
-                                    <p:cond delay="0"/>
-                                  </p:stCondLst>
-                                  <p:childTnLst>
-                                    <p:set>
-                                      <p:cBhvr>
-                                        <p:cTn id="47" dur="1" fill="hold">
-                                          <p:stCondLst>
-                                            <p:cond delay="0"/>
-                                          </p:stCondLst>
-                                        </p:cTn>
-                                        <p:tgtEl>
-                                          <p:spTgt spid="23"/>
-                                        </p:tgtEl>
-                                        <p:attrNameLst>
-                                          <p:attrName>style.visibility</p:attrName>
-                                        </p:attrNameLst>
-                                      </p:cBhvr>
-                                      <p:to>
-                                        <p:strVal val="visible"/>
-                                      </p:to>
-                                    </p:set>
-                                    <p:animEffect transition="in" filter="fade">
-                                      <p:cBhvr>
-                                        <p:cTn id="48" dur="1000"/>
-                                        <p:tgtEl>
-                                          <p:spTgt spid="23"/>
-                                        </p:tgtEl>
-                                      </p:cBhvr>
-                                    </p:animEffect>
-                                    <p:anim calcmode="lin" valueType="num">
-                                      <p:cBhvr>
-                                        <p:cTn id="49" dur="1000" fill="hold"/>
-                                        <p:tgtEl>
-                                          <p:spTgt spid="23"/>
-                                        </p:tgtEl>
-                                        <p:attrNameLst>
-                                          <p:attrName>ppt_x</p:attrName>
-                                        </p:attrNameLst>
-                                      </p:cBhvr>
-                                      <p:tavLst>
-                                        <p:tav tm="0">
-                                          <p:val>
-                                            <p:strVal val="#ppt_x"/>
-                                          </p:val>
-                                        </p:tav>
-                                        <p:tav tm="100000">
-                                          <p:val>
-                                            <p:strVal val="#ppt_x"/>
-                                          </p:val>
-                                        </p:tav>
-                                      </p:tavLst>
-                                    </p:anim>
-                                    <p:anim calcmode="lin" valueType="num">
-                                      <p:cBhvr>
-                                        <p:cTn id="50" dur="1000" fill="hold"/>
-                                        <p:tgtEl>
-                                          <p:spTgt spid="23"/>
-                                        </p:tgtEl>
-                                        <p:attrNameLst>
-                                          <p:attrName>ppt_y</p:attrName>
-                                        </p:attrNameLst>
-                                      </p:cBhvr>
-                                      <p:tavLst>
-                                        <p:tav tm="0">
-                                          <p:val>
-                                            <p:strVal val="#ppt_y+.1"/>
-                                          </p:val>
-                                        </p:tav>
-                                        <p:tav tm="100000">
-                                          <p:val>
-                                            <p:strVal val="#ppt_y"/>
-                                          </p:val>
-                                        </p:tav>
-                                      </p:tavLst>
-                                    </p:anim>
-                                  </p:childTnLst>
-                                </p:cTn>
-                              </p:par>
-                            </p:childTnLst>
-                          </p:cTn>
-                        </p:par>
-                      </p:childTnLst>
-                    </p:cTn>
-                  </p:par>
-                  <p:par>
-                    <p:cTn id="51" fill="hold">
-                      <p:stCondLst>
-                        <p:cond delay="indefinite"/>
-                      </p:stCondLst>
-                      <p:childTnLst>
-                        <p:par>
-                          <p:cTn id="52" fill="hold">
-                            <p:stCondLst>
-                              <p:cond delay="0"/>
-                            </p:stCondLst>
-                            <p:childTnLst>
-                              <p:par>
-                                <p:cTn id="53" presetID="42" presetClass="entr" presetSubtype="0" fill="hold" grpId="0" nodeType="clickEffect">
-                                  <p:stCondLst>
-                                    <p:cond delay="0"/>
-                                  </p:stCondLst>
-                                  <p:childTnLst>
-                                    <p:set>
-                                      <p:cBhvr>
-                                        <p:cTn id="54" dur="1" fill="hold">
-                                          <p:stCondLst>
-                                            <p:cond delay="0"/>
-                                          </p:stCondLst>
-                                        </p:cTn>
-                                        <p:tgtEl>
-                                          <p:spTgt spid="20"/>
-                                        </p:tgtEl>
-                                        <p:attrNameLst>
-                                          <p:attrName>style.visibility</p:attrName>
-                                        </p:attrNameLst>
-                                      </p:cBhvr>
-                                      <p:to>
-                                        <p:strVal val="visible"/>
-                                      </p:to>
-                                    </p:set>
-                                    <p:animEffect transition="in" filter="fade">
-                                      <p:cBhvr>
-                                        <p:cTn id="55" dur="1000"/>
-                                        <p:tgtEl>
-                                          <p:spTgt spid="20"/>
-                                        </p:tgtEl>
-                                      </p:cBhvr>
-                                    </p:animEffect>
-                                    <p:anim calcmode="lin" valueType="num">
-                                      <p:cBhvr>
-                                        <p:cTn id="56" dur="1000" fill="hold"/>
-                                        <p:tgtEl>
-                                          <p:spTgt spid="20"/>
-                                        </p:tgtEl>
-                                        <p:attrNameLst>
-                                          <p:attrName>ppt_x</p:attrName>
-                                        </p:attrNameLst>
-                                      </p:cBhvr>
-                                      <p:tavLst>
-                                        <p:tav tm="0">
-                                          <p:val>
-                                            <p:strVal val="#ppt_x"/>
-                                          </p:val>
-                                        </p:tav>
-                                        <p:tav tm="100000">
-                                          <p:val>
-                                            <p:strVal val="#ppt_x"/>
-                                          </p:val>
-                                        </p:tav>
-                                      </p:tavLst>
-                                    </p:anim>
-                                    <p:anim calcmode="lin" valueType="num">
-                                      <p:cBhvr>
-                                        <p:cTn id="57" dur="1000" fill="hold"/>
-                                        <p:tgtEl>
-                                          <p:spTgt spid="20"/>
-                                        </p:tgtEl>
-                                        <p:attrNameLst>
-                                          <p:attrName>ppt_y</p:attrName>
-                                        </p:attrNameLst>
-                                      </p:cBhvr>
-                                      <p:tavLst>
-                                        <p:tav tm="0">
-                                          <p:val>
-                                            <p:strVal val="#ppt_y+.1"/>
-                                          </p:val>
-                                        </p:tav>
-                                        <p:tav tm="100000">
-                                          <p:val>
-                                            <p:strVal val="#ppt_y"/>
-                                          </p:val>
-                                        </p:tav>
-                                      </p:tavLst>
-                                    </p:anim>
-                                  </p:childTnLst>
-                                </p:cTn>
-                              </p:par>
-                              <p:par>
-                                <p:cTn id="58" presetID="42" presetClass="entr" presetSubtype="0" fill="hold" grpId="0" nodeType="withEffect">
-                                  <p:stCondLst>
-                                    <p:cond delay="0"/>
-                                  </p:stCondLst>
-                                  <p:childTnLst>
-                                    <p:set>
-                                      <p:cBhvr>
-                                        <p:cTn id="59" dur="1" fill="hold">
-                                          <p:stCondLst>
-                                            <p:cond delay="0"/>
-                                          </p:stCondLst>
-                                        </p:cTn>
-                                        <p:tgtEl>
-                                          <p:spTgt spid="21"/>
-                                        </p:tgtEl>
-                                        <p:attrNameLst>
-                                          <p:attrName>style.visibility</p:attrName>
-                                        </p:attrNameLst>
-                                      </p:cBhvr>
-                                      <p:to>
-                                        <p:strVal val="visible"/>
-                                      </p:to>
-                                    </p:set>
-                                    <p:animEffect transition="in" filter="fade">
-                                      <p:cBhvr>
-                                        <p:cTn id="60" dur="1000"/>
-                                        <p:tgtEl>
-                                          <p:spTgt spid="21"/>
-                                        </p:tgtEl>
-                                      </p:cBhvr>
-                                    </p:animEffect>
-                                    <p:anim calcmode="lin" valueType="num">
-                                      <p:cBhvr>
-                                        <p:cTn id="61" dur="1000" fill="hold"/>
-                                        <p:tgtEl>
-                                          <p:spTgt spid="21"/>
-                                        </p:tgtEl>
-                                        <p:attrNameLst>
-                                          <p:attrName>ppt_x</p:attrName>
-                                        </p:attrNameLst>
-                                      </p:cBhvr>
-                                      <p:tavLst>
-                                        <p:tav tm="0">
-                                          <p:val>
-                                            <p:strVal val="#ppt_x"/>
-                                          </p:val>
-                                        </p:tav>
-                                        <p:tav tm="100000">
-                                          <p:val>
-                                            <p:strVal val="#ppt_x"/>
-                                          </p:val>
-                                        </p:tav>
-                                      </p:tavLst>
-                                    </p:anim>
-                                    <p:anim calcmode="lin" valueType="num">
-                                      <p:cBhvr>
-                                        <p:cTn id="62" dur="1000" fill="hold"/>
-                                        <p:tgtEl>
-                                          <p:spTgt spid="21"/>
-                                        </p:tgtEl>
-                                        <p:attrNameLst>
-                                          <p:attrName>ppt_y</p:attrName>
-                                        </p:attrNameLst>
-                                      </p:cBhvr>
-                                      <p:tavLst>
-                                        <p:tav tm="0">
-                                          <p:val>
-                                            <p:strVal val="#ppt_y+.1"/>
-                                          </p:val>
-                                        </p:tav>
-                                        <p:tav tm="100000">
-                                          <p:val>
-                                            <p:strVal val="#ppt_y"/>
-                                          </p:val>
-                                        </p:tav>
-                                      </p:tavLst>
-                                    </p:anim>
-                                  </p:childTnLst>
-                                </p:cTn>
-                              </p:par>
-                            </p:childTnLst>
-                          </p:cTn>
-                        </p:par>
-                      </p:childTnLst>
-                    </p:cTn>
-                  </p:par>
-                  <p:par>
-                    <p:cTn id="63" fill="hold">
-                      <p:stCondLst>
-                        <p:cond delay="indefinite"/>
-                      </p:stCondLst>
-                      <p:childTnLst>
-                        <p:par>
-                          <p:cTn id="64" fill="hold">
-                            <p:stCondLst>
-                              <p:cond delay="0"/>
-                            </p:stCondLst>
-                            <p:childTnLst>
-                              <p:par>
-                                <p:cTn id="65" presetID="42" presetClass="entr" presetSubtype="0" fill="hold" grpId="0" nodeType="clickEffect">
-                                  <p:stCondLst>
-                                    <p:cond delay="0"/>
-                                  </p:stCondLst>
-                                  <p:childTnLst>
-                                    <p:set>
-                                      <p:cBhvr>
-                                        <p:cTn id="66" dur="1" fill="hold">
-                                          <p:stCondLst>
-                                            <p:cond delay="0"/>
-                                          </p:stCondLst>
-                                        </p:cTn>
-                                        <p:tgtEl>
-                                          <p:spTgt spid="19"/>
-                                        </p:tgtEl>
-                                        <p:attrNameLst>
-                                          <p:attrName>style.visibility</p:attrName>
-                                        </p:attrNameLst>
-                                      </p:cBhvr>
-                                      <p:to>
-                                        <p:strVal val="visible"/>
-                                      </p:to>
-                                    </p:set>
-                                    <p:animEffect transition="in" filter="fade">
-                                      <p:cBhvr>
-                                        <p:cTn id="67" dur="1000"/>
-                                        <p:tgtEl>
-                                          <p:spTgt spid="19"/>
-                                        </p:tgtEl>
-                                      </p:cBhvr>
-                                    </p:animEffect>
-                                    <p:anim calcmode="lin" valueType="num">
-                                      <p:cBhvr>
-                                        <p:cTn id="68" dur="1000" fill="hold"/>
-                                        <p:tgtEl>
-                                          <p:spTgt spid="19"/>
-                                        </p:tgtEl>
-                                        <p:attrNameLst>
-                                          <p:attrName>ppt_x</p:attrName>
-                                        </p:attrNameLst>
-                                      </p:cBhvr>
-                                      <p:tavLst>
-                                        <p:tav tm="0">
-                                          <p:val>
-                                            <p:strVal val="#ppt_x"/>
-                                          </p:val>
-                                        </p:tav>
-                                        <p:tav tm="100000">
-                                          <p:val>
-                                            <p:strVal val="#ppt_x"/>
-                                          </p:val>
-                                        </p:tav>
-                                      </p:tavLst>
-                                    </p:anim>
-                                    <p:anim calcmode="lin" valueType="num">
-                                      <p:cBhvr>
-                                        <p:cTn id="69" dur="1000" fill="hold"/>
-                                        <p:tgtEl>
-                                          <p:spTgt spid="19"/>
-                                        </p:tgtEl>
-                                        <p:attrNameLst>
-                                          <p:attrName>ppt_y</p:attrName>
-                                        </p:attrNameLst>
-                                      </p:cBhvr>
-                                      <p:tavLst>
-                                        <p:tav tm="0">
-                                          <p:val>
-                                            <p:strVal val="#ppt_y+.1"/>
-                                          </p:val>
-                                        </p:tav>
-                                        <p:tav tm="100000">
-                                          <p:val>
-                                            <p:strVal val="#ppt_y"/>
-                                          </p:val>
-                                        </p:tav>
-                                      </p:tavLst>
-                                    </p:anim>
-                                  </p:childTnLst>
-                                </p:cTn>
-                              </p:par>
-                              <p:par>
-                                <p:cTn id="70" presetID="42" presetClass="entr" presetSubtype="0" fill="hold" grpId="0" nodeType="withEffect">
-                                  <p:stCondLst>
-                                    <p:cond delay="0"/>
-                                  </p:stCondLst>
-                                  <p:childTnLst>
-                                    <p:set>
-                                      <p:cBhvr>
-                                        <p:cTn id="71" dur="1" fill="hold">
-                                          <p:stCondLst>
-                                            <p:cond delay="0"/>
-                                          </p:stCondLst>
-                                        </p:cTn>
-                                        <p:tgtEl>
-                                          <p:spTgt spid="18"/>
-                                        </p:tgtEl>
-                                        <p:attrNameLst>
-                                          <p:attrName>style.visibility</p:attrName>
-                                        </p:attrNameLst>
-                                      </p:cBhvr>
-                                      <p:to>
-                                        <p:strVal val="visible"/>
-                                      </p:to>
-                                    </p:set>
-                                    <p:animEffect transition="in" filter="fade">
-                                      <p:cBhvr>
-                                        <p:cTn id="72" dur="1000"/>
-                                        <p:tgtEl>
-                                          <p:spTgt spid="18"/>
-                                        </p:tgtEl>
-                                      </p:cBhvr>
-                                    </p:animEffect>
-                                    <p:anim calcmode="lin" valueType="num">
-                                      <p:cBhvr>
-                                        <p:cTn id="73" dur="1000" fill="hold"/>
-                                        <p:tgtEl>
-                                          <p:spTgt spid="18"/>
-                                        </p:tgtEl>
-                                        <p:attrNameLst>
-                                          <p:attrName>ppt_x</p:attrName>
-                                        </p:attrNameLst>
-                                      </p:cBhvr>
-                                      <p:tavLst>
-                                        <p:tav tm="0">
-                                          <p:val>
-                                            <p:strVal val="#ppt_x"/>
-                                          </p:val>
-                                        </p:tav>
-                                        <p:tav tm="100000">
-                                          <p:val>
-                                            <p:strVal val="#ppt_x"/>
-                                          </p:val>
-                                        </p:tav>
-                                      </p:tavLst>
-                                    </p:anim>
-                                    <p:anim calcmode="lin" valueType="num">
-                                      <p:cBhvr>
-                                        <p:cTn id="74" dur="1000" fill="hold"/>
-                                        <p:tgtEl>
-                                          <p:spTgt spid="18"/>
-                                        </p:tgtEl>
-                                        <p:attrNameLst>
-                                          <p:attrName>ppt_y</p:attrName>
-                                        </p:attrNameLst>
-                                      </p:cBhvr>
-                                      <p:tavLst>
-                                        <p:tav tm="0">
-                                          <p:val>
-                                            <p:strVal val="#ppt_y+.1"/>
-                                          </p:val>
-                                        </p:tav>
-                                        <p:tav tm="100000">
-                                          <p:val>
-                                            <p:strVal val="#ppt_y"/>
-                                          </p:val>
-                                        </p:tav>
-                                      </p:tavLst>
-                                    </p:anim>
-                                  </p:childTnLst>
-                                </p:cTn>
-                              </p:par>
-                            </p:childTnLst>
-                          </p:cTn>
-                        </p:par>
-                      </p:childTnLst>
-                    </p:cTn>
-                  </p:par>
-                </p:childTnLst>
-              </p:cTn>
-              <p:prevCondLst>
-                <p:cond evt="onPrev" delay="0">
-                  <p:tgtEl>
-                    <p:sldTgt/>
-                  </p:tgtEl>
-                </p:cond>
-              </p:prevCondLst>
-              <p:nextCondLst>
-                <p:cond evt="onNext" delay="0">
-                  <p:tgtEl>
-                    <p:sldTgt/>
-                  </p:tgtEl>
-                </p:cond>
-              </p:nextCondLst>
-            </p:seq>
-          </p:childTnLst>
-        </p:cTn>
-      </p:par>
-    </p:tnLst>
-    <p:bldLst>
-      <p:bldP spid="18" grpId="0" animBg="1"/>
-      <p:bldP spid="19" grpId="0" animBg="1"/>
-      <p:bldP spid="20" grpId="0" animBg="1"/>
-      <p:bldP spid="21" grpId="0" animBg="1"/>
-      <p:bldP spid="22" grpId="0" animBg="1"/>
-      <p:bldP spid="23" grpId="0" animBg="1"/>
-      <p:bldP spid="24" grpId="0" animBg="1"/>
-      <p:bldP spid="25" grpId="0" animBg="1"/>
-      <p:bldP spid="26" grpId="0" animBg="1"/>
-      <p:bldP spid="27" grpId="0" animBg="1"/>
-      <p:bldP spid="28" grpId="0" animBg="1"/>
-      <p:bldP spid="29" grpId="0" animBg="1"/>
-    </p:bldLst>
-  </p:timing>
-</p:sld>
-</file>
-
-<file path=ppt/slides/slide32.xml><?xml version="1.0" encoding="utf-8"?>
-<p:sld xmlns:a="http://schemas.openxmlformats.org/drawingml/2006/main" xmlns:r="http://schemas.openxmlformats.org/officeDocument/2006/relationships" xmlns:p="http://schemas.openxmlformats.org/presentationml/2006/main">
-  <p:cSld>
-    <p:spTree>
-      <p:nvGrpSpPr>
-        <p:cNvPr id="1" name=""/>
-        <p:cNvGrpSpPr/>
-        <p:nvPr/>
-      </p:nvGrpSpPr>
-      <p:grpSpPr>
-        <a:xfrm>
-          <a:off x="0" y="0"/>
-          <a:ext cx="0" cy="0"/>
-          <a:chOff x="0" y="0"/>
-          <a:chExt cx="0" cy="0"/>
-        </a:xfrm>
-      </p:grpSpPr>
-      <p:sp>
-        <p:nvSpPr>
-          <p:cNvPr id="4" name="ZoneTexte 3">
-            <a:extLst>
-              <a:ext uri="{FF2B5EF4-FFF2-40B4-BE49-F238E27FC236}">
-                <a16:creationId xmlns:a16="http://schemas.microsoft.com/office/drawing/2014/main" id="{B9EA362C-8961-CAC2-F3B6-189A8A7175B3}"/>
-              </a:ext>
-            </a:extLst>
-          </p:cNvPr>
-          <p:cNvSpPr txBox="1"/>
-          <p:nvPr/>
-        </p:nvSpPr>
-        <p:spPr>
-          <a:xfrm>
-            <a:off x="4130399" y="490441"/>
-            <a:ext cx="3737302" cy="707886"/>
-          </a:xfrm>
-          <a:prstGeom prst="rect">
-            <a:avLst/>
-          </a:prstGeom>
-          <a:noFill/>
-        </p:spPr>
-        <p:txBody>
-          <a:bodyPr wrap="square" rtlCol="0">
-            <a:spAutoFit/>
-          </a:bodyPr>
-          <a:lstStyle/>
-          <a:p>
-            <a:pPr algn="ctr"/>
-            <a:r>
-              <a:rPr lang="fr-FR" sz="4000" b="1" dirty="0">
-                <a:solidFill>
-                  <a:srgbClr val="275C8D"/>
-                </a:solidFill>
-                <a:latin typeface="Century Gothic" panose="020B0502020202020204" pitchFamily="34" charset="0"/>
-              </a:rPr>
-              <a:t>Conclusion</a:t>
-            </a:r>
-            <a:r>
-              <a:rPr lang="fr-FR" sz="2000" b="1" dirty="0">
-                <a:solidFill>
-                  <a:srgbClr val="275C8D"/>
-                </a:solidFill>
-                <a:latin typeface="Century Gothic" panose="020B0502020202020204" pitchFamily="34" charset="0"/>
-              </a:rPr>
-              <a:t> </a:t>
-            </a:r>
-            <a:endParaRPr lang="en-US" sz="2000" b="1" dirty="0">
-              <a:solidFill>
-                <a:srgbClr val="275C8D"/>
-              </a:solidFill>
-              <a:latin typeface="Century Gothic" panose="020B0502020202020204" pitchFamily="34" charset="0"/>
-            </a:endParaRPr>
-          </a:p>
-        </p:txBody>
-      </p:sp>
-      <p:sp>
-        <p:nvSpPr>
-          <p:cNvPr id="5" name="Rectangle : coins arrondis 4">
-            <a:extLst>
-              <a:ext uri="{FF2B5EF4-FFF2-40B4-BE49-F238E27FC236}">
-                <a16:creationId xmlns:a16="http://schemas.microsoft.com/office/drawing/2014/main" id="{59081008-F8F2-7D99-54BD-268780E2EFE9}"/>
-              </a:ext>
-            </a:extLst>
-          </p:cNvPr>
-          <p:cNvSpPr/>
-          <p:nvPr/>
-        </p:nvSpPr>
-        <p:spPr>
-          <a:xfrm>
-            <a:off x="1704109" y="2111837"/>
-            <a:ext cx="8839199" cy="684138"/>
-          </a:xfrm>
-          <a:prstGeom prst="roundRect">
-            <a:avLst/>
-          </a:prstGeom>
-          <a:solidFill>
-            <a:schemeClr val="bg1"/>
-          </a:solidFill>
-          <a:ln>
-            <a:solidFill>
-              <a:schemeClr val="bg1"/>
-            </a:solidFill>
-          </a:ln>
-          <a:effectLst>
-            <a:outerShdw blurRad="406400" dist="38100" dir="5640000" algn="t" rotWithShape="0">
-              <a:schemeClr val="tx1">
-                <a:lumMod val="65000"/>
-                <a:lumOff val="35000"/>
-                <a:alpha val="22000"/>
-              </a:schemeClr>
-            </a:outerShdw>
-          </a:effectLst>
-        </p:spPr>
-        <p:style>
-          <a:lnRef idx="2">
-            <a:schemeClr val="accent1">
-              <a:shade val="15000"/>
-            </a:schemeClr>
-          </a:lnRef>
-          <a:fillRef idx="1">
-            <a:schemeClr val="accent1"/>
-          </a:fillRef>
-          <a:effectRef idx="0">
-            <a:schemeClr val="accent1"/>
-          </a:effectRef>
-          <a:fontRef idx="minor">
-            <a:schemeClr val="lt1"/>
-          </a:fontRef>
-        </p:style>
-        <p:txBody>
-          <a:bodyPr rtlCol="0" anchor="ctr"/>
-          <a:lstStyle/>
-          <a:p>
-            <a:pPr algn="ctr"/>
-            <a:r>
-              <a:rPr lang="fr-FR" b="1" dirty="0">
-                <a:solidFill>
-                  <a:srgbClr val="275C8D"/>
-                </a:solidFill>
-                <a:latin typeface="Century Gothic" panose="020B0502020202020204" pitchFamily="34" charset="0"/>
-              </a:rPr>
-              <a:t>Exploration et </a:t>
-            </a:r>
-            <a:r>
-              <a:rPr lang="fr-FR" sz="2000" b="1" dirty="0">
-                <a:solidFill>
-                  <a:srgbClr val="275C8D"/>
-                </a:solidFill>
-                <a:latin typeface="Century Gothic" panose="020B0502020202020204" pitchFamily="34" charset="0"/>
-              </a:rPr>
-              <a:t>Acquisition de Compétences Clés </a:t>
-            </a:r>
-            <a:endParaRPr lang="en-US" sz="2000" b="1" dirty="0">
-              <a:solidFill>
-                <a:srgbClr val="275C8D"/>
-              </a:solidFill>
-              <a:latin typeface="Century Gothic" panose="020B0502020202020204" pitchFamily="34" charset="0"/>
-            </a:endParaRPr>
-          </a:p>
-        </p:txBody>
-      </p:sp>
-      <p:sp>
-        <p:nvSpPr>
-          <p:cNvPr id="6" name="Rectangle : coins arrondis 5">
-            <a:extLst>
-              <a:ext uri="{FF2B5EF4-FFF2-40B4-BE49-F238E27FC236}">
-                <a16:creationId xmlns:a16="http://schemas.microsoft.com/office/drawing/2014/main" id="{E62EEDD7-D3C5-E31F-7D68-6DC840AE7297}"/>
-              </a:ext>
-            </a:extLst>
-          </p:cNvPr>
-          <p:cNvSpPr/>
-          <p:nvPr/>
-        </p:nvSpPr>
-        <p:spPr>
-          <a:xfrm>
-            <a:off x="1704109" y="2978166"/>
-            <a:ext cx="8839199" cy="546169"/>
-          </a:xfrm>
-          <a:prstGeom prst="roundRect">
-            <a:avLst/>
-          </a:prstGeom>
-          <a:solidFill>
-            <a:schemeClr val="bg1"/>
-          </a:solidFill>
-          <a:ln>
-            <a:solidFill>
-              <a:schemeClr val="bg1"/>
-            </a:solidFill>
-          </a:ln>
-          <a:effectLst>
-            <a:outerShdw blurRad="406400" dist="38100" dir="5640000" algn="t" rotWithShape="0">
-              <a:schemeClr val="tx1">
-                <a:lumMod val="65000"/>
-                <a:lumOff val="35000"/>
-                <a:alpha val="22000"/>
-              </a:schemeClr>
-            </a:outerShdw>
-          </a:effectLst>
-        </p:spPr>
-        <p:style>
-          <a:lnRef idx="2">
-            <a:schemeClr val="accent1">
-              <a:shade val="15000"/>
-            </a:schemeClr>
-          </a:lnRef>
-          <a:fillRef idx="1">
-            <a:schemeClr val="accent1"/>
-          </a:fillRef>
-          <a:effectRef idx="0">
-            <a:schemeClr val="accent1"/>
-          </a:effectRef>
-          <a:fontRef idx="minor">
-            <a:schemeClr val="lt1"/>
-          </a:fontRef>
-        </p:style>
-        <p:txBody>
-          <a:bodyPr rtlCol="0" anchor="ctr"/>
-          <a:lstStyle/>
-          <a:p>
-            <a:pPr algn="ctr"/>
-            <a:r>
-              <a:rPr lang="fr-FR" sz="2000" b="1" dirty="0">
-                <a:solidFill>
-                  <a:srgbClr val="275C8D"/>
-                </a:solidFill>
-                <a:latin typeface="Century Gothic" panose="020B0502020202020204" pitchFamily="34" charset="0"/>
-              </a:rPr>
-              <a:t>Maîtrise des Technologies de Pointe</a:t>
-            </a:r>
-            <a:endParaRPr lang="en-US" sz="2000" b="1" dirty="0">
-              <a:solidFill>
-                <a:srgbClr val="275C8D"/>
-              </a:solidFill>
-              <a:latin typeface="Century Gothic" panose="020B0502020202020204" pitchFamily="34" charset="0"/>
-            </a:endParaRPr>
-          </a:p>
-        </p:txBody>
-      </p:sp>
-      <p:sp>
-        <p:nvSpPr>
-          <p:cNvPr id="7" name="Rectangle : coins arrondis 6">
-            <a:extLst>
-              <a:ext uri="{FF2B5EF4-FFF2-40B4-BE49-F238E27FC236}">
-                <a16:creationId xmlns:a16="http://schemas.microsoft.com/office/drawing/2014/main" id="{1DD02742-996A-8A91-05A3-0174BFDBFE9C}"/>
-              </a:ext>
-            </a:extLst>
-          </p:cNvPr>
-          <p:cNvSpPr/>
-          <p:nvPr/>
-        </p:nvSpPr>
-        <p:spPr>
-          <a:xfrm>
-            <a:off x="1704110" y="3725662"/>
-            <a:ext cx="8839198" cy="541538"/>
-          </a:xfrm>
-          <a:prstGeom prst="roundRect">
-            <a:avLst/>
-          </a:prstGeom>
-          <a:solidFill>
-            <a:schemeClr val="bg1"/>
-          </a:solidFill>
-          <a:ln>
-            <a:solidFill>
-              <a:schemeClr val="bg1"/>
-            </a:solidFill>
-          </a:ln>
-          <a:effectLst>
-            <a:outerShdw blurRad="406400" dist="38100" dir="5640000" algn="t" rotWithShape="0">
-              <a:schemeClr val="tx1">
-                <a:lumMod val="65000"/>
-                <a:lumOff val="35000"/>
-                <a:alpha val="22000"/>
-              </a:schemeClr>
-            </a:outerShdw>
-          </a:effectLst>
-        </p:spPr>
-        <p:style>
-          <a:lnRef idx="2">
-            <a:schemeClr val="accent1">
-              <a:shade val="15000"/>
-            </a:schemeClr>
-          </a:lnRef>
-          <a:fillRef idx="1">
-            <a:schemeClr val="accent1"/>
-          </a:fillRef>
-          <a:effectRef idx="0">
-            <a:schemeClr val="accent1"/>
-          </a:effectRef>
-          <a:fontRef idx="minor">
-            <a:schemeClr val="lt1"/>
-          </a:fontRef>
-        </p:style>
-        <p:txBody>
-          <a:bodyPr rtlCol="0" anchor="ctr"/>
-          <a:lstStyle/>
-          <a:p>
-            <a:pPr algn="ctr"/>
-            <a:r>
-              <a:rPr lang="fr-FR" sz="2000" b="1" dirty="0">
-                <a:solidFill>
-                  <a:srgbClr val="275C8D"/>
-                </a:solidFill>
-                <a:latin typeface="Century Gothic" panose="020B0502020202020204" pitchFamily="34" charset="0"/>
-              </a:rPr>
-              <a:t>Utilisation de Technologies Clés </a:t>
-            </a:r>
-            <a:endParaRPr lang="en-US" sz="2000" b="1" dirty="0">
-              <a:solidFill>
-                <a:srgbClr val="275C8D"/>
-              </a:solidFill>
-              <a:latin typeface="Century Gothic" panose="020B0502020202020204" pitchFamily="34" charset="0"/>
-            </a:endParaRPr>
-          </a:p>
-        </p:txBody>
-      </p:sp>
-      <p:sp>
-        <p:nvSpPr>
-          <p:cNvPr id="8" name="Rectangle : coins arrondis 7">
-            <a:extLst>
-              <a:ext uri="{FF2B5EF4-FFF2-40B4-BE49-F238E27FC236}">
-                <a16:creationId xmlns:a16="http://schemas.microsoft.com/office/drawing/2014/main" id="{7C21E248-63D1-93C8-FD50-B2A7D23BF470}"/>
-              </a:ext>
-            </a:extLst>
-          </p:cNvPr>
-          <p:cNvSpPr/>
-          <p:nvPr/>
-        </p:nvSpPr>
-        <p:spPr>
-          <a:xfrm>
-            <a:off x="1704109" y="4468526"/>
-            <a:ext cx="8922328" cy="593664"/>
-          </a:xfrm>
-          <a:prstGeom prst="roundRect">
-            <a:avLst/>
-          </a:prstGeom>
-          <a:solidFill>
-            <a:schemeClr val="bg1"/>
-          </a:solidFill>
-          <a:ln>
-            <a:solidFill>
-              <a:schemeClr val="bg1"/>
-            </a:solidFill>
-          </a:ln>
-          <a:effectLst>
-            <a:outerShdw blurRad="406400" dist="38100" dir="5640000" algn="t" rotWithShape="0">
-              <a:schemeClr val="tx1">
-                <a:lumMod val="65000"/>
-                <a:lumOff val="35000"/>
-                <a:alpha val="22000"/>
-              </a:schemeClr>
-            </a:outerShdw>
-          </a:effectLst>
-        </p:spPr>
-        <p:style>
-          <a:lnRef idx="2">
-            <a:schemeClr val="accent1">
-              <a:shade val="15000"/>
-            </a:schemeClr>
-          </a:lnRef>
-          <a:fillRef idx="1">
-            <a:schemeClr val="accent1"/>
-          </a:fillRef>
-          <a:effectRef idx="0">
-            <a:schemeClr val="accent1"/>
-          </a:effectRef>
-          <a:fontRef idx="minor">
-            <a:schemeClr val="lt1"/>
-          </a:fontRef>
-        </p:style>
-        <p:txBody>
-          <a:bodyPr rtlCol="0" anchor="ctr"/>
-          <a:lstStyle/>
-          <a:p>
-            <a:pPr algn="ctr"/>
-            <a:r>
-              <a:rPr lang="fr-FR" sz="2000" b="1" dirty="0">
-                <a:solidFill>
-                  <a:srgbClr val="275C8D"/>
-                </a:solidFill>
-                <a:latin typeface="Century Gothic" panose="020B0502020202020204" pitchFamily="34" charset="0"/>
-              </a:rPr>
-              <a:t>Expérience en Communication Bidirectionnelle et Gestion de Projet</a:t>
-            </a:r>
-            <a:endParaRPr lang="en-US" sz="2000" b="1" dirty="0">
-              <a:solidFill>
-                <a:srgbClr val="275C8D"/>
-              </a:solidFill>
-              <a:latin typeface="Century Gothic" panose="020B0502020202020204" pitchFamily="34" charset="0"/>
-            </a:endParaRPr>
-          </a:p>
-        </p:txBody>
-      </p:sp>
-      <p:sp>
-        <p:nvSpPr>
-          <p:cNvPr id="10" name="Rectangle : coins arrondis 7">
-            <a:extLst>
-              <a:ext uri="{FF2B5EF4-FFF2-40B4-BE49-F238E27FC236}">
-                <a16:creationId xmlns:a16="http://schemas.microsoft.com/office/drawing/2014/main" id="{7C21E248-63D1-93C8-FD50-B2A7D23BF470}"/>
-              </a:ext>
-            </a:extLst>
-          </p:cNvPr>
-          <p:cNvSpPr/>
-          <p:nvPr/>
-        </p:nvSpPr>
-        <p:spPr>
-          <a:xfrm>
-            <a:off x="1704109" y="5328410"/>
-            <a:ext cx="8922328" cy="611341"/>
-          </a:xfrm>
-          <a:prstGeom prst="roundRect">
-            <a:avLst/>
-          </a:prstGeom>
-          <a:solidFill>
-            <a:schemeClr val="bg1"/>
-          </a:solidFill>
-          <a:ln>
-            <a:solidFill>
-              <a:schemeClr val="bg1"/>
-            </a:solidFill>
-          </a:ln>
-          <a:effectLst>
-            <a:outerShdw blurRad="406400" dist="38100" dir="5640000" algn="t" rotWithShape="0">
-              <a:schemeClr val="tx1">
-                <a:lumMod val="65000"/>
-                <a:lumOff val="35000"/>
-                <a:alpha val="22000"/>
-              </a:schemeClr>
-            </a:outerShdw>
-          </a:effectLst>
-        </p:spPr>
-        <p:style>
-          <a:lnRef idx="2">
-            <a:schemeClr val="accent1">
-              <a:shade val="15000"/>
-            </a:schemeClr>
-          </a:lnRef>
-          <a:fillRef idx="1">
-            <a:schemeClr val="accent1"/>
-          </a:fillRef>
-          <a:effectRef idx="0">
-            <a:schemeClr val="accent1"/>
-          </a:effectRef>
-          <a:fontRef idx="minor">
-            <a:schemeClr val="lt1"/>
-          </a:fontRef>
-        </p:style>
-        <p:txBody>
-          <a:bodyPr rtlCol="0" anchor="ctr"/>
-          <a:lstStyle/>
-          <a:p>
-            <a:pPr algn="ctr"/>
-            <a:r>
-              <a:rPr lang="fr-FR" b="1" dirty="0">
-                <a:solidFill>
-                  <a:srgbClr val="275C8D"/>
-                </a:solidFill>
-                <a:latin typeface="Century Gothic" panose="020B0502020202020204" pitchFamily="34" charset="0"/>
-              </a:rPr>
-              <a:t>Préparation pour l'Avenir Professionnel</a:t>
-            </a:r>
-            <a:endParaRPr lang="en-US" sz="2000" b="1" dirty="0">
-              <a:solidFill>
-                <a:srgbClr val="275C8D"/>
-              </a:solidFill>
-              <a:latin typeface="Century Gothic" panose="020B0502020202020204" pitchFamily="34" charset="0"/>
-            </a:endParaRPr>
-          </a:p>
-        </p:txBody>
-      </p:sp>
-      <p:sp>
-        <p:nvSpPr>
-          <p:cNvPr id="12" name="Espace réservé du numéro de diapositive 11"/>
-          <p:cNvSpPr>
-            <a:spLocks noGrp="1"/>
-          </p:cNvSpPr>
-          <p:nvPr>
-            <p:ph type="sldNum" sz="quarter" idx="12"/>
-          </p:nvPr>
-        </p:nvSpPr>
-        <p:spPr/>
-        <p:txBody>
-          <a:bodyPr/>
-          <a:lstStyle/>
-          <a:p>
-            <a:fld id="{6717A047-6DF3-4C8C-9C12-C17027B947F2}" type="slidenum">
-              <a:rPr lang="en-US" smtClean="0"/>
-              <a:t>32</a:t>
-            </a:fld>
-            <a:endParaRPr lang="en-US"/>
-          </a:p>
-        </p:txBody>
-      </p:sp>
-    </p:spTree>
-    <p:extLst>
-      <p:ext uri="{BB962C8B-B14F-4D97-AF65-F5344CB8AC3E}">
-        <p14:creationId xmlns:p14="http://schemas.microsoft.com/office/powerpoint/2010/main" val="299780023"/>
-      </p:ext>
-    </p:extLst>
-  </p:cSld>
-  <p:clrMapOvr>
-    <a:masterClrMapping/>
-  </p:clrMapOvr>
-  <p:timing>
-    <p:tnLst>
-      <p:par>
-        <p:cTn id="1" dur="indefinite" restart="never" nodeType="tmRoot">
-          <p:childTnLst>
-            <p:seq concurrent="1" nextAc="seek">
-              <p:cTn id="2" dur="indefinite" nodeType="mainSeq">
-                <p:childTnLst>
-                  <p:par>
-                    <p:cTn id="3" fill="hold">
-                      <p:stCondLst>
-                        <p:cond delay="indefinite"/>
-                      </p:stCondLst>
-                      <p:childTnLst>
-                        <p:par>
-                          <p:cTn id="4" fill="hold">
-                            <p:stCondLst>
-                              <p:cond delay="0"/>
-                            </p:stCondLst>
-                            <p:childTnLst>
-                              <p:par>
-                                <p:cTn id="5" presetID="10" presetClass="entr" presetSubtype="0" fill="hold" grpId="0" nodeType="clickEffect">
-                                  <p:stCondLst>
-                                    <p:cond delay="0"/>
-                                  </p:stCondLst>
-                                  <p:childTnLst>
-                                    <p:set>
-                                      <p:cBhvr>
-                                        <p:cTn id="6" dur="1" fill="hold">
-                                          <p:stCondLst>
-                                            <p:cond delay="0"/>
-                                          </p:stCondLst>
-                                        </p:cTn>
-                                        <p:tgtEl>
-                                          <p:spTgt spid="5"/>
-                                        </p:tgtEl>
-                                        <p:attrNameLst>
-                                          <p:attrName>style.visibility</p:attrName>
-                                        </p:attrNameLst>
-                                      </p:cBhvr>
-                                      <p:to>
-                                        <p:strVal val="visible"/>
-                                      </p:to>
-                                    </p:set>
-                                    <p:animEffect transition="in" filter="fade">
-                                      <p:cBhvr>
-                                        <p:cTn id="7" dur="500"/>
-                                        <p:tgtEl>
-                                          <p:spTgt spid="5"/>
-                                        </p:tgtEl>
-                                      </p:cBhvr>
-                                    </p:animEffect>
-                                  </p:childTnLst>
-                                </p:cTn>
-                              </p:par>
-                            </p:childTnLst>
-                          </p:cTn>
-                        </p:par>
-                      </p:childTnLst>
-                    </p:cTn>
-                  </p:par>
-                  <p:par>
-                    <p:cTn id="8" fill="hold">
-                      <p:stCondLst>
-                        <p:cond delay="indefinite"/>
-                      </p:stCondLst>
-                      <p:childTnLst>
-                        <p:par>
-                          <p:cTn id="9" fill="hold">
-                            <p:stCondLst>
-                              <p:cond delay="0"/>
-                            </p:stCondLst>
-                            <p:childTnLst>
-                              <p:par>
-                                <p:cTn id="10" presetID="10" presetClass="entr" presetSubtype="0" fill="hold" grpId="0" nodeType="clickEffect">
-                                  <p:stCondLst>
-                                    <p:cond delay="0"/>
-                                  </p:stCondLst>
-                                  <p:childTnLst>
-                                    <p:set>
-                                      <p:cBhvr>
-                                        <p:cTn id="11" dur="1" fill="hold">
-                                          <p:stCondLst>
-                                            <p:cond delay="0"/>
-                                          </p:stCondLst>
-                                        </p:cTn>
-                                        <p:tgtEl>
-                                          <p:spTgt spid="6"/>
-                                        </p:tgtEl>
-                                        <p:attrNameLst>
-                                          <p:attrName>style.visibility</p:attrName>
-                                        </p:attrNameLst>
-                                      </p:cBhvr>
-                                      <p:to>
-                                        <p:strVal val="visible"/>
-                                      </p:to>
-                                    </p:set>
-                                    <p:animEffect transition="in" filter="fade">
-                                      <p:cBhvr>
-                                        <p:cTn id="12" dur="500"/>
-                                        <p:tgtEl>
-                                          <p:spTgt spid="6"/>
-                                        </p:tgtEl>
-                                      </p:cBhvr>
-                                    </p:animEffect>
-                                  </p:childTnLst>
-                                </p:cTn>
-                              </p:par>
-                            </p:childTnLst>
-                          </p:cTn>
-                        </p:par>
-                      </p:childTnLst>
-                    </p:cTn>
-                  </p:par>
-                  <p:par>
-                    <p:cTn id="13" fill="hold">
-                      <p:stCondLst>
-                        <p:cond delay="indefinite"/>
-                      </p:stCondLst>
-                      <p:childTnLst>
-                        <p:par>
-                          <p:cTn id="14" fill="hold">
-                            <p:stCondLst>
-                              <p:cond delay="0"/>
-                            </p:stCondLst>
-                            <p:childTnLst>
-                              <p:par>
-                                <p:cTn id="15" presetID="10" presetClass="entr" presetSubtype="0" fill="hold" grpId="0" nodeType="clickEffect">
-                                  <p:stCondLst>
-                                    <p:cond delay="0"/>
-                                  </p:stCondLst>
-                                  <p:childTnLst>
-                                    <p:set>
-                                      <p:cBhvr>
-                                        <p:cTn id="16" dur="1" fill="hold">
-                                          <p:stCondLst>
-                                            <p:cond delay="0"/>
-                                          </p:stCondLst>
-                                        </p:cTn>
-                                        <p:tgtEl>
-                                          <p:spTgt spid="7"/>
-                                        </p:tgtEl>
-                                        <p:attrNameLst>
-                                          <p:attrName>style.visibility</p:attrName>
-                                        </p:attrNameLst>
-                                      </p:cBhvr>
-                                      <p:to>
-                                        <p:strVal val="visible"/>
-                                      </p:to>
-                                    </p:set>
-                                    <p:animEffect transition="in" filter="fade">
-                                      <p:cBhvr>
-                                        <p:cTn id="17" dur="500"/>
-                                        <p:tgtEl>
-                                          <p:spTgt spid="7"/>
-                                        </p:tgtEl>
-                                      </p:cBhvr>
-                                    </p:animEffect>
-                                  </p:childTnLst>
-                                </p:cTn>
-                              </p:par>
-                            </p:childTnLst>
-                          </p:cTn>
-                        </p:par>
-                      </p:childTnLst>
-                    </p:cTn>
-                  </p:par>
-                  <p:par>
-                    <p:cTn id="18" fill="hold">
-                      <p:stCondLst>
-                        <p:cond delay="indefinite"/>
-                      </p:stCondLst>
-                      <p:childTnLst>
-                        <p:par>
-                          <p:cTn id="19" fill="hold">
-                            <p:stCondLst>
-                              <p:cond delay="0"/>
-                            </p:stCondLst>
-                            <p:childTnLst>
-                              <p:par>
-                                <p:cTn id="20" presetID="10" presetClass="entr" presetSubtype="0" fill="hold" grpId="0" nodeType="clickEffect">
-                                  <p:stCondLst>
-                                    <p:cond delay="0"/>
-                                  </p:stCondLst>
-                                  <p:childTnLst>
-                                    <p:set>
-                                      <p:cBhvr>
-                                        <p:cTn id="21" dur="1" fill="hold">
-                                          <p:stCondLst>
-                                            <p:cond delay="0"/>
-                                          </p:stCondLst>
-                                        </p:cTn>
-                                        <p:tgtEl>
-                                          <p:spTgt spid="8"/>
-                                        </p:tgtEl>
-                                        <p:attrNameLst>
-                                          <p:attrName>style.visibility</p:attrName>
-                                        </p:attrNameLst>
-                                      </p:cBhvr>
-                                      <p:to>
-                                        <p:strVal val="visible"/>
-                                      </p:to>
-                                    </p:set>
-                                    <p:animEffect transition="in" filter="fade">
-                                      <p:cBhvr>
-                                        <p:cTn id="22" dur="500"/>
-                                        <p:tgtEl>
-                                          <p:spTgt spid="8"/>
-                                        </p:tgtEl>
-                                      </p:cBhvr>
-                                    </p:animEffect>
-                                  </p:childTnLst>
-                                </p:cTn>
-                              </p:par>
-                            </p:childTnLst>
-                          </p:cTn>
-                        </p:par>
-                      </p:childTnLst>
-                    </p:cTn>
-                  </p:par>
-                  <p:par>
-                    <p:cTn id="23" fill="hold">
-                      <p:stCondLst>
-                        <p:cond delay="indefinite"/>
-                      </p:stCondLst>
-                      <p:childTnLst>
-                        <p:par>
-                          <p:cTn id="24" fill="hold">
-                            <p:stCondLst>
-                              <p:cond delay="0"/>
-                            </p:stCondLst>
-                            <p:childTnLst>
-                              <p:par>
-                                <p:cTn id="25" presetID="10" presetClass="entr" presetSubtype="0" fill="hold" grpId="0" nodeType="clickEffect">
-                                  <p:stCondLst>
-                                    <p:cond delay="0"/>
-                                  </p:stCondLst>
-                                  <p:childTnLst>
-                                    <p:set>
-                                      <p:cBhvr>
-                                        <p:cTn id="26" dur="1" fill="hold">
-                                          <p:stCondLst>
-                                            <p:cond delay="0"/>
-                                          </p:stCondLst>
-                                        </p:cTn>
-                                        <p:tgtEl>
-                                          <p:spTgt spid="10"/>
-                                        </p:tgtEl>
-                                        <p:attrNameLst>
-                                          <p:attrName>style.visibility</p:attrName>
-                                        </p:attrNameLst>
-                                      </p:cBhvr>
-                                      <p:to>
-                                        <p:strVal val="visible"/>
-                                      </p:to>
-                                    </p:set>
-                                    <p:animEffect transition="in" filter="fade">
-                                      <p:cBhvr>
-                                        <p:cTn id="27" dur="500"/>
-                                        <p:tgtEl>
-                                          <p:spTgt spid="10"/>
-                                        </p:tgtEl>
-                                      </p:cBhvr>
-                                    </p:animEffect>
-                                  </p:childTnLst>
-                                </p:cTn>
-                              </p:par>
-                            </p:childTnLst>
-                          </p:cTn>
-                        </p:par>
-                      </p:childTnLst>
-                    </p:cTn>
-                  </p:par>
-                </p:childTnLst>
-              </p:cTn>
-              <p:prevCondLst>
-                <p:cond evt="onPrev" delay="0">
-                  <p:tgtEl>
-                    <p:sldTgt/>
-                  </p:tgtEl>
-                </p:cond>
-              </p:prevCondLst>
-              <p:nextCondLst>
-                <p:cond evt="onNext" delay="0">
-                  <p:tgtEl>
-                    <p:sldTgt/>
-                  </p:tgtEl>
-                </p:cond>
-              </p:nextCondLst>
-            </p:seq>
-          </p:childTnLst>
-        </p:cTn>
-      </p:par>
-    </p:tnLst>
-    <p:bldLst>
-      <p:bldP spid="5" grpId="0" animBg="1"/>
-      <p:bldP spid="6" grpId="0" animBg="1"/>
-      <p:bldP spid="7" grpId="0" animBg="1"/>
-      <p:bldP spid="8" grpId="0" animBg="1"/>
-      <p:bldP spid="10" grpId="0" animBg="1"/>
-    </p:bldLst>
-  </p:timing>
-</p:sld>
-</file>
-
-<file path=ppt/slides/slide33.xml><?xml version="1.0" encoding="utf-8"?>
-<p:sld xmlns:a="http://schemas.openxmlformats.org/drawingml/2006/main" xmlns:r="http://schemas.openxmlformats.org/officeDocument/2006/relationships" xmlns:p="http://schemas.openxmlformats.org/presentationml/2006/main">
-  <p:cSld>
-    <p:spTree>
-      <p:nvGrpSpPr>
-        <p:cNvPr id="1" name=""/>
-        <p:cNvGrpSpPr/>
-        <p:nvPr/>
-      </p:nvGrpSpPr>
-      <p:grpSpPr>
-        <a:xfrm>
-          <a:off x="0" y="0"/>
-          <a:ext cx="0" cy="0"/>
-          <a:chOff x="0" y="0"/>
-          <a:chExt cx="0" cy="0"/>
-        </a:xfrm>
-      </p:grpSpPr>
-      <p:sp>
-        <p:nvSpPr>
-          <p:cNvPr id="8" name="Espace réservé du numéro de diapositive 7"/>
-          <p:cNvSpPr>
-            <a:spLocks noGrp="1"/>
-          </p:cNvSpPr>
-          <p:nvPr>
-            <p:ph type="sldNum" sz="quarter" idx="12"/>
-          </p:nvPr>
-        </p:nvSpPr>
-        <p:spPr/>
-        <p:txBody>
-          <a:bodyPr/>
-          <a:lstStyle/>
-          <a:p>
-            <a:fld id="{6717A047-6DF3-4C8C-9C12-C17027B947F2}" type="slidenum">
-              <a:rPr lang="en-US" smtClean="0"/>
-              <a:t>33</a:t>
-            </a:fld>
-            <a:endParaRPr lang="en-US"/>
-          </a:p>
-        </p:txBody>
-      </p:sp>
-    </p:spTree>
-    <p:extLst>
-      <p:ext uri="{BB962C8B-B14F-4D97-AF65-F5344CB8AC3E}">
-        <p14:creationId xmlns:p14="http://schemas.microsoft.com/office/powerpoint/2010/main" val="2420495001"/>
-      </p:ext>
-    </p:extLst>
-  </p:cSld>
-  <p:clrMapOvr>
-    <a:masterClrMapping/>
-  </p:clrMapOvr>
-  <p:transition spd="slow">
-    <p:push dir="u"/>
-  </p:transition>
-</p:sld>
-</file>
-
-<file path=ppt/slides/slide34.xml><?xml version="1.0" encoding="utf-8"?>
-<p:sld xmlns:a="http://schemas.openxmlformats.org/drawingml/2006/main" xmlns:r="http://schemas.openxmlformats.org/officeDocument/2006/relationships" xmlns:p="http://schemas.openxmlformats.org/presentationml/2006/main">
-  <p:cSld>
-    <p:spTree>
-      <p:nvGrpSpPr>
-        <p:cNvPr id="1" name=""/>
-        <p:cNvGrpSpPr/>
-        <p:nvPr/>
-      </p:nvGrpSpPr>
-      <p:grpSpPr>
-        <a:xfrm>
-          <a:off x="0" y="0"/>
-          <a:ext cx="0" cy="0"/>
-          <a:chOff x="0" y="0"/>
-          <a:chExt cx="0" cy="0"/>
-        </a:xfrm>
-      </p:grpSpPr>
-      <p:sp>
-        <p:nvSpPr>
-          <p:cNvPr id="2" name="Titre 1">
-            <a:extLst>
-              <a:ext uri="{FF2B5EF4-FFF2-40B4-BE49-F238E27FC236}">
-                <a16:creationId xmlns:a16="http://schemas.microsoft.com/office/drawing/2014/main" id="{0E58D81F-BAB1-8901-A4CE-AE21DA80C3DF}"/>
-              </a:ext>
-            </a:extLst>
-          </p:cNvPr>
-          <p:cNvSpPr>
-            <a:spLocks noGrp="1"/>
-          </p:cNvSpPr>
-          <p:nvPr>
-            <p:ph type="title"/>
-          </p:nvPr>
-        </p:nvSpPr>
-        <p:spPr>
-          <a:xfrm>
-            <a:off x="838200" y="0"/>
-            <a:ext cx="10515600" cy="1325563"/>
-          </a:xfrm>
-        </p:spPr>
-        <p:txBody>
-          <a:bodyPr>
-            <a:normAutofit/>
-          </a:bodyPr>
-          <a:lstStyle/>
-          <a:p>
-            <a:pPr algn="ctr"/>
-            <a:r>
-              <a:rPr lang="fr-FR" sz="3000" b="1" dirty="0">
-                <a:solidFill>
-                  <a:srgbClr val="002060"/>
-                </a:solidFill>
-                <a:latin typeface="Century Gothic" panose="020B0502020202020204" pitchFamily="34" charset="0"/>
-              </a:rPr>
-              <a:t>Diagramme de séquence du client </a:t>
-            </a:r>
-            <a:endParaRPr lang="en-US" sz="3000" b="1" dirty="0">
-              <a:solidFill>
-                <a:srgbClr val="002060"/>
-              </a:solidFill>
-              <a:latin typeface="Century Gothic" panose="020B0502020202020204" pitchFamily="34" charset="0"/>
-            </a:endParaRPr>
-          </a:p>
-        </p:txBody>
-      </p:sp>
-      <p:sp>
-        <p:nvSpPr>
-          <p:cNvPr id="8" name="Espace réservé du numéro de diapositive 7"/>
-          <p:cNvSpPr>
-            <a:spLocks noGrp="1"/>
-          </p:cNvSpPr>
-          <p:nvPr>
-            <p:ph type="sldNum" sz="quarter" idx="12"/>
-          </p:nvPr>
-        </p:nvSpPr>
-        <p:spPr/>
-        <p:txBody>
-          <a:bodyPr/>
-          <a:lstStyle/>
-          <a:p>
-            <a:fld id="{6717A047-6DF3-4C8C-9C12-C17027B947F2}" type="slidenum">
-              <a:rPr lang="en-US" smtClean="0"/>
-              <a:t>34</a:t>
-            </a:fld>
-            <a:endParaRPr lang="en-US"/>
-          </a:p>
-        </p:txBody>
-      </p:sp>
-    </p:spTree>
-    <p:extLst>
-      <p:ext uri="{BB962C8B-B14F-4D97-AF65-F5344CB8AC3E}">
-        <p14:creationId xmlns:p14="http://schemas.microsoft.com/office/powerpoint/2010/main" val="2111889558"/>
-      </p:ext>
-    </p:extLst>
-  </p:cSld>
-  <p:clrMapOvr>
-    <a:masterClrMapping/>
-  </p:clrMapOvr>
-  <p:transition spd="slow">
-    <p:push dir="u"/>
-  </p:transition>
-</p:sld>
-</file>
-
-<file path=ppt/slides/slide35.xml><?xml version="1.0" encoding="utf-8"?>
-<p:sld xmlns:a="http://schemas.openxmlformats.org/drawingml/2006/main" xmlns:r="http://schemas.openxmlformats.org/officeDocument/2006/relationships" xmlns:p="http://schemas.openxmlformats.org/presentationml/2006/main">
-  <p:cSld>
-    <p:spTree>
-      <p:nvGrpSpPr>
-        <p:cNvPr id="1" name=""/>
-        <p:cNvGrpSpPr/>
-        <p:nvPr/>
-      </p:nvGrpSpPr>
-      <p:grpSpPr>
-        <a:xfrm>
-          <a:off x="0" y="0"/>
-          <a:ext cx="0" cy="0"/>
-          <a:chOff x="0" y="0"/>
-          <a:chExt cx="0" cy="0"/>
-        </a:xfrm>
-      </p:grpSpPr>
-      <p:sp>
-        <p:nvSpPr>
-          <p:cNvPr id="2" name="Titre 1">
-            <a:extLst>
-              <a:ext uri="{FF2B5EF4-FFF2-40B4-BE49-F238E27FC236}">
-                <a16:creationId xmlns:a16="http://schemas.microsoft.com/office/drawing/2014/main" id="{0E58D81F-BAB1-8901-A4CE-AE21DA80C3DF}"/>
-              </a:ext>
-            </a:extLst>
-          </p:cNvPr>
-          <p:cNvSpPr>
-            <a:spLocks noGrp="1"/>
-          </p:cNvSpPr>
-          <p:nvPr>
-            <p:ph type="title"/>
-          </p:nvPr>
-        </p:nvSpPr>
-        <p:spPr>
-          <a:xfrm>
-            <a:off x="838200" y="0"/>
-            <a:ext cx="10515600" cy="1325563"/>
-          </a:xfrm>
-        </p:spPr>
-        <p:txBody>
-          <a:bodyPr>
-            <a:normAutofit/>
-          </a:bodyPr>
-          <a:lstStyle/>
-          <a:p>
-            <a:pPr algn="ctr"/>
-            <a:r>
-              <a:rPr lang="fr-FR" sz="3000" b="1" dirty="0">
-                <a:solidFill>
-                  <a:srgbClr val="275C8D"/>
-                </a:solidFill>
-                <a:latin typeface="Century Gothic" panose="020B0502020202020204" pitchFamily="34" charset="0"/>
-              </a:rPr>
-              <a:t>Diagramme de cas d’utilisation de Développeur</a:t>
-            </a:r>
-            <a:endParaRPr lang="en-US" sz="3000" b="1" dirty="0">
-              <a:solidFill>
-                <a:srgbClr val="275C8D"/>
-              </a:solidFill>
-              <a:latin typeface="Century Gothic" panose="020B0502020202020204" pitchFamily="34" charset="0"/>
-            </a:endParaRPr>
-          </a:p>
-        </p:txBody>
-      </p:sp>
-      <p:sp>
-        <p:nvSpPr>
-          <p:cNvPr id="8" name="Espace réservé du numéro de diapositive 7"/>
-          <p:cNvSpPr>
-            <a:spLocks noGrp="1"/>
-          </p:cNvSpPr>
-          <p:nvPr>
-            <p:ph type="sldNum" sz="quarter" idx="12"/>
-          </p:nvPr>
-        </p:nvSpPr>
-        <p:spPr/>
-        <p:txBody>
-          <a:bodyPr/>
-          <a:lstStyle/>
-          <a:p>
-            <a:fld id="{6717A047-6DF3-4C8C-9C12-C17027B947F2}" type="slidenum">
-              <a:rPr lang="en-US" smtClean="0"/>
-              <a:t>35</a:t>
-            </a:fld>
-            <a:endParaRPr lang="en-US"/>
-          </a:p>
-        </p:txBody>
-      </p:sp>
-    </p:spTree>
-    <p:extLst>
-      <p:ext uri="{BB962C8B-B14F-4D97-AF65-F5344CB8AC3E}">
-        <p14:creationId xmlns:p14="http://schemas.microsoft.com/office/powerpoint/2010/main" val="3652290865"/>
-      </p:ext>
-    </p:extLst>
-  </p:cSld>
-  <p:clrMapOvr>
-    <a:masterClrMapping/>
-  </p:clrMapOvr>
-  <p:transition spd="slow">
-    <p:push dir="u"/>
-  </p:transition>
-</p:sld>
-</file>
-
-<file path=ppt/slides/slide36.xml><?xml version="1.0" encoding="utf-8"?>
-<p:sld xmlns:a="http://schemas.openxmlformats.org/drawingml/2006/main" xmlns:r="http://schemas.openxmlformats.org/officeDocument/2006/relationships" xmlns:p="http://schemas.openxmlformats.org/presentationml/2006/main">
-  <p:cSld>
-    <p:spTree>
-      <p:nvGrpSpPr>
-        <p:cNvPr id="1" name=""/>
-        <p:cNvGrpSpPr/>
-        <p:nvPr/>
-      </p:nvGrpSpPr>
-      <p:grpSpPr>
-        <a:xfrm>
-          <a:off x="0" y="0"/>
-          <a:ext cx="0" cy="0"/>
-          <a:chOff x="0" y="0"/>
-          <a:chExt cx="0" cy="0"/>
-        </a:xfrm>
-      </p:grpSpPr>
-      <p:sp>
-        <p:nvSpPr>
-          <p:cNvPr id="2" name="Titre 1">
-            <a:extLst>
-              <a:ext uri="{FF2B5EF4-FFF2-40B4-BE49-F238E27FC236}">
-                <a16:creationId xmlns:a16="http://schemas.microsoft.com/office/drawing/2014/main" id="{0E58D81F-BAB1-8901-A4CE-AE21DA80C3DF}"/>
-              </a:ext>
-            </a:extLst>
-          </p:cNvPr>
-          <p:cNvSpPr>
-            <a:spLocks noGrp="1"/>
-          </p:cNvSpPr>
-          <p:nvPr>
-            <p:ph type="title"/>
-          </p:nvPr>
-        </p:nvSpPr>
-        <p:spPr>
-          <a:xfrm>
-            <a:off x="838200" y="0"/>
-            <a:ext cx="10515600" cy="1325563"/>
-          </a:xfrm>
-        </p:spPr>
-        <p:txBody>
-          <a:bodyPr>
-            <a:normAutofit/>
-          </a:bodyPr>
-          <a:lstStyle/>
-          <a:p>
-            <a:pPr algn="ctr"/>
-            <a:r>
-              <a:rPr lang="fr-FR" sz="3000" b="1" dirty="0">
-                <a:solidFill>
-                  <a:srgbClr val="275C8D"/>
-                </a:solidFill>
-                <a:latin typeface="Century Gothic" panose="020B0502020202020204" pitchFamily="34" charset="0"/>
-              </a:rPr>
-              <a:t>Diagramme de cas d’utilisation de l’entreprise</a:t>
-            </a:r>
-            <a:endParaRPr lang="en-US" sz="3000" b="1" dirty="0">
-              <a:solidFill>
-                <a:srgbClr val="275C8D"/>
-              </a:solidFill>
-              <a:latin typeface="Century Gothic" panose="020B0502020202020204" pitchFamily="34" charset="0"/>
-            </a:endParaRPr>
-          </a:p>
-        </p:txBody>
-      </p:sp>
-      <p:sp>
-        <p:nvSpPr>
-          <p:cNvPr id="8" name="Espace réservé du numéro de diapositive 7"/>
-          <p:cNvSpPr>
-            <a:spLocks noGrp="1"/>
-          </p:cNvSpPr>
-          <p:nvPr>
-            <p:ph type="sldNum" sz="quarter" idx="12"/>
-          </p:nvPr>
-        </p:nvSpPr>
-        <p:spPr/>
-        <p:txBody>
-          <a:bodyPr/>
-          <a:lstStyle/>
-          <a:p>
-            <a:fld id="{6717A047-6DF3-4C8C-9C12-C17027B947F2}" type="slidenum">
-              <a:rPr lang="en-US" smtClean="0"/>
-              <a:t>36</a:t>
-            </a:fld>
-            <a:endParaRPr lang="en-US"/>
-          </a:p>
-        </p:txBody>
-      </p:sp>
-    </p:spTree>
-    <p:extLst>
-      <p:ext uri="{BB962C8B-B14F-4D97-AF65-F5344CB8AC3E}">
-        <p14:creationId xmlns:p14="http://schemas.microsoft.com/office/powerpoint/2010/main" val="4022422826"/>
-      </p:ext>
-    </p:extLst>
-  </p:cSld>
-  <p:clrMapOvr>
-    <a:masterClrMapping/>
-  </p:clrMapOvr>
-  <p:transition spd="slow">
-    <p:push dir="u"/>
-  </p:transition>
-</p:sld>
-</file>
-
-<file path=ppt/slides/slide37.xml><?xml version="1.0" encoding="utf-8"?>
-<p:sld xmlns:a="http://schemas.openxmlformats.org/drawingml/2006/main" xmlns:r="http://schemas.openxmlformats.org/officeDocument/2006/relationships" xmlns:p="http://schemas.openxmlformats.org/presentationml/2006/main">
-  <p:cSld>
-    <p:spTree>
-      <p:nvGrpSpPr>
-        <p:cNvPr id="1" name=""/>
-        <p:cNvGrpSpPr/>
-        <p:nvPr/>
-      </p:nvGrpSpPr>
-      <p:grpSpPr>
-        <a:xfrm>
-          <a:off x="0" y="0"/>
-          <a:ext cx="0" cy="0"/>
-          <a:chOff x="0" y="0"/>
-          <a:chExt cx="0" cy="0"/>
-        </a:xfrm>
-      </p:grpSpPr>
-      <p:sp>
-        <p:nvSpPr>
-          <p:cNvPr id="2" name="Titre 1">
-            <a:extLst>
-              <a:ext uri="{FF2B5EF4-FFF2-40B4-BE49-F238E27FC236}">
-                <a16:creationId xmlns:a16="http://schemas.microsoft.com/office/drawing/2014/main" id="{0A2741C2-2C2C-8F55-7166-C457FB998AAF}"/>
-              </a:ext>
-            </a:extLst>
-          </p:cNvPr>
-          <p:cNvSpPr>
-            <a:spLocks noGrp="1"/>
-          </p:cNvSpPr>
-          <p:nvPr>
-            <p:ph type="title"/>
-          </p:nvPr>
-        </p:nvSpPr>
-        <p:spPr>
-          <a:xfrm>
-            <a:off x="4023744" y="2766218"/>
-            <a:ext cx="7067043" cy="1325563"/>
-          </a:xfrm>
-        </p:spPr>
-        <p:txBody>
-          <a:bodyPr>
-            <a:normAutofit/>
-          </a:bodyPr>
-          <a:lstStyle/>
-          <a:p>
-            <a:r>
-              <a:rPr lang="fr-FR" sz="5800" b="1" dirty="0">
-                <a:solidFill>
-                  <a:srgbClr val="275C8D"/>
-                </a:solidFill>
-                <a:effectLst>
-                  <a:outerShdw blurRad="38100" dist="38100" dir="2700000" algn="tl">
-                    <a:srgbClr val="000000">
-                      <a:alpha val="43137"/>
-                    </a:srgbClr>
-                  </a:outerShdw>
-                </a:effectLst>
-                <a:latin typeface="Century Gothic" panose="020B0502020202020204" pitchFamily="34" charset="0"/>
-              </a:rPr>
-              <a:t>5.Réalisation</a:t>
-            </a:r>
-            <a:endParaRPr lang="en-US" sz="5800" b="1" dirty="0">
-              <a:solidFill>
-                <a:srgbClr val="275C8D"/>
-              </a:solidFill>
-              <a:effectLst>
-                <a:outerShdw blurRad="38100" dist="38100" dir="2700000" algn="tl">
-                  <a:srgbClr val="000000">
-                    <a:alpha val="43137"/>
-                  </a:srgbClr>
-                </a:outerShdw>
-              </a:effectLst>
-              <a:latin typeface="Century Gothic" panose="020B0502020202020204" pitchFamily="34" charset="0"/>
-            </a:endParaRPr>
-          </a:p>
-        </p:txBody>
-      </p:sp>
-      <p:sp>
-        <p:nvSpPr>
-          <p:cNvPr id="7" name="Espace réservé du numéro de diapositive 6"/>
-          <p:cNvSpPr>
-            <a:spLocks noGrp="1"/>
-          </p:cNvSpPr>
-          <p:nvPr>
-            <p:ph type="sldNum" sz="quarter" idx="12"/>
-          </p:nvPr>
-        </p:nvSpPr>
-        <p:spPr/>
-        <p:txBody>
-          <a:bodyPr/>
-          <a:lstStyle/>
-          <a:p>
-            <a:fld id="{6717A047-6DF3-4C8C-9C12-C17027B947F2}" type="slidenum">
-              <a:rPr lang="en-US" smtClean="0"/>
-              <a:t>37</a:t>
-            </a:fld>
-            <a:endParaRPr lang="en-US"/>
-          </a:p>
-        </p:txBody>
-      </p:sp>
-    </p:spTree>
-    <p:extLst>
-      <p:ext uri="{BB962C8B-B14F-4D97-AF65-F5344CB8AC3E}">
-        <p14:creationId xmlns:p14="http://schemas.microsoft.com/office/powerpoint/2010/main" val="4086997159"/>
-      </p:ext>
-    </p:extLst>
-  </p:cSld>
-  <p:clrMapOvr>
-    <a:masterClrMapping/>
-  </p:clrMapOvr>
-  <mc:AlternateContent xmlns:mc="http://schemas.openxmlformats.org/markup-compatibility/2006" xmlns:p14="http://schemas.microsoft.com/office/powerpoint/2010/main">
-    <mc:Choice Requires="p14">
-      <p:transition spd="slow" p14:dur="1500">
-        <p:pull/>
-      </p:transition>
-    </mc:Choice>
-    <mc:Fallback xmlns="">
-      <p:transition spd="slow">
-        <p:pull/>
-      </p:transition>
-    </mc:Fallback>
-  </mc:AlternateContent>
-</p:sld>
-</file>
-
-<file path=ppt/slides/slide38.xml><?xml version="1.0" encoding="utf-8"?>
-<p:sld xmlns:a="http://schemas.openxmlformats.org/drawingml/2006/main" xmlns:r="http://schemas.openxmlformats.org/officeDocument/2006/relationships" xmlns:p="http://schemas.openxmlformats.org/presentationml/2006/main">
-  <p:cSld>
-    <p:spTree>
-      <p:nvGrpSpPr>
-        <p:cNvPr id="1" name=""/>
-        <p:cNvGrpSpPr/>
-        <p:nvPr/>
-      </p:nvGrpSpPr>
-      <p:grpSpPr>
-        <a:xfrm>
-          <a:off x="0" y="0"/>
-          <a:ext cx="0" cy="0"/>
-          <a:chOff x="0" y="0"/>
-          <a:chExt cx="0" cy="0"/>
-        </a:xfrm>
-      </p:grpSpPr>
-      <p:sp>
-        <p:nvSpPr>
-          <p:cNvPr id="12" name="Titre 1">
-            <a:extLst>
-              <a:ext uri="{FF2B5EF4-FFF2-40B4-BE49-F238E27FC236}">
-                <a16:creationId xmlns:a16="http://schemas.microsoft.com/office/drawing/2014/main" id="{D8795752-927C-09EE-8677-49863B3D4DC9}"/>
-              </a:ext>
-            </a:extLst>
-          </p:cNvPr>
-          <p:cNvSpPr txBox="1">
-            <a:spLocks/>
-          </p:cNvSpPr>
-          <p:nvPr/>
-        </p:nvSpPr>
-        <p:spPr>
-          <a:xfrm>
-            <a:off x="2105890" y="278669"/>
-            <a:ext cx="8104909" cy="1079076"/>
-          </a:xfrm>
-          <a:prstGeom prst="rect">
-            <a:avLst/>
-          </a:prstGeom>
-        </p:spPr>
-        <p:txBody>
-          <a:bodyPr vert="horz" lIns="91440" tIns="45720" rIns="91440" bIns="45720" rtlCol="0" anchor="ctr">
-            <a:normAutofit/>
-          </a:bodyPr>
-          <a:lstStyle>
-            <a:lvl1pPr algn="l" defTabSz="914400" rtl="0" eaLnBrk="1" latinLnBrk="0" hangingPunct="1">
-              <a:lnSpc>
-                <a:spcPct val="90000"/>
-              </a:lnSpc>
-              <a:spcBef>
-                <a:spcPct val="0"/>
-              </a:spcBef>
-              <a:buNone/>
-              <a:defRPr sz="4400" kern="1200">
-                <a:solidFill>
-                  <a:schemeClr val="tx1"/>
-                </a:solidFill>
-                <a:latin typeface="+mj-lt"/>
-                <a:ea typeface="+mj-ea"/>
-                <a:cs typeface="+mj-cs"/>
-              </a:defRPr>
-            </a:lvl1pPr>
-          </a:lstStyle>
-          <a:p>
-            <a:pPr algn="ctr"/>
-            <a:r>
-              <a:rPr lang="en-US" b="1" dirty="0">
-                <a:solidFill>
-                  <a:schemeClr val="tx1">
-                    <a:lumMod val="65000"/>
-                    <a:lumOff val="35000"/>
-                  </a:schemeClr>
-                </a:solidFill>
-                <a:latin typeface="Century Gothic" panose="020B0502020202020204" pitchFamily="34" charset="0"/>
-              </a:rPr>
-              <a:t>Backend</a:t>
-            </a:r>
-            <a:endParaRPr lang="en-US" dirty="0">
-              <a:solidFill>
-                <a:schemeClr val="tx1">
-                  <a:lumMod val="65000"/>
-                  <a:lumOff val="35000"/>
-                </a:schemeClr>
-              </a:solidFill>
-              <a:latin typeface="Century Gothic" panose="020B0502020202020204" pitchFamily="34" charset="0"/>
-            </a:endParaRPr>
-          </a:p>
-        </p:txBody>
-      </p:sp>
-      <p:sp>
-        <p:nvSpPr>
-          <p:cNvPr id="14" name="Rectangle 13"/>
-          <p:cNvSpPr/>
-          <p:nvPr/>
-        </p:nvSpPr>
-        <p:spPr>
-          <a:xfrm>
-            <a:off x="2022763" y="1052945"/>
-            <a:ext cx="7952508" cy="5303405"/>
-          </a:xfrm>
-          <a:prstGeom prst="rect">
-            <a:avLst/>
-          </a:prstGeom>
-          <a:blipFill dpi="0" rotWithShape="1">
-            <a:blip r:embed="rId2" cstate="print">
-              <a:extLst>
-                <a:ext uri="{28A0092B-C50C-407E-A947-70E740481C1C}">
-                  <a14:useLocalDpi xmlns:a14="http://schemas.microsoft.com/office/drawing/2010/main" val="0"/>
-                </a:ext>
-              </a:extLst>
-            </a:blip>
-            <a:srcRect/>
-            <a:stretch>
-              <a:fillRect/>
-            </a:stretch>
-          </a:blipFill>
-          <a:ln>
-            <a:noFill/>
-          </a:ln>
-        </p:spPr>
-        <p:style>
-          <a:lnRef idx="2">
-            <a:schemeClr val="accent1">
-              <a:shade val="50000"/>
-            </a:schemeClr>
-          </a:lnRef>
-          <a:fillRef idx="1">
-            <a:schemeClr val="accent1"/>
-          </a:fillRef>
-          <a:effectRef idx="0">
-            <a:schemeClr val="accent1"/>
-          </a:effectRef>
-          <a:fontRef idx="minor">
-            <a:schemeClr val="lt1"/>
-          </a:fontRef>
-        </p:style>
-        <p:txBody>
-          <a:bodyPr rot="0" spcFirstLastPara="0" vert="horz" wrap="square" lIns="91440" tIns="45720" rIns="91440" bIns="45720" numCol="1" spcCol="0" rtlCol="0" fromWordArt="0" anchor="ctr" anchorCtr="0" forceAA="0" compatLnSpc="1">
-            <a:prstTxWarp prst="textNoShape">
-              <a:avLst/>
-            </a:prstTxWarp>
-            <a:noAutofit/>
-          </a:bodyPr>
-          <a:lstStyle/>
-          <a:p>
-            <a:endParaRPr lang="fr-FR"/>
-          </a:p>
-        </p:txBody>
-      </p:sp>
-      <p:sp>
-        <p:nvSpPr>
-          <p:cNvPr id="6" name="Espace réservé du numéro de diapositive 5"/>
-          <p:cNvSpPr>
-            <a:spLocks noGrp="1"/>
-          </p:cNvSpPr>
-          <p:nvPr>
-            <p:ph type="sldNum" sz="quarter" idx="12"/>
-          </p:nvPr>
-        </p:nvSpPr>
-        <p:spPr/>
-        <p:txBody>
-          <a:bodyPr/>
-          <a:lstStyle/>
-          <a:p>
-            <a:fld id="{6717A047-6DF3-4C8C-9C12-C17027B947F2}" type="slidenum">
-              <a:rPr lang="en-US" smtClean="0"/>
-              <a:t>38</a:t>
-            </a:fld>
-            <a:endParaRPr lang="en-US"/>
-          </a:p>
-        </p:txBody>
-      </p:sp>
-    </p:spTree>
-    <p:extLst>
-      <p:ext uri="{BB962C8B-B14F-4D97-AF65-F5344CB8AC3E}">
-        <p14:creationId xmlns:p14="http://schemas.microsoft.com/office/powerpoint/2010/main" val="1885770844"/>
-      </p:ext>
-    </p:extLst>
-  </p:cSld>
-  <p:clrMapOvr>
-    <a:masterClrMapping/>
-  </p:clrMapOvr>
-  <p:timing>
-    <p:tnLst>
-      <p:par>
-        <p:cTn id="1" dur="indefinite" restart="never" nodeType="tmRoot">
-          <p:childTnLst>
-            <p:seq concurrent="1" nextAc="seek">
-              <p:cTn id="2" dur="indefinite" nodeType="mainSeq">
-                <p:childTnLst>
-                  <p:par>
-                    <p:cTn id="3" fill="hold">
-                      <p:stCondLst>
-                        <p:cond delay="indefinite"/>
-                      </p:stCondLst>
-                      <p:childTnLst>
-                        <p:par>
-                          <p:cTn id="4" fill="hold">
-                            <p:stCondLst>
-                              <p:cond delay="0"/>
-                            </p:stCondLst>
-                            <p:childTnLst>
-                              <p:par>
-                                <p:cTn id="5" presetID="22" presetClass="entr" presetSubtype="4" fill="hold" grpId="0" nodeType="clickEffect">
-                                  <p:stCondLst>
-                                    <p:cond delay="0"/>
-                                  </p:stCondLst>
-                                  <p:childTnLst>
-                                    <p:set>
-                                      <p:cBhvr>
-                                        <p:cTn id="6" dur="1" fill="hold">
-                                          <p:stCondLst>
-                                            <p:cond delay="0"/>
-                                          </p:stCondLst>
-                                        </p:cTn>
-                                        <p:tgtEl>
-                                          <p:spTgt spid="14"/>
-                                        </p:tgtEl>
-                                        <p:attrNameLst>
-                                          <p:attrName>style.visibility</p:attrName>
-                                        </p:attrNameLst>
-                                      </p:cBhvr>
-                                      <p:to>
-                                        <p:strVal val="visible"/>
-                                      </p:to>
-                                    </p:set>
-                                    <p:animEffect transition="in" filter="wipe(down)">
-                                      <p:cBhvr>
-                                        <p:cTn id="7" dur="500"/>
-                                        <p:tgtEl>
-                                          <p:spTgt spid="14"/>
-                                        </p:tgtEl>
-                                      </p:cBhvr>
-                                    </p:animEffect>
-                                  </p:childTnLst>
-                                </p:cTn>
-                              </p:par>
-                            </p:childTnLst>
-                          </p:cTn>
-                        </p:par>
-                      </p:childTnLst>
-                    </p:cTn>
-                  </p:par>
-                </p:childTnLst>
-              </p:cTn>
-              <p:prevCondLst>
-                <p:cond evt="onPrev" delay="0">
-                  <p:tgtEl>
-                    <p:sldTgt/>
-                  </p:tgtEl>
-                </p:cond>
-              </p:prevCondLst>
-              <p:nextCondLst>
-                <p:cond evt="onNext" delay="0">
-                  <p:tgtEl>
-                    <p:sldTgt/>
-                  </p:tgtEl>
-                </p:cond>
-              </p:nextCondLst>
-            </p:seq>
-          </p:childTnLst>
-        </p:cTn>
-      </p:par>
-    </p:tnLst>
-    <p:bldLst>
-      <p:bldP spid="14" grpId="0" animBg="1"/>
-    </p:bldLst>
-  </p:timing>
-</p:sld>
-</file>
-
-<file path=ppt/slides/slide39.xml><?xml version="1.0" encoding="utf-8"?>
-<p:sld xmlns:a="http://schemas.openxmlformats.org/drawingml/2006/main" xmlns:r="http://schemas.openxmlformats.org/officeDocument/2006/relationships" xmlns:p="http://schemas.openxmlformats.org/presentationml/2006/main">
-  <p:cSld>
-    <p:spTree>
-      <p:nvGrpSpPr>
-        <p:cNvPr id="1" name=""/>
-        <p:cNvGrpSpPr/>
-        <p:nvPr/>
-      </p:nvGrpSpPr>
-      <p:grpSpPr>
-        <a:xfrm>
-          <a:off x="0" y="0"/>
-          <a:ext cx="0" cy="0"/>
-          <a:chOff x="0" y="0"/>
-          <a:chExt cx="0" cy="0"/>
-        </a:xfrm>
-      </p:grpSpPr>
-      <p:sp>
-        <p:nvSpPr>
-          <p:cNvPr id="12" name="Titre 1">
-            <a:extLst>
-              <a:ext uri="{FF2B5EF4-FFF2-40B4-BE49-F238E27FC236}">
-                <a16:creationId xmlns:a16="http://schemas.microsoft.com/office/drawing/2014/main" id="{D8795752-927C-09EE-8677-49863B3D4DC9}"/>
-              </a:ext>
-            </a:extLst>
-          </p:cNvPr>
-          <p:cNvSpPr txBox="1">
-            <a:spLocks/>
-          </p:cNvSpPr>
-          <p:nvPr/>
-        </p:nvSpPr>
-        <p:spPr>
-          <a:xfrm>
-            <a:off x="2105890" y="278669"/>
-            <a:ext cx="8104909" cy="1079076"/>
-          </a:xfrm>
-          <a:prstGeom prst="rect">
-            <a:avLst/>
-          </a:prstGeom>
-        </p:spPr>
-        <p:txBody>
-          <a:bodyPr vert="horz" lIns="91440" tIns="45720" rIns="91440" bIns="45720" rtlCol="0" anchor="ctr">
-            <a:normAutofit/>
-          </a:bodyPr>
-          <a:lstStyle>
-            <a:lvl1pPr algn="l" defTabSz="914400" rtl="0" eaLnBrk="1" latinLnBrk="0" hangingPunct="1">
-              <a:lnSpc>
-                <a:spcPct val="90000"/>
-              </a:lnSpc>
-              <a:spcBef>
-                <a:spcPct val="0"/>
-              </a:spcBef>
-              <a:buNone/>
-              <a:defRPr sz="4400" kern="1200">
-                <a:solidFill>
-                  <a:schemeClr val="tx1"/>
-                </a:solidFill>
-                <a:latin typeface="+mj-lt"/>
-                <a:ea typeface="+mj-ea"/>
-                <a:cs typeface="+mj-cs"/>
-              </a:defRPr>
-            </a:lvl1pPr>
-          </a:lstStyle>
-          <a:p>
-            <a:pPr algn="ctr"/>
-            <a:r>
-              <a:rPr lang="en-US" b="1" dirty="0">
-                <a:solidFill>
-                  <a:schemeClr val="tx1">
-                    <a:lumMod val="65000"/>
-                    <a:lumOff val="35000"/>
-                  </a:schemeClr>
-                </a:solidFill>
-                <a:latin typeface="Century Gothic" panose="020B0502020202020204" pitchFamily="34" charset="0"/>
-              </a:rPr>
-              <a:t>Frontend</a:t>
-            </a:r>
-            <a:endParaRPr lang="en-US" dirty="0">
-              <a:solidFill>
-                <a:schemeClr val="tx1">
-                  <a:lumMod val="65000"/>
-                  <a:lumOff val="35000"/>
-                </a:schemeClr>
-              </a:solidFill>
-              <a:latin typeface="Century Gothic" panose="020B0502020202020204" pitchFamily="34" charset="0"/>
-            </a:endParaRPr>
-          </a:p>
-        </p:txBody>
-      </p:sp>
-      <p:sp>
-        <p:nvSpPr>
-          <p:cNvPr id="6" name="Rectangle 5"/>
-          <p:cNvSpPr/>
-          <p:nvPr/>
-        </p:nvSpPr>
-        <p:spPr>
-          <a:xfrm>
-            <a:off x="2105890" y="1953492"/>
-            <a:ext cx="8963891" cy="3851564"/>
-          </a:xfrm>
-          <a:prstGeom prst="rect">
-            <a:avLst/>
-          </a:prstGeom>
-          <a:blipFill dpi="0" rotWithShape="1">
-            <a:blip r:embed="rId2">
-              <a:extLst>
-                <a:ext uri="{28A0092B-C50C-407E-A947-70E740481C1C}">
-                  <a14:useLocalDpi xmlns:a14="http://schemas.microsoft.com/office/drawing/2010/main" val="0"/>
-                </a:ext>
-              </a:extLst>
-            </a:blip>
-            <a:srcRect/>
-            <a:stretch>
-              <a:fillRect/>
-            </a:stretch>
-          </a:blipFill>
-        </p:spPr>
-        <p:style>
-          <a:lnRef idx="2">
-            <a:schemeClr val="accent1">
-              <a:shade val="50000"/>
-            </a:schemeClr>
-          </a:lnRef>
-          <a:fillRef idx="1">
-            <a:schemeClr val="accent1"/>
-          </a:fillRef>
-          <a:effectRef idx="0">
-            <a:schemeClr val="accent1"/>
-          </a:effectRef>
-          <a:fontRef idx="minor">
-            <a:schemeClr val="lt1"/>
-          </a:fontRef>
-        </p:style>
-        <p:txBody>
-          <a:bodyPr rot="0" spcFirstLastPara="0" vert="horz" wrap="square" lIns="91440" tIns="45720" rIns="91440" bIns="45720" numCol="1" spcCol="0" rtlCol="0" fromWordArt="0" anchor="ctr" anchorCtr="0" forceAA="0" compatLnSpc="1">
-            <a:prstTxWarp prst="textNoShape">
-              <a:avLst/>
-            </a:prstTxWarp>
-            <a:noAutofit/>
-          </a:bodyPr>
-          <a:lstStyle/>
-          <a:p>
-            <a:endParaRPr lang="fr-FR"/>
-          </a:p>
-        </p:txBody>
-      </p:sp>
-      <p:sp>
-        <p:nvSpPr>
-          <p:cNvPr id="7" name="Espace réservé du numéro de diapositive 6"/>
-          <p:cNvSpPr>
-            <a:spLocks noGrp="1"/>
-          </p:cNvSpPr>
-          <p:nvPr>
-            <p:ph type="sldNum" sz="quarter" idx="12"/>
-          </p:nvPr>
-        </p:nvSpPr>
-        <p:spPr/>
-        <p:txBody>
-          <a:bodyPr/>
-          <a:lstStyle/>
-          <a:p>
-            <a:fld id="{6717A047-6DF3-4C8C-9C12-C17027B947F2}" type="slidenum">
-              <a:rPr lang="en-US" smtClean="0"/>
-              <a:t>39</a:t>
-            </a:fld>
-            <a:endParaRPr lang="en-US"/>
-          </a:p>
-        </p:txBody>
-      </p:sp>
-    </p:spTree>
-    <p:extLst>
-      <p:ext uri="{BB962C8B-B14F-4D97-AF65-F5344CB8AC3E}">
-        <p14:creationId xmlns:p14="http://schemas.microsoft.com/office/powerpoint/2010/main" val="483079158"/>
-      </p:ext>
-    </p:extLst>
-  </p:cSld>
-  <p:clrMapOvr>
-    <a:masterClrMapping/>
-  </p:clrMapOvr>
-  <p:timing>
-    <p:tnLst>
-      <p:par>
-        <p:cTn id="1" dur="indefinite" restart="never" nodeType="tmRoot">
-          <p:childTnLst>
-            <p:seq concurrent="1" nextAc="seek">
-              <p:cTn id="2" dur="indefinite" nodeType="mainSeq">
-                <p:childTnLst>
-                  <p:par>
-                    <p:cTn id="3" fill="hold">
-                      <p:stCondLst>
-                        <p:cond delay="indefinite"/>
-                      </p:stCondLst>
-                      <p:childTnLst>
-                        <p:par>
-                          <p:cTn id="4" fill="hold">
-                            <p:stCondLst>
-                              <p:cond delay="0"/>
-                            </p:stCondLst>
-                            <p:childTnLst>
-                              <p:par>
-                                <p:cTn id="5" presetID="22" presetClass="entr" presetSubtype="4" fill="hold" grpId="0" nodeType="clickEffect">
-                                  <p:stCondLst>
-                                    <p:cond delay="0"/>
-                                  </p:stCondLst>
-                                  <p:childTnLst>
-                                    <p:set>
-                                      <p:cBhvr>
-                                        <p:cTn id="6" dur="1" fill="hold">
-                                          <p:stCondLst>
-                                            <p:cond delay="0"/>
-                                          </p:stCondLst>
-                                        </p:cTn>
-                                        <p:tgtEl>
-                                          <p:spTgt spid="6"/>
-                                        </p:tgtEl>
-                                        <p:attrNameLst>
-                                          <p:attrName>style.visibility</p:attrName>
-                                        </p:attrNameLst>
-                                      </p:cBhvr>
-                                      <p:to>
-                                        <p:strVal val="visible"/>
-                                      </p:to>
-                                    </p:set>
-                                    <p:animEffect transition="in" filter="wipe(down)">
-                                      <p:cBhvr>
-                                        <p:cTn id="7" dur="500"/>
-                                        <p:tgtEl>
-                                          <p:spTgt spid="6"/>
-                                        </p:tgtEl>
-                                      </p:cBhvr>
-                                    </p:animEffect>
-                                  </p:childTnLst>
-                                </p:cTn>
-                              </p:par>
-                            </p:childTnLst>
-                          </p:cTn>
-                        </p:par>
-                      </p:childTnLst>
-                    </p:cTn>
-                  </p:par>
-                </p:childTnLst>
-              </p:cTn>
-              <p:prevCondLst>
-                <p:cond evt="onPrev" delay="0">
-                  <p:tgtEl>
-                    <p:sldTgt/>
-                  </p:tgtEl>
-                </p:cond>
-              </p:prevCondLst>
-              <p:nextCondLst>
-                <p:cond evt="onNext" delay="0">
-                  <p:tgtEl>
-                    <p:sldTgt/>
-                  </p:tgtEl>
-                </p:cond>
-              </p:nextCondLst>
-            </p:seq>
-          </p:childTnLst>
-        </p:cTn>
-      </p:par>
-    </p:tnLst>
-    <p:bldLst>
-      <p:bldP spid="6" grpId="0" animBg="1"/>
-    </p:bldLst>
   </p:timing>
 </p:sld>
 </file>

--- a/Présentation_Medos.pptx
+++ b/Présentation_Medos.pptx
@@ -22377,66 +22377,6 @@
       </p:grpSpPr>
       <p:sp>
         <p:nvSpPr>
-          <p:cNvPr id="2" name="Titre 1">
-            <a:extLst>
-              <a:ext uri="{FF2B5EF4-FFF2-40B4-BE49-F238E27FC236}">
-                <a16:creationId xmlns:a16="http://schemas.microsoft.com/office/drawing/2014/main" id="{0A2741C2-2C2C-8F55-7166-C457FB998AAF}"/>
-              </a:ext>
-            </a:extLst>
-          </p:cNvPr>
-          <p:cNvSpPr>
-            <a:spLocks noGrp="1"/>
-          </p:cNvSpPr>
-          <p:nvPr>
-            <p:ph type="title"/>
-          </p:nvPr>
-        </p:nvSpPr>
-        <p:spPr>
-          <a:xfrm>
-            <a:off x="1693499" y="2766218"/>
-            <a:ext cx="9819628" cy="1431709"/>
-          </a:xfrm>
-        </p:spPr>
-        <p:txBody>
-          <a:bodyPr>
-            <a:normAutofit fontScale="90000"/>
-          </a:bodyPr>
-          <a:lstStyle/>
-          <a:p>
-            <a:r>
-              <a:rPr lang="fr-FR" sz="5800" b="1" dirty="0">
-                <a:solidFill>
-                  <a:srgbClr val="275C8D"/>
-                </a:solidFill>
-                <a:effectLst>
-                  <a:outerShdw blurRad="38100" dist="38100" dir="2700000" algn="tl">
-                    <a:srgbClr val="000000">
-                      <a:alpha val="43137"/>
-                    </a:srgbClr>
-                  </a:outerShdw>
-                </a:effectLst>
-                <a:latin typeface="Century Gothic" panose="020B0502020202020204" pitchFamily="34" charset="0"/>
-              </a:rPr>
-              <a:t>5.Conclusion &amp; perspectives</a:t>
-            </a:r>
-            <a:endParaRPr lang="en-US" sz="5800" b="1" dirty="0">
-              <a:solidFill>
-                <a:srgbClr val="275C8D"/>
-              </a:solidFill>
-              <a:effectLst>
-                <a:outerShdw blurRad="38100" dist="38100" dir="2700000" algn="tl">
-                  <a:srgbClr val="000000">
-                    <a:alpha val="43137"/>
-                  </a:srgbClr>
-                </a:outerShdw>
-              </a:effectLst>
-              <a:latin typeface="Century Gothic" panose="020B0502020202020204" pitchFamily="34" charset="0"/>
-            </a:endParaRPr>
-          </a:p>
-        </p:txBody>
-      </p:sp>
-      <p:sp>
-        <p:nvSpPr>
           <p:cNvPr id="7" name="Espace réservé du numéro de diapositive 6"/>
           <p:cNvSpPr>
             <a:spLocks noGrp="1"/>
@@ -22455,6 +22395,74 @@
               <a:t>27</a:t>
             </a:fld>
             <a:endParaRPr lang="en-US"/>
+          </a:p>
+        </p:txBody>
+      </p:sp>
+      <p:sp>
+        <p:nvSpPr>
+          <p:cNvPr id="3" name="Google Shape;554;p16">
+            <a:extLst>
+              <a:ext uri="{FF2B5EF4-FFF2-40B4-BE49-F238E27FC236}">
+                <a16:creationId xmlns:a16="http://schemas.microsoft.com/office/drawing/2014/main" id="{A65F65E2-BA37-EB7B-D5E7-52684C2ABDA6}"/>
+              </a:ext>
+            </a:extLst>
+          </p:cNvPr>
+          <p:cNvSpPr/>
+          <p:nvPr/>
+        </p:nvSpPr>
+        <p:spPr>
+          <a:xfrm>
+            <a:off x="0" y="1"/>
+            <a:ext cx="12191999" cy="6857999"/>
+          </a:xfrm>
+          <a:prstGeom prst="rect">
+            <a:avLst/>
+          </a:prstGeom>
+          <a:solidFill>
+            <a:srgbClr val="173F5F"/>
+          </a:solidFill>
+          <a:ln w="25400" cap="flat" cmpd="sng">
+            <a:solidFill>
+              <a:srgbClr val="173F5F"/>
+            </a:solidFill>
+            <a:prstDash val="solid"/>
+            <a:round/>
+            <a:headEnd type="none" w="sm" len="sm"/>
+            <a:tailEnd type="none" w="sm" len="sm"/>
+          </a:ln>
+        </p:spPr>
+        <p:txBody>
+          <a:bodyPr spcFirstLastPara="1" wrap="square" lIns="91425" tIns="45700" rIns="91425" bIns="45700" anchor="ctr" anchorCtr="0">
+            <a:noAutofit/>
+          </a:bodyPr>
+          <a:lstStyle/>
+          <a:p>
+            <a:pPr lvl="0" algn="ctr"/>
+            <a:r>
+              <a:rPr lang="fr-FR" sz="3200" b="1" dirty="0">
+                <a:solidFill>
+                  <a:schemeClr val="bg1"/>
+                </a:solidFill>
+                <a:effectLst>
+                  <a:outerShdw blurRad="38100" dist="38100" dir="2700000" algn="tl">
+                    <a:srgbClr val="000000">
+                      <a:alpha val="43137"/>
+                    </a:srgbClr>
+                  </a:outerShdw>
+                </a:effectLst>
+                <a:latin typeface="Century Gothic" panose="020B0502020202020204" pitchFamily="34" charset="0"/>
+              </a:rPr>
+              <a:t>5.Conclusion &amp; perspectives</a:t>
+            </a:r>
+            <a:endParaRPr sz="3000" b="0" i="0" u="none" strike="noStrike" cap="none" dirty="0">
+              <a:solidFill>
+                <a:schemeClr val="bg1"/>
+              </a:solidFill>
+              <a:latin typeface="Twentieth Century"/>
+              <a:ea typeface="Twentieth Century"/>
+              <a:cs typeface="Twentieth Century"/>
+              <a:sym typeface="Twentieth Century"/>
+            </a:endParaRPr>
           </a:p>
         </p:txBody>
       </p:sp>
@@ -22480,6 +22488,92 @@
       </p:transition>
     </mc:Fallback>
   </mc:AlternateContent>
+  <p:timing>
+    <p:tnLst>
+      <p:par>
+        <p:cTn id="1" dur="indefinite" restart="never" nodeType="tmRoot">
+          <p:childTnLst>
+            <p:seq concurrent="1" nextAc="seek">
+              <p:cTn id="2" dur="indefinite" nodeType="mainSeq">
+                <p:childTnLst>
+                  <p:par>
+                    <p:cTn id="3" fill="hold">
+                      <p:stCondLst>
+                        <p:cond delay="indefinite"/>
+                        <p:cond evt="onBegin" delay="0">
+                          <p:tn val="2"/>
+                        </p:cond>
+                      </p:stCondLst>
+                      <p:childTnLst>
+                        <p:par>
+                          <p:cTn id="4" fill="hold">
+                            <p:stCondLst>
+                              <p:cond delay="0"/>
+                            </p:stCondLst>
+                            <p:childTnLst>
+                              <p:par>
+                                <p:cTn id="5" presetID="10" presetClass="entr" presetSubtype="0" fill="hold" nodeType="withEffect">
+                                  <p:stCondLst>
+                                    <p:cond delay="0"/>
+                                  </p:stCondLst>
+                                  <p:childTnLst>
+                                    <p:set>
+                                      <p:cBhvr>
+                                        <p:cTn id="6" dur="1" fill="hold">
+                                          <p:stCondLst>
+                                            <p:cond delay="0"/>
+                                          </p:stCondLst>
+                                        </p:cTn>
+                                        <p:tgtEl>
+                                          <p:spTgt spid="3"/>
+                                        </p:tgtEl>
+                                        <p:attrNameLst>
+                                          <p:attrName>style.visibility</p:attrName>
+                                        </p:attrNameLst>
+                                      </p:cBhvr>
+                                      <p:to>
+                                        <p:strVal val="visible"/>
+                                      </p:to>
+                                    </p:set>
+                                    <p:animEffect transition="in" filter="fade">
+                                      <p:cBhvr>
+                                        <p:cTn id="7" dur="500"/>
+                                        <p:tgtEl>
+                                          <p:spTgt spid="3"/>
+                                        </p:tgtEl>
+                                      </p:cBhvr>
+                                    </p:animEffect>
+                                  </p:childTnLst>
+                                </p:cTn>
+                              </p:par>
+                            </p:childTnLst>
+                          </p:cTn>
+                        </p:par>
+                      </p:childTnLst>
+                    </p:cTn>
+                  </p:par>
+                </p:childTnLst>
+              </p:cTn>
+              <p:prevCondLst>
+                <p:cond evt="onPrev" delay="0">
+                  <p:tgtEl>
+                    <p:sldTgt/>
+                  </p:tgtEl>
+                </p:cond>
+              </p:prevCondLst>
+              <p:nextCondLst>
+                <p:cond evt="onNext" delay="0">
+                  <p:tgtEl>
+                    <p:sldTgt/>
+                  </p:tgtEl>
+                </p:cond>
+              </p:nextCondLst>
+            </p:seq>
+          </p:childTnLst>
+        </p:cTn>
+      </p:par>
+    </p:tnLst>
+  </p:timing>
 </p:sld>
 </file>
 
